--- a/과제PPT/데이터베이스 1강.pptx
+++ b/과제PPT/데이터베이스 1강.pptx
@@ -36,19 +36,6 @@
     <p:sldId id="293" r:id="rId30"/>
     <p:sldId id="285" r:id="rId31"/>
     <p:sldId id="286" r:id="rId32"/>
-    <p:sldId id="287" r:id="rId33"/>
-    <p:sldId id="295" r:id="rId34"/>
-    <p:sldId id="288" r:id="rId35"/>
-    <p:sldId id="289" r:id="rId36"/>
-    <p:sldId id="290" r:id="rId37"/>
-    <p:sldId id="291" r:id="rId38"/>
-    <p:sldId id="292" r:id="rId39"/>
-    <p:sldId id="277" r:id="rId40"/>
-    <p:sldId id="278" r:id="rId41"/>
-    <p:sldId id="296" r:id="rId42"/>
-    <p:sldId id="297" r:id="rId43"/>
-    <p:sldId id="298" r:id="rId44"/>
-    <p:sldId id="299" r:id="rId45"/>
   </p:sldIdLst>
   <p:sldSz cx="12192000" cy="6858000"/>
   <p:notesSz cx="6858000" cy="9144000"/>
@@ -2866,7 +2853,7 @@
           <inkml:channelProperty channel="Y" name="resolution" value="1000" units="1/cm"/>
         </inkml:channelProperties>
       </inkml:inkSource>
-      <inkml:timestamp xml:id="ts0" timeString="2023-05-08T04:22:55.573"/>
+      <inkml:timestamp xml:id="ts0" timeString="2023-05-08T23:37:21.805"/>
     </inkml:context>
     <inkml:brush xml:id="br0">
       <inkml:brushProperty name="width" value="0.3" units="cm"/>
@@ -2877,7 +2864,7 @@
       <inkml:brushProperty name="ignorePressure" value="1"/>
     </inkml:brush>
   </inkml:definitions>
-  <inkml:trace contextRef="#ctx0" brushRef="#br0">0 1,'21593'0,"-21561"0</inkml:trace>
+  <inkml:trace contextRef="#ctx0" brushRef="#br0">1 0,'20235'0,"-20196"0</inkml:trace>
 </inkml:ink>
 </file>
 
@@ -2895,7 +2882,7 @@
           <inkml:channelProperty channel="Y" name="resolution" value="1000" units="1/cm"/>
         </inkml:channelProperties>
       </inkml:inkSource>
-      <inkml:timestamp xml:id="ts0" timeString="2023-05-08T04:22:59.175"/>
+      <inkml:timestamp xml:id="ts0" timeString="2023-05-08T23:37:30.294"/>
     </inkml:context>
     <inkml:brush xml:id="br0">
       <inkml:brushProperty name="width" value="0.3" units="cm"/>
@@ -2906,65 +2893,7 @@
       <inkml:brushProperty name="ignorePressure" value="1"/>
     </inkml:brush>
   </inkml:definitions>
-  <inkml:trace contextRef="#ctx0" brushRef="#br0">0 1,'21279'0,"-21243"0</inkml:trace>
-</inkml:ink>
-</file>
-
-<file path=ppt/ink/ink96.xml><?xml version="1.0" encoding="utf-8"?>
-<inkml:ink xmlns:inkml="http://www.w3.org/2003/InkML">
-  <inkml:definitions>
-    <inkml:context xml:id="ctx0">
-      <inkml:inkSource xml:id="inkSrc0">
-        <inkml:traceFormat>
-          <inkml:channel name="X" type="integer" min="-2.14748E9" max="2.14748E9" units="cm"/>
-          <inkml:channel name="Y" type="integer" min="-2.14748E9" max="2.14748E9" units="cm"/>
-        </inkml:traceFormat>
-        <inkml:channelProperties>
-          <inkml:channelProperty channel="X" name="resolution" value="1000" units="1/cm"/>
-          <inkml:channelProperty channel="Y" name="resolution" value="1000" units="1/cm"/>
-        </inkml:channelProperties>
-      </inkml:inkSource>
-      <inkml:timestamp xml:id="ts0" timeString="2023-05-08T04:23:03.327"/>
-    </inkml:context>
-    <inkml:brush xml:id="br0">
-      <inkml:brushProperty name="width" value="0.3" units="cm"/>
-      <inkml:brushProperty name="height" value="0.6" units="cm"/>
-      <inkml:brushProperty name="color" value="#FF6801"/>
-      <inkml:brushProperty name="tip" value="rectangle"/>
-      <inkml:brushProperty name="rasterOp" value="maskPen"/>
-      <inkml:brushProperty name="ignorePressure" value="1"/>
-    </inkml:brush>
-  </inkml:definitions>
-  <inkml:trace contextRef="#ctx0" brushRef="#br0">1 0,'21207'0,"-21174"0</inkml:trace>
-</inkml:ink>
-</file>
-
-<file path=ppt/ink/ink97.xml><?xml version="1.0" encoding="utf-8"?>
-<inkml:ink xmlns:inkml="http://www.w3.org/2003/InkML">
-  <inkml:definitions>
-    <inkml:context xml:id="ctx0">
-      <inkml:inkSource xml:id="inkSrc0">
-        <inkml:traceFormat>
-          <inkml:channel name="X" type="integer" min="-2.14748E9" max="2.14748E9" units="cm"/>
-          <inkml:channel name="Y" type="integer" min="-2.14748E9" max="2.14748E9" units="cm"/>
-        </inkml:traceFormat>
-        <inkml:channelProperties>
-          <inkml:channelProperty channel="X" name="resolution" value="1000" units="1/cm"/>
-          <inkml:channelProperty channel="Y" name="resolution" value="1000" units="1/cm"/>
-        </inkml:channelProperties>
-      </inkml:inkSource>
-      <inkml:timestamp xml:id="ts0" timeString="2023-05-08T04:23:11.183"/>
-    </inkml:context>
-    <inkml:brush xml:id="br0">
-      <inkml:brushProperty name="width" value="0.3" units="cm"/>
-      <inkml:brushProperty name="height" value="0.6" units="cm"/>
-      <inkml:brushProperty name="color" value="#FF6801"/>
-      <inkml:brushProperty name="tip" value="rectangle"/>
-      <inkml:brushProperty name="rasterOp" value="maskPen"/>
-      <inkml:brushProperty name="ignorePressure" value="1"/>
-    </inkml:brush>
-  </inkml:definitions>
-  <inkml:trace contextRef="#ctx0" brushRef="#br0">0 0</inkml:trace>
+  <inkml:trace contextRef="#ctx0" brushRef="#br0">0 0,'16259'0,"-12697"0,-3529 0</inkml:trace>
 </inkml:ink>
 </file>
 
@@ -3180,7 +3109,7 @@
             <a:fld id="{96DFF08F-DC6B-4601-B491-B0F83F6DD2DA}" type="datetimeFigureOut">
               <a:rPr lang="en-US" dirty="0"/>
               <a:pPr/>
-              <a:t>5/8/2023</a:t>
+              <a:t>5/9/2023</a:t>
             </a:fld>
             <a:endParaRPr lang="en-US" dirty="0"/>
           </a:p>
@@ -3397,7 +3326,7 @@
           <a:p>
             <a:fld id="{96DFF08F-DC6B-4601-B491-B0F83F6DD2DA}" type="datetimeFigureOut">
               <a:rPr lang="en-US" dirty="0"/>
-              <a:t>5/8/2023</a:t>
+              <a:t>5/9/2023</a:t>
             </a:fld>
             <a:endParaRPr lang="en-US" dirty="0"/>
           </a:p>
@@ -3572,7 +3501,7 @@
           <a:p>
             <a:fld id="{96DFF08F-DC6B-4601-B491-B0F83F6DD2DA}" type="datetimeFigureOut">
               <a:rPr lang="en-US" dirty="0"/>
-              <a:t>5/8/2023</a:t>
+              <a:t>5/9/2023</a:t>
             </a:fld>
             <a:endParaRPr lang="en-US" dirty="0"/>
           </a:p>
@@ -3737,7 +3666,7 @@
           <a:p>
             <a:fld id="{96DFF08F-DC6B-4601-B491-B0F83F6DD2DA}" type="datetimeFigureOut">
               <a:rPr lang="en-US" dirty="0"/>
-              <a:t>5/8/2023</a:t>
+              <a:t>5/9/2023</a:t>
             </a:fld>
             <a:endParaRPr lang="en-US" dirty="0"/>
           </a:p>
@@ -4006,7 +3935,7 @@
           <a:p>
             <a:fld id="{96DFF08F-DC6B-4601-B491-B0F83F6DD2DA}" type="datetimeFigureOut">
               <a:rPr lang="en-US" dirty="0"/>
-              <a:t>5/8/2023</a:t>
+              <a:t>5/9/2023</a:t>
             </a:fld>
             <a:endParaRPr lang="en-US" dirty="0"/>
           </a:p>
@@ -4324,7 +4253,7 @@
           <a:p>
             <a:fld id="{96DFF08F-DC6B-4601-B491-B0F83F6DD2DA}" type="datetimeFigureOut">
               <a:rPr lang="en-US" dirty="0"/>
-              <a:t>5/8/2023</a:t>
+              <a:t>5/9/2023</a:t>
             </a:fld>
             <a:endParaRPr lang="en-US" dirty="0"/>
           </a:p>
@@ -4743,7 +4672,7 @@
           <a:p>
             <a:fld id="{96DFF08F-DC6B-4601-B491-B0F83F6DD2DA}" type="datetimeFigureOut">
               <a:rPr lang="en-US" dirty="0"/>
-              <a:t>5/8/2023</a:t>
+              <a:t>5/9/2023</a:t>
             </a:fld>
             <a:endParaRPr lang="en-US" dirty="0"/>
           </a:p>
@@ -4856,7 +4785,7 @@
           <a:p>
             <a:fld id="{96DFF08F-DC6B-4601-B491-B0F83F6DD2DA}" type="datetimeFigureOut">
               <a:rPr lang="en-US" dirty="0"/>
-              <a:t>5/8/2023</a:t>
+              <a:t>5/9/2023</a:t>
             </a:fld>
             <a:endParaRPr lang="en-US" dirty="0"/>
           </a:p>
@@ -4946,7 +4875,7 @@
           <a:p>
             <a:fld id="{96DFF08F-DC6B-4601-B491-B0F83F6DD2DA}" type="datetimeFigureOut">
               <a:rPr lang="en-US" dirty="0"/>
-              <a:t>5/8/2023</a:t>
+              <a:t>5/9/2023</a:t>
             </a:fld>
             <a:endParaRPr lang="en-US" dirty="0"/>
           </a:p>
@@ -5231,7 +5160,7 @@
           <a:p>
             <a:fld id="{96DFF08F-DC6B-4601-B491-B0F83F6DD2DA}" type="datetimeFigureOut">
               <a:rPr lang="en-US" dirty="0"/>
-              <a:t>5/8/2023</a:t>
+              <a:t>5/9/2023</a:t>
             </a:fld>
             <a:endParaRPr lang="en-US" dirty="0"/>
           </a:p>
@@ -5498,7 +5427,7 @@
           <a:p>
             <a:fld id="{96DFF08F-DC6B-4601-B491-B0F83F6DD2DA}" type="datetimeFigureOut">
               <a:rPr lang="en-US" dirty="0"/>
-              <a:t>5/8/2023</a:t>
+              <a:t>5/9/2023</a:t>
             </a:fld>
             <a:endParaRPr lang="en-US" dirty="0"/>
           </a:p>
@@ -5748,7 +5677,7 @@
             <a:fld id="{96DFF08F-DC6B-4601-B491-B0F83F6DD2DA}" type="datetimeFigureOut">
               <a:rPr lang="en-US" dirty="0"/>
               <a:pPr/>
-              <a:t>5/8/2023</a:t>
+              <a:t>5/9/2023</a:t>
             </a:fld>
             <a:endParaRPr lang="en-US" dirty="0"/>
           </a:p>
@@ -6441,8 +6370,8 @@
           </a:prstGeom>
         </p:spPr>
       </p:pic>
-      <mc:AlternateContent xmlns:mc="http://schemas.openxmlformats.org/markup-compatibility/2006">
-        <mc:Choice xmlns:p14="http://schemas.microsoft.com/office/powerpoint/2010/main" Requires="p14">
+      <mc:AlternateContent xmlns:mc="http://schemas.openxmlformats.org/markup-compatibility/2006" xmlns:p14="http://schemas.microsoft.com/office/powerpoint/2010/main">
+        <mc:Choice Requires="p14">
           <p:contentPart p14:bwMode="auto" r:id="rId5">
             <p14:nvContentPartPr>
               <p14:cNvPr id="9" name="잉크 8">
@@ -6461,7 +6390,7 @@
             </p14:xfrm>
           </p:contentPart>
         </mc:Choice>
-        <mc:Fallback>
+        <mc:Fallback xmlns="">
           <p:pic>
             <p:nvPicPr>
               <p:cNvPr id="9" name="잉크 8">
@@ -6492,8 +6421,8 @@
           </p:pic>
         </mc:Fallback>
       </mc:AlternateContent>
-      <mc:AlternateContent xmlns:mc="http://schemas.openxmlformats.org/markup-compatibility/2006">
-        <mc:Choice xmlns:p14="http://schemas.microsoft.com/office/powerpoint/2010/main" Requires="p14">
+      <mc:AlternateContent xmlns:mc="http://schemas.openxmlformats.org/markup-compatibility/2006" xmlns:p14="http://schemas.microsoft.com/office/powerpoint/2010/main">
+        <mc:Choice Requires="p14">
           <p:contentPart p14:bwMode="auto" r:id="rId7">
             <p14:nvContentPartPr>
               <p14:cNvPr id="10" name="잉크 9">
@@ -6512,7 +6441,7 @@
             </p14:xfrm>
           </p:contentPart>
         </mc:Choice>
-        <mc:Fallback>
+        <mc:Fallback xmlns="">
           <p:pic>
             <p:nvPicPr>
               <p:cNvPr id="10" name="잉크 9">
@@ -6871,8 +6800,8 @@
           </a:p>
         </p:txBody>
       </p:sp>
-      <mc:AlternateContent xmlns:mc="http://schemas.openxmlformats.org/markup-compatibility/2006">
-        <mc:Choice xmlns:p14="http://schemas.microsoft.com/office/powerpoint/2010/main" Requires="p14">
+      <mc:AlternateContent xmlns:mc="http://schemas.openxmlformats.org/markup-compatibility/2006" xmlns:p14="http://schemas.microsoft.com/office/powerpoint/2010/main">
+        <mc:Choice Requires="p14">
           <p:contentPart p14:bwMode="auto" r:id="rId9">
             <p14:nvContentPartPr>
               <p14:cNvPr id="15" name="잉크 14">
@@ -6891,7 +6820,7 @@
             </p14:xfrm>
           </p:contentPart>
         </mc:Choice>
-        <mc:Fallback>
+        <mc:Fallback xmlns="">
           <p:pic>
             <p:nvPicPr>
               <p:cNvPr id="15" name="잉크 14">
@@ -6922,8 +6851,8 @@
           </p:pic>
         </mc:Fallback>
       </mc:AlternateContent>
-      <mc:AlternateContent xmlns:mc="http://schemas.openxmlformats.org/markup-compatibility/2006">
-        <mc:Choice xmlns:p14="http://schemas.microsoft.com/office/powerpoint/2010/main" Requires="p14">
+      <mc:AlternateContent xmlns:mc="http://schemas.openxmlformats.org/markup-compatibility/2006" xmlns:p14="http://schemas.microsoft.com/office/powerpoint/2010/main">
+        <mc:Choice Requires="p14">
           <p:contentPart p14:bwMode="auto" r:id="rId11">
             <p14:nvContentPartPr>
               <p14:cNvPr id="16" name="잉크 15">
@@ -6942,7 +6871,7 @@
             </p14:xfrm>
           </p:contentPart>
         </mc:Choice>
-        <mc:Fallback>
+        <mc:Fallback xmlns="">
           <p:pic>
             <p:nvPicPr>
               <p:cNvPr id="16" name="잉크 15">
@@ -7033,8 +6962,8 @@
           </a:prstGeom>
         </p:spPr>
       </p:pic>
-      <mc:AlternateContent xmlns:mc="http://schemas.openxmlformats.org/markup-compatibility/2006">
-        <mc:Choice xmlns:p14="http://schemas.microsoft.com/office/powerpoint/2010/main" Requires="p14">
+      <mc:AlternateContent xmlns:mc="http://schemas.openxmlformats.org/markup-compatibility/2006" xmlns:p14="http://schemas.microsoft.com/office/powerpoint/2010/main">
+        <mc:Choice Requires="p14">
           <p:contentPart p14:bwMode="auto" r:id="rId3">
             <p14:nvContentPartPr>
               <p14:cNvPr id="17" name="잉크 16">
@@ -7053,7 +6982,7 @@
             </p14:xfrm>
           </p:contentPart>
         </mc:Choice>
-        <mc:Fallback>
+        <mc:Fallback xmlns="">
           <p:pic>
             <p:nvPicPr>
               <p:cNvPr id="17" name="잉크 16">
@@ -7084,8 +7013,8 @@
           </p:pic>
         </mc:Fallback>
       </mc:AlternateContent>
-      <mc:AlternateContent xmlns:mc="http://schemas.openxmlformats.org/markup-compatibility/2006">
-        <mc:Choice xmlns:p14="http://schemas.microsoft.com/office/powerpoint/2010/main" Requires="p14">
+      <mc:AlternateContent xmlns:mc="http://schemas.openxmlformats.org/markup-compatibility/2006" xmlns:p14="http://schemas.microsoft.com/office/powerpoint/2010/main">
+        <mc:Choice Requires="p14">
           <p:contentPart p14:bwMode="auto" r:id="rId5">
             <p14:nvContentPartPr>
               <p14:cNvPr id="18" name="잉크 17">
@@ -7104,7 +7033,7 @@
             </p14:xfrm>
           </p:contentPart>
         </mc:Choice>
-        <mc:Fallback>
+        <mc:Fallback xmlns="">
           <p:pic>
             <p:nvPicPr>
               <p:cNvPr id="18" name="잉크 17">
@@ -7450,8 +7379,8 @@
           </a:prstGeom>
         </p:spPr>
       </p:pic>
-      <mc:AlternateContent xmlns:mc="http://schemas.openxmlformats.org/markup-compatibility/2006">
-        <mc:Choice xmlns:p14="http://schemas.microsoft.com/office/powerpoint/2010/main" Requires="p14">
+      <mc:AlternateContent xmlns:mc="http://schemas.openxmlformats.org/markup-compatibility/2006" xmlns:p14="http://schemas.microsoft.com/office/powerpoint/2010/main">
+        <mc:Choice Requires="p14">
           <p:contentPart p14:bwMode="auto" r:id="rId3">
             <p14:nvContentPartPr>
               <p14:cNvPr id="3" name="잉크 2">
@@ -7470,7 +7399,7 @@
             </p14:xfrm>
           </p:contentPart>
         </mc:Choice>
-        <mc:Fallback>
+        <mc:Fallback xmlns="">
           <p:pic>
             <p:nvPicPr>
               <p:cNvPr id="3" name="잉크 2">
@@ -7501,8 +7430,8 @@
           </p:pic>
         </mc:Fallback>
       </mc:AlternateContent>
-      <mc:AlternateContent xmlns:mc="http://schemas.openxmlformats.org/markup-compatibility/2006">
-        <mc:Choice xmlns:p14="http://schemas.microsoft.com/office/powerpoint/2010/main" Requires="p14">
+      <mc:AlternateContent xmlns:mc="http://schemas.openxmlformats.org/markup-compatibility/2006" xmlns:p14="http://schemas.microsoft.com/office/powerpoint/2010/main">
+        <mc:Choice Requires="p14">
           <p:contentPart p14:bwMode="auto" r:id="rId5">
             <p14:nvContentPartPr>
               <p14:cNvPr id="4" name="잉크 3">
@@ -7521,7 +7450,7 @@
             </p14:xfrm>
           </p:contentPart>
         </mc:Choice>
-        <mc:Fallback>
+        <mc:Fallback xmlns="">
           <p:pic>
             <p:nvPicPr>
               <p:cNvPr id="4" name="잉크 3">
@@ -7881,8 +7810,8 @@
           </a:prstGeom>
         </p:spPr>
       </p:pic>
-      <mc:AlternateContent xmlns:mc="http://schemas.openxmlformats.org/markup-compatibility/2006">
-        <mc:Choice xmlns:p14="http://schemas.microsoft.com/office/powerpoint/2010/main" Requires="p14">
+      <mc:AlternateContent xmlns:mc="http://schemas.openxmlformats.org/markup-compatibility/2006" xmlns:p14="http://schemas.microsoft.com/office/powerpoint/2010/main">
+        <mc:Choice Requires="p14">
           <p:contentPart p14:bwMode="auto" r:id="rId3">
             <p14:nvContentPartPr>
               <p14:cNvPr id="6" name="잉크 5">
@@ -7901,7 +7830,7 @@
             </p14:xfrm>
           </p:contentPart>
         </mc:Choice>
-        <mc:Fallback>
+        <mc:Fallback xmlns="">
           <p:pic>
             <p:nvPicPr>
               <p:cNvPr id="6" name="잉크 5">
@@ -7932,8 +7861,8 @@
           </p:pic>
         </mc:Fallback>
       </mc:AlternateContent>
-      <mc:AlternateContent xmlns:mc="http://schemas.openxmlformats.org/markup-compatibility/2006">
-        <mc:Choice xmlns:p14="http://schemas.microsoft.com/office/powerpoint/2010/main" Requires="p14">
+      <mc:AlternateContent xmlns:mc="http://schemas.openxmlformats.org/markup-compatibility/2006" xmlns:p14="http://schemas.microsoft.com/office/powerpoint/2010/main">
+        <mc:Choice Requires="p14">
           <p:contentPart p14:bwMode="auto" r:id="rId5">
             <p14:nvContentPartPr>
               <p14:cNvPr id="7" name="잉크 6">
@@ -7952,7 +7881,7 @@
             </p14:xfrm>
           </p:contentPart>
         </mc:Choice>
-        <mc:Fallback>
+        <mc:Fallback xmlns="">
           <p:pic>
             <p:nvPicPr>
               <p:cNvPr id="7" name="잉크 6">
@@ -7983,8 +7912,8 @@
           </p:pic>
         </mc:Fallback>
       </mc:AlternateContent>
-      <mc:AlternateContent xmlns:mc="http://schemas.openxmlformats.org/markup-compatibility/2006">
-        <mc:Choice xmlns:p14="http://schemas.microsoft.com/office/powerpoint/2010/main" Requires="p14">
+      <mc:AlternateContent xmlns:mc="http://schemas.openxmlformats.org/markup-compatibility/2006" xmlns:p14="http://schemas.microsoft.com/office/powerpoint/2010/main">
+        <mc:Choice Requires="p14">
           <p:contentPart p14:bwMode="auto" r:id="rId7">
             <p14:nvContentPartPr>
               <p14:cNvPr id="8" name="잉크 7">
@@ -8003,7 +7932,7 @@
             </p14:xfrm>
           </p:contentPart>
         </mc:Choice>
-        <mc:Fallback>
+        <mc:Fallback xmlns="">
           <p:pic>
             <p:nvPicPr>
               <p:cNvPr id="8" name="잉크 7">
@@ -8377,8 +8306,8 @@
           </a:prstGeom>
         </p:spPr>
       </p:pic>
-      <mc:AlternateContent xmlns:mc="http://schemas.openxmlformats.org/markup-compatibility/2006">
-        <mc:Choice xmlns:p14="http://schemas.microsoft.com/office/powerpoint/2010/main" Requires="p14">
+      <mc:AlternateContent xmlns:mc="http://schemas.openxmlformats.org/markup-compatibility/2006" xmlns:p14="http://schemas.microsoft.com/office/powerpoint/2010/main">
+        <mc:Choice Requires="p14">
           <p:contentPart p14:bwMode="auto" r:id="rId3">
             <p14:nvContentPartPr>
               <p14:cNvPr id="4" name="잉크 3">
@@ -8397,7 +8326,7 @@
             </p14:xfrm>
           </p:contentPart>
         </mc:Choice>
-        <mc:Fallback>
+        <mc:Fallback xmlns="">
           <p:pic>
             <p:nvPicPr>
               <p:cNvPr id="4" name="잉크 3">
@@ -8428,8 +8357,8 @@
           </p:pic>
         </mc:Fallback>
       </mc:AlternateContent>
-      <mc:AlternateContent xmlns:mc="http://schemas.openxmlformats.org/markup-compatibility/2006">
-        <mc:Choice xmlns:p14="http://schemas.microsoft.com/office/powerpoint/2010/main" Requires="p14">
+      <mc:AlternateContent xmlns:mc="http://schemas.openxmlformats.org/markup-compatibility/2006" xmlns:p14="http://schemas.microsoft.com/office/powerpoint/2010/main">
+        <mc:Choice Requires="p14">
           <p:contentPart p14:bwMode="auto" r:id="rId5">
             <p14:nvContentPartPr>
               <p14:cNvPr id="5" name="잉크 4">
@@ -8448,7 +8377,7 @@
             </p14:xfrm>
           </p:contentPart>
         </mc:Choice>
-        <mc:Fallback>
+        <mc:Fallback xmlns="">
           <p:pic>
             <p:nvPicPr>
               <p:cNvPr id="5" name="잉크 4">
@@ -8479,8 +8408,8 @@
           </p:pic>
         </mc:Fallback>
       </mc:AlternateContent>
-      <mc:AlternateContent xmlns:mc="http://schemas.openxmlformats.org/markup-compatibility/2006">
-        <mc:Choice xmlns:p14="http://schemas.microsoft.com/office/powerpoint/2010/main" Requires="p14">
+      <mc:AlternateContent xmlns:mc="http://schemas.openxmlformats.org/markup-compatibility/2006" xmlns:p14="http://schemas.microsoft.com/office/powerpoint/2010/main">
+        <mc:Choice Requires="p14">
           <p:contentPart p14:bwMode="auto" r:id="rId7">
             <p14:nvContentPartPr>
               <p14:cNvPr id="6" name="잉크 5">
@@ -8499,7 +8428,7 @@
             </p14:xfrm>
           </p:contentPart>
         </mc:Choice>
-        <mc:Fallback>
+        <mc:Fallback xmlns="">
           <p:pic>
             <p:nvPicPr>
               <p:cNvPr id="6" name="잉크 5">
@@ -8887,8 +8816,8 @@
           </a:prstGeom>
         </p:spPr>
       </p:pic>
-      <mc:AlternateContent xmlns:mc="http://schemas.openxmlformats.org/markup-compatibility/2006">
-        <mc:Choice xmlns:p14="http://schemas.microsoft.com/office/powerpoint/2010/main" Requires="p14">
+      <mc:AlternateContent xmlns:mc="http://schemas.openxmlformats.org/markup-compatibility/2006" xmlns:p14="http://schemas.microsoft.com/office/powerpoint/2010/main">
+        <mc:Choice Requires="p14">
           <p:contentPart p14:bwMode="auto" r:id="rId3">
             <p14:nvContentPartPr>
               <p14:cNvPr id="5" name="잉크 4">
@@ -8907,7 +8836,7 @@
             </p14:xfrm>
           </p:contentPart>
         </mc:Choice>
-        <mc:Fallback>
+        <mc:Fallback xmlns="">
           <p:pic>
             <p:nvPicPr>
               <p:cNvPr id="5" name="잉크 4">
@@ -8938,8 +8867,8 @@
           </p:pic>
         </mc:Fallback>
       </mc:AlternateContent>
-      <mc:AlternateContent xmlns:mc="http://schemas.openxmlformats.org/markup-compatibility/2006">
-        <mc:Choice xmlns:p14="http://schemas.microsoft.com/office/powerpoint/2010/main" Requires="p14">
+      <mc:AlternateContent xmlns:mc="http://schemas.openxmlformats.org/markup-compatibility/2006" xmlns:p14="http://schemas.microsoft.com/office/powerpoint/2010/main">
+        <mc:Choice Requires="p14">
           <p:contentPart p14:bwMode="auto" r:id="rId5">
             <p14:nvContentPartPr>
               <p14:cNvPr id="6" name="잉크 5">
@@ -8958,7 +8887,7 @@
             </p14:xfrm>
           </p:contentPart>
         </mc:Choice>
-        <mc:Fallback>
+        <mc:Fallback xmlns="">
           <p:pic>
             <p:nvPicPr>
               <p:cNvPr id="6" name="잉크 5">
@@ -9304,8 +9233,8 @@
           </a:prstGeom>
         </p:spPr>
       </p:pic>
-      <mc:AlternateContent xmlns:mc="http://schemas.openxmlformats.org/markup-compatibility/2006">
-        <mc:Choice xmlns:p14="http://schemas.microsoft.com/office/powerpoint/2010/main" Requires="p14">
+      <mc:AlternateContent xmlns:mc="http://schemas.openxmlformats.org/markup-compatibility/2006" xmlns:p14="http://schemas.microsoft.com/office/powerpoint/2010/main">
+        <mc:Choice Requires="p14">
           <p:contentPart p14:bwMode="auto" r:id="rId3">
             <p14:nvContentPartPr>
               <p14:cNvPr id="4" name="잉크 3">
@@ -9324,7 +9253,7 @@
             </p14:xfrm>
           </p:contentPart>
         </mc:Choice>
-        <mc:Fallback>
+        <mc:Fallback xmlns="">
           <p:pic>
             <p:nvPicPr>
               <p:cNvPr id="4" name="잉크 3">
@@ -9355,8 +9284,8 @@
           </p:pic>
         </mc:Fallback>
       </mc:AlternateContent>
-      <mc:AlternateContent xmlns:mc="http://schemas.openxmlformats.org/markup-compatibility/2006">
-        <mc:Choice xmlns:p14="http://schemas.microsoft.com/office/powerpoint/2010/main" Requires="p14">
+      <mc:AlternateContent xmlns:mc="http://schemas.openxmlformats.org/markup-compatibility/2006" xmlns:p14="http://schemas.microsoft.com/office/powerpoint/2010/main">
+        <mc:Choice Requires="p14">
           <p:contentPart p14:bwMode="auto" r:id="rId5">
             <p14:nvContentPartPr>
               <p14:cNvPr id="5" name="잉크 4">
@@ -9375,7 +9304,7 @@
             </p14:xfrm>
           </p:contentPart>
         </mc:Choice>
-        <mc:Fallback>
+        <mc:Fallback xmlns="">
           <p:pic>
             <p:nvPicPr>
               <p:cNvPr id="5" name="잉크 4">
@@ -9721,8 +9650,8 @@
           </a:prstGeom>
         </p:spPr>
       </p:pic>
-      <mc:AlternateContent xmlns:mc="http://schemas.openxmlformats.org/markup-compatibility/2006">
-        <mc:Choice xmlns:p14="http://schemas.microsoft.com/office/powerpoint/2010/main" Requires="p14">
+      <mc:AlternateContent xmlns:mc="http://schemas.openxmlformats.org/markup-compatibility/2006" xmlns:p14="http://schemas.microsoft.com/office/powerpoint/2010/main">
+        <mc:Choice Requires="p14">
           <p:contentPart p14:bwMode="auto" r:id="rId3">
             <p14:nvContentPartPr>
               <p14:cNvPr id="4" name="잉크 3">
@@ -9741,7 +9670,7 @@
             </p14:xfrm>
           </p:contentPart>
         </mc:Choice>
-        <mc:Fallback>
+        <mc:Fallback xmlns="">
           <p:pic>
             <p:nvPicPr>
               <p:cNvPr id="4" name="잉크 3">
@@ -9772,8 +9701,8 @@
           </p:pic>
         </mc:Fallback>
       </mc:AlternateContent>
-      <mc:AlternateContent xmlns:mc="http://schemas.openxmlformats.org/markup-compatibility/2006">
-        <mc:Choice xmlns:p14="http://schemas.microsoft.com/office/powerpoint/2010/main" Requires="p14">
+      <mc:AlternateContent xmlns:mc="http://schemas.openxmlformats.org/markup-compatibility/2006" xmlns:p14="http://schemas.microsoft.com/office/powerpoint/2010/main">
+        <mc:Choice Requires="p14">
           <p:contentPart p14:bwMode="auto" r:id="rId5">
             <p14:nvContentPartPr>
               <p14:cNvPr id="5" name="잉크 4">
@@ -9792,7 +9721,7 @@
             </p14:xfrm>
           </p:contentPart>
         </mc:Choice>
-        <mc:Fallback>
+        <mc:Fallback xmlns="">
           <p:pic>
             <p:nvPicPr>
               <p:cNvPr id="5" name="잉크 4">
@@ -10138,8 +10067,8 @@
           </a:prstGeom>
         </p:spPr>
       </p:pic>
-      <mc:AlternateContent xmlns:mc="http://schemas.openxmlformats.org/markup-compatibility/2006">
-        <mc:Choice xmlns:p14="http://schemas.microsoft.com/office/powerpoint/2010/main" Requires="p14">
+      <mc:AlternateContent xmlns:mc="http://schemas.openxmlformats.org/markup-compatibility/2006" xmlns:p14="http://schemas.microsoft.com/office/powerpoint/2010/main">
+        <mc:Choice Requires="p14">
           <p:contentPart p14:bwMode="auto" r:id="rId3">
             <p14:nvContentPartPr>
               <p14:cNvPr id="4" name="잉크 3">
@@ -10158,7 +10087,7 @@
             </p14:xfrm>
           </p:contentPart>
         </mc:Choice>
-        <mc:Fallback>
+        <mc:Fallback xmlns="">
           <p:pic>
             <p:nvPicPr>
               <p:cNvPr id="4" name="잉크 3">
@@ -10189,8 +10118,8 @@
           </p:pic>
         </mc:Fallback>
       </mc:AlternateContent>
-      <mc:AlternateContent xmlns:mc="http://schemas.openxmlformats.org/markup-compatibility/2006">
-        <mc:Choice xmlns:p14="http://schemas.microsoft.com/office/powerpoint/2010/main" Requires="p14">
+      <mc:AlternateContent xmlns:mc="http://schemas.openxmlformats.org/markup-compatibility/2006" xmlns:p14="http://schemas.microsoft.com/office/powerpoint/2010/main">
+        <mc:Choice Requires="p14">
           <p:contentPart p14:bwMode="auto" r:id="rId5">
             <p14:nvContentPartPr>
               <p14:cNvPr id="5" name="잉크 4">
@@ -10209,7 +10138,7 @@
             </p14:xfrm>
           </p:contentPart>
         </mc:Choice>
-        <mc:Fallback>
+        <mc:Fallback xmlns="">
           <p:pic>
             <p:nvPicPr>
               <p:cNvPr id="5" name="잉크 4">
@@ -10543,8 +10472,8 @@
           </a:prstGeom>
         </p:spPr>
       </p:pic>
-      <mc:AlternateContent xmlns:mc="http://schemas.openxmlformats.org/markup-compatibility/2006">
-        <mc:Choice xmlns:p14="http://schemas.microsoft.com/office/powerpoint/2010/main" Requires="p14">
+      <mc:AlternateContent xmlns:mc="http://schemas.openxmlformats.org/markup-compatibility/2006" xmlns:p14="http://schemas.microsoft.com/office/powerpoint/2010/main">
+        <mc:Choice Requires="p14">
           <p:contentPart p14:bwMode="auto" r:id="rId3">
             <p14:nvContentPartPr>
               <p14:cNvPr id="4" name="잉크 3">
@@ -10563,7 +10492,7 @@
             </p14:xfrm>
           </p:contentPart>
         </mc:Choice>
-        <mc:Fallback>
+        <mc:Fallback xmlns="">
           <p:pic>
             <p:nvPicPr>
               <p:cNvPr id="4" name="잉크 3">
@@ -10594,8 +10523,8 @@
           </p:pic>
         </mc:Fallback>
       </mc:AlternateContent>
-      <mc:AlternateContent xmlns:mc="http://schemas.openxmlformats.org/markup-compatibility/2006">
-        <mc:Choice xmlns:p14="http://schemas.microsoft.com/office/powerpoint/2010/main" Requires="p14">
+      <mc:AlternateContent xmlns:mc="http://schemas.openxmlformats.org/markup-compatibility/2006" xmlns:p14="http://schemas.microsoft.com/office/powerpoint/2010/main">
+        <mc:Choice Requires="p14">
           <p:contentPart p14:bwMode="auto" r:id="rId5">
             <p14:nvContentPartPr>
               <p14:cNvPr id="5" name="잉크 4">
@@ -10614,7 +10543,7 @@
             </p14:xfrm>
           </p:contentPart>
         </mc:Choice>
-        <mc:Fallback>
+        <mc:Fallback xmlns="">
           <p:pic>
             <p:nvPicPr>
               <p:cNvPr id="5" name="잉크 4">
@@ -10645,8 +10574,8 @@
           </p:pic>
         </mc:Fallback>
       </mc:AlternateContent>
-      <mc:AlternateContent xmlns:mc="http://schemas.openxmlformats.org/markup-compatibility/2006">
-        <mc:Choice xmlns:p14="http://schemas.microsoft.com/office/powerpoint/2010/main" Requires="p14">
+      <mc:AlternateContent xmlns:mc="http://schemas.openxmlformats.org/markup-compatibility/2006" xmlns:p14="http://schemas.microsoft.com/office/powerpoint/2010/main">
+        <mc:Choice Requires="p14">
           <p:contentPart p14:bwMode="auto" r:id="rId7">
             <p14:nvContentPartPr>
               <p14:cNvPr id="6" name="잉크 5">
@@ -10665,7 +10594,7 @@
             </p14:xfrm>
           </p:contentPart>
         </mc:Choice>
-        <mc:Fallback>
+        <mc:Fallback xmlns="">
           <p:pic>
             <p:nvPicPr>
               <p:cNvPr id="6" name="잉크 5">
@@ -10696,8 +10625,8 @@
           </p:pic>
         </mc:Fallback>
       </mc:AlternateContent>
-      <mc:AlternateContent xmlns:mc="http://schemas.openxmlformats.org/markup-compatibility/2006">
-        <mc:Choice xmlns:p14="http://schemas.microsoft.com/office/powerpoint/2010/main" Requires="p14">
+      <mc:AlternateContent xmlns:mc="http://schemas.openxmlformats.org/markup-compatibility/2006" xmlns:p14="http://schemas.microsoft.com/office/powerpoint/2010/main">
+        <mc:Choice Requires="p14">
           <p:contentPart p14:bwMode="auto" r:id="rId9">
             <p14:nvContentPartPr>
               <p14:cNvPr id="7" name="잉크 6">
@@ -10716,7 +10645,7 @@
             </p14:xfrm>
           </p:contentPart>
         </mc:Choice>
-        <mc:Fallback>
+        <mc:Fallback xmlns="">
           <p:pic>
             <p:nvPicPr>
               <p:cNvPr id="7" name="잉크 6">
@@ -11519,8 +11448,8 @@
           </a:p>
         </p:txBody>
       </p:sp>
-      <mc:AlternateContent xmlns:mc="http://schemas.openxmlformats.org/markup-compatibility/2006">
-        <mc:Choice xmlns:p14="http://schemas.microsoft.com/office/powerpoint/2010/main" Requires="p14">
+      <mc:AlternateContent xmlns:mc="http://schemas.openxmlformats.org/markup-compatibility/2006" xmlns:p14="http://schemas.microsoft.com/office/powerpoint/2010/main">
+        <mc:Choice Requires="p14">
           <p:contentPart p14:bwMode="auto" r:id="rId4">
             <p14:nvContentPartPr>
               <p14:cNvPr id="16" name="잉크 15">
@@ -11539,7 +11468,7 @@
             </p14:xfrm>
           </p:contentPart>
         </mc:Choice>
-        <mc:Fallback>
+        <mc:Fallback xmlns="">
           <p:pic>
             <p:nvPicPr>
               <p:cNvPr id="16" name="잉크 15">
@@ -11630,8 +11559,8 @@
           </a:prstGeom>
         </p:spPr>
       </p:pic>
-      <mc:AlternateContent xmlns:mc="http://schemas.openxmlformats.org/markup-compatibility/2006">
-        <mc:Choice xmlns:p14="http://schemas.microsoft.com/office/powerpoint/2010/main" Requires="p14">
+      <mc:AlternateContent xmlns:mc="http://schemas.openxmlformats.org/markup-compatibility/2006" xmlns:p14="http://schemas.microsoft.com/office/powerpoint/2010/main">
+        <mc:Choice Requires="p14">
           <p:contentPart p14:bwMode="auto" r:id="rId3">
             <p14:nvContentPartPr>
               <p14:cNvPr id="6" name="잉크 5">
@@ -11650,7 +11579,7 @@
             </p14:xfrm>
           </p:contentPart>
         </mc:Choice>
-        <mc:Fallback>
+        <mc:Fallback xmlns="">
           <p:pic>
             <p:nvPicPr>
               <p:cNvPr id="6" name="잉크 5">
@@ -11681,8 +11610,8 @@
           </p:pic>
         </mc:Fallback>
       </mc:AlternateContent>
-      <mc:AlternateContent xmlns:mc="http://schemas.openxmlformats.org/markup-compatibility/2006">
-        <mc:Choice xmlns:p14="http://schemas.microsoft.com/office/powerpoint/2010/main" Requires="p14">
+      <mc:AlternateContent xmlns:mc="http://schemas.openxmlformats.org/markup-compatibility/2006" xmlns:p14="http://schemas.microsoft.com/office/powerpoint/2010/main">
+        <mc:Choice Requires="p14">
           <p:contentPart p14:bwMode="auto" r:id="rId5">
             <p14:nvContentPartPr>
               <p14:cNvPr id="7" name="잉크 6">
@@ -11701,7 +11630,7 @@
             </p14:xfrm>
           </p:contentPart>
         </mc:Choice>
-        <mc:Fallback>
+        <mc:Fallback xmlns="">
           <p:pic>
             <p:nvPicPr>
               <p:cNvPr id="7" name="잉크 6">
@@ -11732,8 +11661,8 @@
           </p:pic>
         </mc:Fallback>
       </mc:AlternateContent>
-      <mc:AlternateContent xmlns:mc="http://schemas.openxmlformats.org/markup-compatibility/2006">
-        <mc:Choice xmlns:p14="http://schemas.microsoft.com/office/powerpoint/2010/main" Requires="p14">
+      <mc:AlternateContent xmlns:mc="http://schemas.openxmlformats.org/markup-compatibility/2006" xmlns:p14="http://schemas.microsoft.com/office/powerpoint/2010/main">
+        <mc:Choice Requires="p14">
           <p:contentPart p14:bwMode="auto" r:id="rId7">
             <p14:nvContentPartPr>
               <p14:cNvPr id="8" name="잉크 7">
@@ -11752,7 +11681,7 @@
             </p14:xfrm>
           </p:contentPart>
         </mc:Choice>
-        <mc:Fallback>
+        <mc:Fallback xmlns="">
           <p:pic>
             <p:nvPicPr>
               <p:cNvPr id="8" name="잉크 7">
@@ -11783,8 +11712,8 @@
           </p:pic>
         </mc:Fallback>
       </mc:AlternateContent>
-      <mc:AlternateContent xmlns:mc="http://schemas.openxmlformats.org/markup-compatibility/2006">
-        <mc:Choice xmlns:p14="http://schemas.microsoft.com/office/powerpoint/2010/main" Requires="p14">
+      <mc:AlternateContent xmlns:mc="http://schemas.openxmlformats.org/markup-compatibility/2006" xmlns:p14="http://schemas.microsoft.com/office/powerpoint/2010/main">
+        <mc:Choice Requires="p14">
           <p:contentPart p14:bwMode="auto" r:id="rId9">
             <p14:nvContentPartPr>
               <p14:cNvPr id="9" name="잉크 8">
@@ -11803,7 +11732,7 @@
             </p14:xfrm>
           </p:contentPart>
         </mc:Choice>
-        <mc:Fallback>
+        <mc:Fallback xmlns="">
           <p:pic>
             <p:nvPicPr>
               <p:cNvPr id="9" name="잉크 8">
@@ -11834,8 +11763,8 @@
           </p:pic>
         </mc:Fallback>
       </mc:AlternateContent>
-      <mc:AlternateContent xmlns:mc="http://schemas.openxmlformats.org/markup-compatibility/2006">
-        <mc:Choice xmlns:p14="http://schemas.microsoft.com/office/powerpoint/2010/main" Requires="p14">
+      <mc:AlternateContent xmlns:mc="http://schemas.openxmlformats.org/markup-compatibility/2006" xmlns:p14="http://schemas.microsoft.com/office/powerpoint/2010/main">
+        <mc:Choice Requires="p14">
           <p:contentPart p14:bwMode="auto" r:id="rId11">
             <p14:nvContentPartPr>
               <p14:cNvPr id="10" name="잉크 9">
@@ -11854,7 +11783,7 @@
             </p14:xfrm>
           </p:contentPart>
         </mc:Choice>
-        <mc:Fallback>
+        <mc:Fallback xmlns="">
           <p:pic>
             <p:nvPicPr>
               <p:cNvPr id="10" name="잉크 9">
@@ -11885,8 +11814,8 @@
           </p:pic>
         </mc:Fallback>
       </mc:AlternateContent>
-      <mc:AlternateContent xmlns:mc="http://schemas.openxmlformats.org/markup-compatibility/2006">
-        <mc:Choice xmlns:p14="http://schemas.microsoft.com/office/powerpoint/2010/main" Requires="p14">
+      <mc:AlternateContent xmlns:mc="http://schemas.openxmlformats.org/markup-compatibility/2006" xmlns:p14="http://schemas.microsoft.com/office/powerpoint/2010/main">
+        <mc:Choice Requires="p14">
           <p:contentPart p14:bwMode="auto" r:id="rId13">
             <p14:nvContentPartPr>
               <p14:cNvPr id="11" name="잉크 10">
@@ -11905,7 +11834,7 @@
             </p14:xfrm>
           </p:contentPart>
         </mc:Choice>
-        <mc:Fallback>
+        <mc:Fallback xmlns="">
           <p:pic>
             <p:nvPicPr>
               <p:cNvPr id="11" name="잉크 10">
@@ -11936,8 +11865,8 @@
           </p:pic>
         </mc:Fallback>
       </mc:AlternateContent>
-      <mc:AlternateContent xmlns:mc="http://schemas.openxmlformats.org/markup-compatibility/2006">
-        <mc:Choice xmlns:p14="http://schemas.microsoft.com/office/powerpoint/2010/main" Requires="p14">
+      <mc:AlternateContent xmlns:mc="http://schemas.openxmlformats.org/markup-compatibility/2006" xmlns:p14="http://schemas.microsoft.com/office/powerpoint/2010/main">
+        <mc:Choice Requires="p14">
           <p:contentPart p14:bwMode="auto" r:id="rId15">
             <p14:nvContentPartPr>
               <p14:cNvPr id="12" name="잉크 11">
@@ -11956,7 +11885,7 @@
             </p14:xfrm>
           </p:contentPart>
         </mc:Choice>
-        <mc:Fallback>
+        <mc:Fallback xmlns="">
           <p:pic>
             <p:nvPicPr>
               <p:cNvPr id="12" name="잉크 11">
@@ -11987,8 +11916,8 @@
           </p:pic>
         </mc:Fallback>
       </mc:AlternateContent>
-      <mc:AlternateContent xmlns:mc="http://schemas.openxmlformats.org/markup-compatibility/2006">
-        <mc:Choice xmlns:p14="http://schemas.microsoft.com/office/powerpoint/2010/main" Requires="p14">
+      <mc:AlternateContent xmlns:mc="http://schemas.openxmlformats.org/markup-compatibility/2006" xmlns:p14="http://schemas.microsoft.com/office/powerpoint/2010/main">
+        <mc:Choice Requires="p14">
           <p:contentPart p14:bwMode="auto" r:id="rId17">
             <p14:nvContentPartPr>
               <p14:cNvPr id="13" name="잉크 12">
@@ -12007,7 +11936,7 @@
             </p14:xfrm>
           </p:contentPart>
         </mc:Choice>
-        <mc:Fallback>
+        <mc:Fallback xmlns="">
           <p:pic>
             <p:nvPicPr>
               <p:cNvPr id="13" name="잉크 12">
@@ -12038,8 +11967,8 @@
           </p:pic>
         </mc:Fallback>
       </mc:AlternateContent>
-      <mc:AlternateContent xmlns:mc="http://schemas.openxmlformats.org/markup-compatibility/2006">
-        <mc:Choice xmlns:p14="http://schemas.microsoft.com/office/powerpoint/2010/main" Requires="p14">
+      <mc:AlternateContent xmlns:mc="http://schemas.openxmlformats.org/markup-compatibility/2006" xmlns:p14="http://schemas.microsoft.com/office/powerpoint/2010/main">
+        <mc:Choice Requires="p14">
           <p:contentPart p14:bwMode="auto" r:id="rId19">
             <p14:nvContentPartPr>
               <p14:cNvPr id="14" name="잉크 13">
@@ -12058,7 +11987,7 @@
             </p14:xfrm>
           </p:contentPart>
         </mc:Choice>
-        <mc:Fallback>
+        <mc:Fallback xmlns="">
           <p:pic>
             <p:nvPicPr>
               <p:cNvPr id="14" name="잉크 13">
@@ -12259,8 +12188,8 @@
           </a:prstGeom>
         </p:spPr>
       </p:pic>
-      <mc:AlternateContent xmlns:mc="http://schemas.openxmlformats.org/markup-compatibility/2006">
-        <mc:Choice xmlns:p14="http://schemas.microsoft.com/office/powerpoint/2010/main" Requires="p14">
+      <mc:AlternateContent xmlns:mc="http://schemas.openxmlformats.org/markup-compatibility/2006" xmlns:p14="http://schemas.microsoft.com/office/powerpoint/2010/main">
+        <mc:Choice Requires="p14">
           <p:contentPart p14:bwMode="auto" r:id="rId3">
             <p14:nvContentPartPr>
               <p14:cNvPr id="6" name="잉크 5">
@@ -12279,7 +12208,7 @@
             </p14:xfrm>
           </p:contentPart>
         </mc:Choice>
-        <mc:Fallback>
+        <mc:Fallback xmlns="">
           <p:pic>
             <p:nvPicPr>
               <p:cNvPr id="6" name="잉크 5">
@@ -12310,8 +12239,8 @@
           </p:pic>
         </mc:Fallback>
       </mc:AlternateContent>
-      <mc:AlternateContent xmlns:mc="http://schemas.openxmlformats.org/markup-compatibility/2006">
-        <mc:Choice xmlns:p14="http://schemas.microsoft.com/office/powerpoint/2010/main" Requires="p14">
+      <mc:AlternateContent xmlns:mc="http://schemas.openxmlformats.org/markup-compatibility/2006" xmlns:p14="http://schemas.microsoft.com/office/powerpoint/2010/main">
+        <mc:Choice Requires="p14">
           <p:contentPart p14:bwMode="auto" r:id="rId5">
             <p14:nvContentPartPr>
               <p14:cNvPr id="7" name="잉크 6">
@@ -12330,7 +12259,7 @@
             </p14:xfrm>
           </p:contentPart>
         </mc:Choice>
-        <mc:Fallback>
+        <mc:Fallback xmlns="">
           <p:pic>
             <p:nvPicPr>
               <p:cNvPr id="7" name="잉크 6">
@@ -12650,8 +12579,8 @@
           </a:prstGeom>
         </p:spPr>
       </p:pic>
-      <mc:AlternateContent xmlns:mc="http://schemas.openxmlformats.org/markup-compatibility/2006">
-        <mc:Choice xmlns:p14="http://schemas.microsoft.com/office/powerpoint/2010/main" Requires="p14">
+      <mc:AlternateContent xmlns:mc="http://schemas.openxmlformats.org/markup-compatibility/2006" xmlns:p14="http://schemas.microsoft.com/office/powerpoint/2010/main">
+        <mc:Choice Requires="p14">
           <p:contentPart p14:bwMode="auto" r:id="rId3">
             <p14:nvContentPartPr>
               <p14:cNvPr id="4" name="잉크 3">
@@ -12670,7 +12599,7 @@
             </p14:xfrm>
           </p:contentPart>
         </mc:Choice>
-        <mc:Fallback>
+        <mc:Fallback xmlns="">
           <p:pic>
             <p:nvPicPr>
               <p:cNvPr id="4" name="잉크 3">
@@ -12701,8 +12630,8 @@
           </p:pic>
         </mc:Fallback>
       </mc:AlternateContent>
-      <mc:AlternateContent xmlns:mc="http://schemas.openxmlformats.org/markup-compatibility/2006">
-        <mc:Choice xmlns:p14="http://schemas.microsoft.com/office/powerpoint/2010/main" Requires="p14">
+      <mc:AlternateContent xmlns:mc="http://schemas.openxmlformats.org/markup-compatibility/2006" xmlns:p14="http://schemas.microsoft.com/office/powerpoint/2010/main">
+        <mc:Choice Requires="p14">
           <p:contentPart p14:bwMode="auto" r:id="rId5">
             <p14:nvContentPartPr>
               <p14:cNvPr id="5" name="잉크 4">
@@ -12721,7 +12650,7 @@
             </p14:xfrm>
           </p:contentPart>
         </mc:Choice>
-        <mc:Fallback>
+        <mc:Fallback xmlns="">
           <p:pic>
             <p:nvPicPr>
               <p:cNvPr id="5" name="잉크 4">
@@ -12752,8 +12681,8 @@
           </p:pic>
         </mc:Fallback>
       </mc:AlternateContent>
-      <mc:AlternateContent xmlns:mc="http://schemas.openxmlformats.org/markup-compatibility/2006">
-        <mc:Choice xmlns:p14="http://schemas.microsoft.com/office/powerpoint/2010/main" Requires="p14">
+      <mc:AlternateContent xmlns:mc="http://schemas.openxmlformats.org/markup-compatibility/2006" xmlns:p14="http://schemas.microsoft.com/office/powerpoint/2010/main">
+        <mc:Choice Requires="p14">
           <p:contentPart p14:bwMode="auto" r:id="rId7">
             <p14:nvContentPartPr>
               <p14:cNvPr id="6" name="잉크 5">
@@ -12772,7 +12701,7 @@
             </p14:xfrm>
           </p:contentPart>
         </mc:Choice>
-        <mc:Fallback>
+        <mc:Fallback xmlns="">
           <p:pic>
             <p:nvPicPr>
               <p:cNvPr id="6" name="잉크 5">
@@ -13200,8 +13129,8 @@
           </a:prstGeom>
         </p:spPr>
       </p:pic>
-      <mc:AlternateContent xmlns:mc="http://schemas.openxmlformats.org/markup-compatibility/2006">
-        <mc:Choice xmlns:p14="http://schemas.microsoft.com/office/powerpoint/2010/main" Requires="p14">
+      <mc:AlternateContent xmlns:mc="http://schemas.openxmlformats.org/markup-compatibility/2006" xmlns:p14="http://schemas.microsoft.com/office/powerpoint/2010/main">
+        <mc:Choice Requires="p14">
           <p:contentPart p14:bwMode="auto" r:id="rId3">
             <p14:nvContentPartPr>
               <p14:cNvPr id="6" name="잉크 5">
@@ -13220,7 +13149,7 @@
             </p14:xfrm>
           </p:contentPart>
         </mc:Choice>
-        <mc:Fallback>
+        <mc:Fallback xmlns="">
           <p:pic>
             <p:nvPicPr>
               <p:cNvPr id="6" name="잉크 5">
@@ -13251,8 +13180,8 @@
           </p:pic>
         </mc:Fallback>
       </mc:AlternateContent>
-      <mc:AlternateContent xmlns:mc="http://schemas.openxmlformats.org/markup-compatibility/2006">
-        <mc:Choice xmlns:p14="http://schemas.microsoft.com/office/powerpoint/2010/main" Requires="p14">
+      <mc:AlternateContent xmlns:mc="http://schemas.openxmlformats.org/markup-compatibility/2006" xmlns:p14="http://schemas.microsoft.com/office/powerpoint/2010/main">
+        <mc:Choice Requires="p14">
           <p:contentPart p14:bwMode="auto" r:id="rId5">
             <p14:nvContentPartPr>
               <p14:cNvPr id="7" name="잉크 6">
@@ -13271,7 +13200,7 @@
             </p14:xfrm>
           </p:contentPart>
         </mc:Choice>
-        <mc:Fallback>
+        <mc:Fallback xmlns="">
           <p:pic>
             <p:nvPicPr>
               <p:cNvPr id="7" name="잉크 6">
@@ -13302,8 +13231,8 @@
           </p:pic>
         </mc:Fallback>
       </mc:AlternateContent>
-      <mc:AlternateContent xmlns:mc="http://schemas.openxmlformats.org/markup-compatibility/2006">
-        <mc:Choice xmlns:p14="http://schemas.microsoft.com/office/powerpoint/2010/main" Requires="p14">
+      <mc:AlternateContent xmlns:mc="http://schemas.openxmlformats.org/markup-compatibility/2006" xmlns:p14="http://schemas.microsoft.com/office/powerpoint/2010/main">
+        <mc:Choice Requires="p14">
           <p:contentPart p14:bwMode="auto" r:id="rId7">
             <p14:nvContentPartPr>
               <p14:cNvPr id="8" name="잉크 7">
@@ -13322,7 +13251,7 @@
             </p14:xfrm>
           </p:contentPart>
         </mc:Choice>
-        <mc:Fallback>
+        <mc:Fallback xmlns="">
           <p:pic>
             <p:nvPicPr>
               <p:cNvPr id="8" name="잉크 7">
@@ -14125,8 +14054,8 @@
           </a:prstGeom>
         </p:spPr>
       </p:pic>
-      <mc:AlternateContent xmlns:mc="http://schemas.openxmlformats.org/markup-compatibility/2006">
-        <mc:Choice xmlns:p14="http://schemas.microsoft.com/office/powerpoint/2010/main" Requires="p14">
+      <mc:AlternateContent xmlns:mc="http://schemas.openxmlformats.org/markup-compatibility/2006" xmlns:p14="http://schemas.microsoft.com/office/powerpoint/2010/main">
+        <mc:Choice Requires="p14">
           <p:contentPart p14:bwMode="auto" r:id="rId3">
             <p14:nvContentPartPr>
               <p14:cNvPr id="8" name="잉크 7">
@@ -14145,7 +14074,7 @@
             </p14:xfrm>
           </p:contentPart>
         </mc:Choice>
-        <mc:Fallback>
+        <mc:Fallback xmlns="">
           <p:pic>
             <p:nvPicPr>
               <p:cNvPr id="8" name="잉크 7">
@@ -14176,8 +14105,8 @@
           </p:pic>
         </mc:Fallback>
       </mc:AlternateContent>
-      <mc:AlternateContent xmlns:mc="http://schemas.openxmlformats.org/markup-compatibility/2006">
-        <mc:Choice xmlns:p14="http://schemas.microsoft.com/office/powerpoint/2010/main" Requires="p14">
+      <mc:AlternateContent xmlns:mc="http://schemas.openxmlformats.org/markup-compatibility/2006" xmlns:p14="http://schemas.microsoft.com/office/powerpoint/2010/main">
+        <mc:Choice Requires="p14">
           <p:contentPart p14:bwMode="auto" r:id="rId5">
             <p14:nvContentPartPr>
               <p14:cNvPr id="9" name="잉크 8">
@@ -14196,7 +14125,7 @@
             </p14:xfrm>
           </p:contentPart>
         </mc:Choice>
-        <mc:Fallback>
+        <mc:Fallback xmlns="">
           <p:pic>
             <p:nvPicPr>
               <p:cNvPr id="9" name="잉크 8">
@@ -14227,8 +14156,8 @@
           </p:pic>
         </mc:Fallback>
       </mc:AlternateContent>
-      <mc:AlternateContent xmlns:mc="http://schemas.openxmlformats.org/markup-compatibility/2006">
-        <mc:Choice xmlns:p14="http://schemas.microsoft.com/office/powerpoint/2010/main" Requires="p14">
+      <mc:AlternateContent xmlns:mc="http://schemas.openxmlformats.org/markup-compatibility/2006" xmlns:p14="http://schemas.microsoft.com/office/powerpoint/2010/main">
+        <mc:Choice Requires="p14">
           <p:contentPart p14:bwMode="auto" r:id="rId7">
             <p14:nvContentPartPr>
               <p14:cNvPr id="10" name="잉크 9">
@@ -14247,7 +14176,7 @@
             </p14:xfrm>
           </p:contentPart>
         </mc:Choice>
-        <mc:Fallback>
+        <mc:Fallback xmlns="">
           <p:pic>
             <p:nvPicPr>
               <p:cNvPr id="10" name="잉크 9">
@@ -14945,8 +14874,8 @@
           </a:prstGeom>
         </p:spPr>
       </p:pic>
-      <mc:AlternateContent xmlns:mc="http://schemas.openxmlformats.org/markup-compatibility/2006">
-        <mc:Choice xmlns:p14="http://schemas.microsoft.com/office/powerpoint/2010/main" Requires="p14">
+      <mc:AlternateContent xmlns:mc="http://schemas.openxmlformats.org/markup-compatibility/2006" xmlns:p14="http://schemas.microsoft.com/office/powerpoint/2010/main">
+        <mc:Choice Requires="p14">
           <p:contentPart p14:bwMode="auto" r:id="rId3">
             <p14:nvContentPartPr>
               <p14:cNvPr id="4" name="잉크 3">
@@ -14965,7 +14894,7 @@
             </p14:xfrm>
           </p:contentPart>
         </mc:Choice>
-        <mc:Fallback>
+        <mc:Fallback xmlns="">
           <p:pic>
             <p:nvPicPr>
               <p:cNvPr id="4" name="잉크 3">
@@ -14996,8 +14925,8 @@
           </p:pic>
         </mc:Fallback>
       </mc:AlternateContent>
-      <mc:AlternateContent xmlns:mc="http://schemas.openxmlformats.org/markup-compatibility/2006">
-        <mc:Choice xmlns:p14="http://schemas.microsoft.com/office/powerpoint/2010/main" Requires="p14">
+      <mc:AlternateContent xmlns:mc="http://schemas.openxmlformats.org/markup-compatibility/2006" xmlns:p14="http://schemas.microsoft.com/office/powerpoint/2010/main">
+        <mc:Choice Requires="p14">
           <p:contentPart p14:bwMode="auto" r:id="rId5">
             <p14:nvContentPartPr>
               <p14:cNvPr id="5" name="잉크 4">
@@ -15016,7 +14945,7 @@
             </p14:xfrm>
           </p:contentPart>
         </mc:Choice>
-        <mc:Fallback>
+        <mc:Fallback xmlns="">
           <p:pic>
             <p:nvPicPr>
               <p:cNvPr id="5" name="잉크 4">
@@ -15047,8 +14976,8 @@
           </p:pic>
         </mc:Fallback>
       </mc:AlternateContent>
-      <mc:AlternateContent xmlns:mc="http://schemas.openxmlformats.org/markup-compatibility/2006">
-        <mc:Choice xmlns:p14="http://schemas.microsoft.com/office/powerpoint/2010/main" Requires="p14">
+      <mc:AlternateContent xmlns:mc="http://schemas.openxmlformats.org/markup-compatibility/2006" xmlns:p14="http://schemas.microsoft.com/office/powerpoint/2010/main">
+        <mc:Choice Requires="p14">
           <p:contentPart p14:bwMode="auto" r:id="rId7">
             <p14:nvContentPartPr>
               <p14:cNvPr id="6" name="잉크 5">
@@ -15067,7 +14996,7 @@
             </p14:xfrm>
           </p:contentPart>
         </mc:Choice>
-        <mc:Fallback>
+        <mc:Fallback xmlns="">
           <p:pic>
             <p:nvPicPr>
               <p:cNvPr id="6" name="잉크 5">
@@ -15585,8 +15514,8 @@
           </a:prstGeom>
         </p:spPr>
       </p:pic>
-      <mc:AlternateContent xmlns:mc="http://schemas.openxmlformats.org/markup-compatibility/2006">
-        <mc:Choice xmlns:p14="http://schemas.microsoft.com/office/powerpoint/2010/main" Requires="p14">
+      <mc:AlternateContent xmlns:mc="http://schemas.openxmlformats.org/markup-compatibility/2006" xmlns:p14="http://schemas.microsoft.com/office/powerpoint/2010/main">
+        <mc:Choice Requires="p14">
           <p:contentPart p14:bwMode="auto" r:id="rId3">
             <p14:nvContentPartPr>
               <p14:cNvPr id="4" name="잉크 3">
@@ -15605,7 +15534,7 @@
             </p14:xfrm>
           </p:contentPart>
         </mc:Choice>
-        <mc:Fallback>
+        <mc:Fallback xmlns="">
           <p:pic>
             <p:nvPicPr>
               <p:cNvPr id="4" name="잉크 3">
@@ -15636,8 +15565,8 @@
           </p:pic>
         </mc:Fallback>
       </mc:AlternateContent>
-      <mc:AlternateContent xmlns:mc="http://schemas.openxmlformats.org/markup-compatibility/2006">
-        <mc:Choice xmlns:p14="http://schemas.microsoft.com/office/powerpoint/2010/main" Requires="p14">
+      <mc:AlternateContent xmlns:mc="http://schemas.openxmlformats.org/markup-compatibility/2006" xmlns:p14="http://schemas.microsoft.com/office/powerpoint/2010/main">
+        <mc:Choice Requires="p14">
           <p:contentPart p14:bwMode="auto" r:id="rId5">
             <p14:nvContentPartPr>
               <p14:cNvPr id="5" name="잉크 4">
@@ -15656,7 +15585,7 @@
             </p14:xfrm>
           </p:contentPart>
         </mc:Choice>
-        <mc:Fallback>
+        <mc:Fallback xmlns="">
           <p:pic>
             <p:nvPicPr>
               <p:cNvPr id="5" name="잉크 4">
@@ -15687,8 +15616,8 @@
           </p:pic>
         </mc:Fallback>
       </mc:AlternateContent>
-      <mc:AlternateContent xmlns:mc="http://schemas.openxmlformats.org/markup-compatibility/2006">
-        <mc:Choice xmlns:p14="http://schemas.microsoft.com/office/powerpoint/2010/main" Requires="p14">
+      <mc:AlternateContent xmlns:mc="http://schemas.openxmlformats.org/markup-compatibility/2006" xmlns:p14="http://schemas.microsoft.com/office/powerpoint/2010/main">
+        <mc:Choice Requires="p14">
           <p:contentPart p14:bwMode="auto" r:id="rId7">
             <p14:nvContentPartPr>
               <p14:cNvPr id="6" name="잉크 5">
@@ -15707,7 +15636,7 @@
             </p14:xfrm>
           </p:contentPart>
         </mc:Choice>
-        <mc:Fallback>
+        <mc:Fallback xmlns="">
           <p:pic>
             <p:nvPicPr>
               <p:cNvPr id="6" name="잉크 5">
@@ -15738,8 +15667,8 @@
           </p:pic>
         </mc:Fallback>
       </mc:AlternateContent>
-      <mc:AlternateContent xmlns:mc="http://schemas.openxmlformats.org/markup-compatibility/2006">
-        <mc:Choice xmlns:p14="http://schemas.microsoft.com/office/powerpoint/2010/main" Requires="p14">
+      <mc:AlternateContent xmlns:mc="http://schemas.openxmlformats.org/markup-compatibility/2006" xmlns:p14="http://schemas.microsoft.com/office/powerpoint/2010/main">
+        <mc:Choice Requires="p14">
           <p:contentPart p14:bwMode="auto" r:id="rId9">
             <p14:nvContentPartPr>
               <p14:cNvPr id="7" name="잉크 6">
@@ -15758,7 +15687,7 @@
             </p14:xfrm>
           </p:contentPart>
         </mc:Choice>
-        <mc:Fallback>
+        <mc:Fallback xmlns="">
           <p:pic>
             <p:nvPicPr>
               <p:cNvPr id="7" name="잉크 6">
@@ -16314,8 +16243,8 @@
           </a:prstGeom>
         </p:spPr>
       </p:pic>
-      <mc:AlternateContent xmlns:mc="http://schemas.openxmlformats.org/markup-compatibility/2006">
-        <mc:Choice xmlns:p14="http://schemas.microsoft.com/office/powerpoint/2010/main" Requires="p14">
+      <mc:AlternateContent xmlns:mc="http://schemas.openxmlformats.org/markup-compatibility/2006" xmlns:p14="http://schemas.microsoft.com/office/powerpoint/2010/main">
+        <mc:Choice Requires="p14">
           <p:contentPart p14:bwMode="auto" r:id="rId3">
             <p14:nvContentPartPr>
               <p14:cNvPr id="4" name="잉크 3">
@@ -16334,7 +16263,7 @@
             </p14:xfrm>
           </p:contentPart>
         </mc:Choice>
-        <mc:Fallback>
+        <mc:Fallback xmlns="">
           <p:pic>
             <p:nvPicPr>
               <p:cNvPr id="4" name="잉크 3">
@@ -16365,8 +16294,8 @@
           </p:pic>
         </mc:Fallback>
       </mc:AlternateContent>
-      <mc:AlternateContent xmlns:mc="http://schemas.openxmlformats.org/markup-compatibility/2006">
-        <mc:Choice xmlns:p14="http://schemas.microsoft.com/office/powerpoint/2010/main" Requires="p14">
+      <mc:AlternateContent xmlns:mc="http://schemas.openxmlformats.org/markup-compatibility/2006" xmlns:p14="http://schemas.microsoft.com/office/powerpoint/2010/main">
+        <mc:Choice Requires="p14">
           <p:contentPart p14:bwMode="auto" r:id="rId5">
             <p14:nvContentPartPr>
               <p14:cNvPr id="5" name="잉크 4">
@@ -16385,7 +16314,7 @@
             </p14:xfrm>
           </p:contentPart>
         </mc:Choice>
-        <mc:Fallback>
+        <mc:Fallback xmlns="">
           <p:pic>
             <p:nvPicPr>
               <p:cNvPr id="5" name="잉크 4">
@@ -16416,8 +16345,8 @@
           </p:pic>
         </mc:Fallback>
       </mc:AlternateContent>
-      <mc:AlternateContent xmlns:mc="http://schemas.openxmlformats.org/markup-compatibility/2006">
-        <mc:Choice xmlns:p14="http://schemas.microsoft.com/office/powerpoint/2010/main" Requires="p14">
+      <mc:AlternateContent xmlns:mc="http://schemas.openxmlformats.org/markup-compatibility/2006" xmlns:p14="http://schemas.microsoft.com/office/powerpoint/2010/main">
+        <mc:Choice Requires="p14">
           <p:contentPart p14:bwMode="auto" r:id="rId7">
             <p14:nvContentPartPr>
               <p14:cNvPr id="6" name="잉크 5">
@@ -16436,7 +16365,7 @@
             </p14:xfrm>
           </p:contentPart>
         </mc:Choice>
-        <mc:Fallback>
+        <mc:Fallback xmlns="">
           <p:pic>
             <p:nvPicPr>
               <p:cNvPr id="6" name="잉크 5">
@@ -16731,8 +16660,8 @@
           </a:prstGeom>
         </p:spPr>
       </p:pic>
-      <mc:AlternateContent xmlns:mc="http://schemas.openxmlformats.org/markup-compatibility/2006">
-        <mc:Choice xmlns:p14="http://schemas.microsoft.com/office/powerpoint/2010/main" Requires="p14">
+      <mc:AlternateContent xmlns:mc="http://schemas.openxmlformats.org/markup-compatibility/2006" xmlns:p14="http://schemas.microsoft.com/office/powerpoint/2010/main">
+        <mc:Choice Requires="p14">
           <p:contentPart p14:bwMode="auto" r:id="rId3">
             <p14:nvContentPartPr>
               <p14:cNvPr id="6" name="잉크 5">
@@ -16751,7 +16680,7 @@
             </p14:xfrm>
           </p:contentPart>
         </mc:Choice>
-        <mc:Fallback>
+        <mc:Fallback xmlns="">
           <p:pic>
             <p:nvPicPr>
               <p:cNvPr id="6" name="잉크 5">
@@ -16782,8 +16711,8 @@
           </p:pic>
         </mc:Fallback>
       </mc:AlternateContent>
-      <mc:AlternateContent xmlns:mc="http://schemas.openxmlformats.org/markup-compatibility/2006">
-        <mc:Choice xmlns:p14="http://schemas.microsoft.com/office/powerpoint/2010/main" Requires="p14">
+      <mc:AlternateContent xmlns:mc="http://schemas.openxmlformats.org/markup-compatibility/2006" xmlns:p14="http://schemas.microsoft.com/office/powerpoint/2010/main">
+        <mc:Choice Requires="p14">
           <p:contentPart p14:bwMode="auto" r:id="rId5">
             <p14:nvContentPartPr>
               <p14:cNvPr id="7" name="잉크 6">
@@ -16802,7 +16731,7 @@
             </p14:xfrm>
           </p:contentPart>
         </mc:Choice>
-        <mc:Fallback>
+        <mc:Fallback xmlns="">
           <p:pic>
             <p:nvPicPr>
               <p:cNvPr id="7" name="잉크 6">
@@ -16833,8 +16762,8 @@
           </p:pic>
         </mc:Fallback>
       </mc:AlternateContent>
-      <mc:AlternateContent xmlns:mc="http://schemas.openxmlformats.org/markup-compatibility/2006">
-        <mc:Choice xmlns:p14="http://schemas.microsoft.com/office/powerpoint/2010/main" Requires="p14">
+      <mc:AlternateContent xmlns:mc="http://schemas.openxmlformats.org/markup-compatibility/2006" xmlns:p14="http://schemas.microsoft.com/office/powerpoint/2010/main">
+        <mc:Choice Requires="p14">
           <p:contentPart p14:bwMode="auto" r:id="rId7">
             <p14:nvContentPartPr>
               <p14:cNvPr id="8" name="잉크 7">
@@ -16853,7 +16782,7 @@
             </p14:xfrm>
           </p:contentPart>
         </mc:Choice>
-        <mc:Fallback>
+        <mc:Fallback xmlns="">
           <p:pic>
             <p:nvPicPr>
               <p:cNvPr id="8" name="잉크 7">
@@ -16884,8 +16813,8 @@
           </p:pic>
         </mc:Fallback>
       </mc:AlternateContent>
-      <mc:AlternateContent xmlns:mc="http://schemas.openxmlformats.org/markup-compatibility/2006">
-        <mc:Choice xmlns:p14="http://schemas.microsoft.com/office/powerpoint/2010/main" Requires="p14">
+      <mc:AlternateContent xmlns:mc="http://schemas.openxmlformats.org/markup-compatibility/2006" xmlns:p14="http://schemas.microsoft.com/office/powerpoint/2010/main">
+        <mc:Choice Requires="p14">
           <p:contentPart p14:bwMode="auto" r:id="rId9">
             <p14:nvContentPartPr>
               <p14:cNvPr id="9" name="잉크 8">
@@ -16904,7 +16833,7 @@
             </p14:xfrm>
           </p:contentPart>
         </mc:Choice>
-        <mc:Fallback>
+        <mc:Fallback xmlns="">
           <p:pic>
             <p:nvPicPr>
               <p:cNvPr id="9" name="잉크 8">
@@ -16935,8 +16864,8 @@
           </p:pic>
         </mc:Fallback>
       </mc:AlternateContent>
-      <mc:AlternateContent xmlns:mc="http://schemas.openxmlformats.org/markup-compatibility/2006">
-        <mc:Choice xmlns:p14="http://schemas.microsoft.com/office/powerpoint/2010/main" Requires="p14">
+      <mc:AlternateContent xmlns:mc="http://schemas.openxmlformats.org/markup-compatibility/2006" xmlns:p14="http://schemas.microsoft.com/office/powerpoint/2010/main">
+        <mc:Choice Requires="p14">
           <p:contentPart p14:bwMode="auto" r:id="rId11">
             <p14:nvContentPartPr>
               <p14:cNvPr id="11" name="잉크 10">
@@ -16955,7 +16884,7 @@
             </p14:xfrm>
           </p:contentPart>
         </mc:Choice>
-        <mc:Fallback>
+        <mc:Fallback xmlns="">
           <p:pic>
             <p:nvPicPr>
               <p:cNvPr id="11" name="잉크 10">
@@ -16986,8 +16915,8 @@
           </p:pic>
         </mc:Fallback>
       </mc:AlternateContent>
-      <mc:AlternateContent xmlns:mc="http://schemas.openxmlformats.org/markup-compatibility/2006">
-        <mc:Choice xmlns:p14="http://schemas.microsoft.com/office/powerpoint/2010/main" Requires="p14">
+      <mc:AlternateContent xmlns:mc="http://schemas.openxmlformats.org/markup-compatibility/2006" xmlns:p14="http://schemas.microsoft.com/office/powerpoint/2010/main">
+        <mc:Choice Requires="p14">
           <p:contentPart p14:bwMode="auto" r:id="rId13">
             <p14:nvContentPartPr>
               <p14:cNvPr id="12" name="잉크 11">
@@ -17006,7 +16935,7 @@
             </p14:xfrm>
           </p:contentPart>
         </mc:Choice>
-        <mc:Fallback>
+        <mc:Fallback xmlns="">
           <p:pic>
             <p:nvPicPr>
               <p:cNvPr id="12" name="잉크 11">
@@ -17037,8 +16966,8 @@
           </p:pic>
         </mc:Fallback>
       </mc:AlternateContent>
-      <mc:AlternateContent xmlns:mc="http://schemas.openxmlformats.org/markup-compatibility/2006">
-        <mc:Choice xmlns:p14="http://schemas.microsoft.com/office/powerpoint/2010/main" Requires="p14">
+      <mc:AlternateContent xmlns:mc="http://schemas.openxmlformats.org/markup-compatibility/2006" xmlns:p14="http://schemas.microsoft.com/office/powerpoint/2010/main">
+        <mc:Choice Requires="p14">
           <p:contentPart p14:bwMode="auto" r:id="rId15">
             <p14:nvContentPartPr>
               <p14:cNvPr id="13" name="잉크 12">
@@ -17057,7 +16986,7 @@
             </p14:xfrm>
           </p:contentPart>
         </mc:Choice>
-        <mc:Fallback>
+        <mc:Fallback xmlns="">
           <p:pic>
             <p:nvPicPr>
               <p:cNvPr id="13" name="잉크 12">
@@ -17088,8 +17017,8 @@
           </p:pic>
         </mc:Fallback>
       </mc:AlternateContent>
-      <mc:AlternateContent xmlns:mc="http://schemas.openxmlformats.org/markup-compatibility/2006">
-        <mc:Choice xmlns:p14="http://schemas.microsoft.com/office/powerpoint/2010/main" Requires="p14">
+      <mc:AlternateContent xmlns:mc="http://schemas.openxmlformats.org/markup-compatibility/2006" xmlns:p14="http://schemas.microsoft.com/office/powerpoint/2010/main">
+        <mc:Choice Requires="p14">
           <p:contentPart p14:bwMode="auto" r:id="rId17">
             <p14:nvContentPartPr>
               <p14:cNvPr id="14" name="잉크 13">
@@ -17108,7 +17037,7 @@
             </p14:xfrm>
           </p:contentPart>
         </mc:Choice>
-        <mc:Fallback>
+        <mc:Fallback xmlns="">
           <p:pic>
             <p:nvPicPr>
               <p:cNvPr id="14" name="잉크 13">
@@ -17139,8 +17068,8 @@
           </p:pic>
         </mc:Fallback>
       </mc:AlternateContent>
-      <mc:AlternateContent xmlns:mc="http://schemas.openxmlformats.org/markup-compatibility/2006">
-        <mc:Choice xmlns:p14="http://schemas.microsoft.com/office/powerpoint/2010/main" Requires="p14">
+      <mc:AlternateContent xmlns:mc="http://schemas.openxmlformats.org/markup-compatibility/2006" xmlns:p14="http://schemas.microsoft.com/office/powerpoint/2010/main">
+        <mc:Choice Requires="p14">
           <p:contentPart p14:bwMode="auto" r:id="rId19">
             <p14:nvContentPartPr>
               <p14:cNvPr id="15" name="잉크 14">
@@ -17159,7 +17088,7 @@
             </p14:xfrm>
           </p:contentPart>
         </mc:Choice>
-        <mc:Fallback>
+        <mc:Fallback xmlns="">
           <p:pic>
             <p:nvPicPr>
               <p:cNvPr id="15" name="잉크 14">
@@ -17360,8 +17289,8 @@
           </a:prstGeom>
         </p:spPr>
       </p:pic>
-      <mc:AlternateContent xmlns:mc="http://schemas.openxmlformats.org/markup-compatibility/2006">
-        <mc:Choice xmlns:p14="http://schemas.microsoft.com/office/powerpoint/2010/main" Requires="p14">
+      <mc:AlternateContent xmlns:mc="http://schemas.openxmlformats.org/markup-compatibility/2006" xmlns:p14="http://schemas.microsoft.com/office/powerpoint/2010/main">
+        <mc:Choice Requires="p14">
           <p:contentPart p14:bwMode="auto" r:id="rId3">
             <p14:nvContentPartPr>
               <p14:cNvPr id="2" name="잉크 1">
@@ -17380,7 +17309,7 @@
             </p14:xfrm>
           </p:contentPart>
         </mc:Choice>
-        <mc:Fallback>
+        <mc:Fallback xmlns="">
           <p:pic>
             <p:nvPicPr>
               <p:cNvPr id="2" name="잉크 1">
@@ -17832,8 +17761,8 @@
           </a:p>
         </p:txBody>
       </p:sp>
-      <mc:AlternateContent xmlns:mc="http://schemas.openxmlformats.org/markup-compatibility/2006">
-        <mc:Choice xmlns:p14="http://schemas.microsoft.com/office/powerpoint/2010/main" Requires="p14">
+      <mc:AlternateContent xmlns:mc="http://schemas.openxmlformats.org/markup-compatibility/2006" xmlns:p14="http://schemas.microsoft.com/office/powerpoint/2010/main">
+        <mc:Choice Requires="p14">
           <p:contentPart p14:bwMode="auto" r:id="rId3">
             <p14:nvContentPartPr>
               <p14:cNvPr id="5" name="잉크 4">
@@ -17852,7 +17781,7 @@
             </p14:xfrm>
           </p:contentPart>
         </mc:Choice>
-        <mc:Fallback>
+        <mc:Fallback xmlns="">
           <p:pic>
             <p:nvPicPr>
               <p:cNvPr id="5" name="잉크 4">
@@ -17883,8 +17812,8 @@
           </p:pic>
         </mc:Fallback>
       </mc:AlternateContent>
-      <mc:AlternateContent xmlns:mc="http://schemas.openxmlformats.org/markup-compatibility/2006">
-        <mc:Choice xmlns:p14="http://schemas.microsoft.com/office/powerpoint/2010/main" Requires="p14">
+      <mc:AlternateContent xmlns:mc="http://schemas.openxmlformats.org/markup-compatibility/2006" xmlns:p14="http://schemas.microsoft.com/office/powerpoint/2010/main">
+        <mc:Choice Requires="p14">
           <p:contentPart p14:bwMode="auto" r:id="rId5">
             <p14:nvContentPartPr>
               <p14:cNvPr id="6" name="잉크 5">
@@ -17903,7 +17832,7 @@
             </p14:xfrm>
           </p:contentPart>
         </mc:Choice>
-        <mc:Fallback>
+        <mc:Fallback xmlns="">
           <p:pic>
             <p:nvPicPr>
               <p:cNvPr id="6" name="잉크 5">
@@ -17994,8 +17923,8 @@
           </a:prstGeom>
         </p:spPr>
       </p:pic>
-      <mc:AlternateContent xmlns:mc="http://schemas.openxmlformats.org/markup-compatibility/2006">
-        <mc:Choice xmlns:p14="http://schemas.microsoft.com/office/powerpoint/2010/main" Requires="p14">
+      <mc:AlternateContent xmlns:mc="http://schemas.openxmlformats.org/markup-compatibility/2006" xmlns:p14="http://schemas.microsoft.com/office/powerpoint/2010/main">
+        <mc:Choice Requires="p14">
           <p:contentPart p14:bwMode="auto" r:id="rId3">
             <p14:nvContentPartPr>
               <p14:cNvPr id="6" name="잉크 5">
@@ -18014,7 +17943,7 @@
             </p14:xfrm>
           </p:contentPart>
         </mc:Choice>
-        <mc:Fallback>
+        <mc:Fallback xmlns="">
           <p:pic>
             <p:nvPicPr>
               <p:cNvPr id="6" name="잉크 5">
@@ -18045,8 +17974,8 @@
           </p:pic>
         </mc:Fallback>
       </mc:AlternateContent>
-      <mc:AlternateContent xmlns:mc="http://schemas.openxmlformats.org/markup-compatibility/2006">
-        <mc:Choice xmlns:p14="http://schemas.microsoft.com/office/powerpoint/2010/main" Requires="p14">
+      <mc:AlternateContent xmlns:mc="http://schemas.openxmlformats.org/markup-compatibility/2006" xmlns:p14="http://schemas.microsoft.com/office/powerpoint/2010/main">
+        <mc:Choice Requires="p14">
           <p:contentPart p14:bwMode="auto" r:id="rId5">
             <p14:nvContentPartPr>
               <p14:cNvPr id="7" name="잉크 6">
@@ -18065,7 +17994,7 @@
             </p14:xfrm>
           </p:contentPart>
         </mc:Choice>
-        <mc:Fallback>
+        <mc:Fallback xmlns="">
           <p:pic>
             <p:nvPicPr>
               <p:cNvPr id="7" name="잉크 6">
@@ -18096,8 +18025,8 @@
           </p:pic>
         </mc:Fallback>
       </mc:AlternateContent>
-      <mc:AlternateContent xmlns:mc="http://schemas.openxmlformats.org/markup-compatibility/2006">
-        <mc:Choice xmlns:p14="http://schemas.microsoft.com/office/powerpoint/2010/main" Requires="p14">
+      <mc:AlternateContent xmlns:mc="http://schemas.openxmlformats.org/markup-compatibility/2006" xmlns:p14="http://schemas.microsoft.com/office/powerpoint/2010/main">
+        <mc:Choice Requires="p14">
           <p:contentPart p14:bwMode="auto" r:id="rId7">
             <p14:nvContentPartPr>
               <p14:cNvPr id="8" name="잉크 7">
@@ -18116,7 +18045,7 @@
             </p14:xfrm>
           </p:contentPart>
         </mc:Choice>
-        <mc:Fallback>
+        <mc:Fallback xmlns="">
           <p:pic>
             <p:nvPicPr>
               <p:cNvPr id="8" name="잉크 7">
@@ -18162,7 +18091,7 @@
         <p:spPr>
           <a:xfrm>
             <a:off x="7790436" y="415225"/>
-            <a:ext cx="4152182" cy="1200329"/>
+            <a:ext cx="4152182" cy="5078313"/>
           </a:xfrm>
           <a:prstGeom prst="rect">
             <a:avLst/>
@@ -18300,13 +18229,33 @@
                 <a:latin typeface="+mj-ea"/>
                 <a:ea typeface="+mj-ea"/>
               </a:rPr>
-              <a:t>를 조회한다</a:t>
-            </a:r>
+              <a:t>를  </a:t>
+            </a:r>
+            <a:endParaRPr lang="en-US" altLang="ko-KR" dirty="0">
+              <a:latin typeface="+mj-ea"/>
+              <a:ea typeface="+mj-ea"/>
+            </a:endParaRPr>
+          </a:p>
+          <a:p>
             <a:r>
               <a:rPr lang="en-US" altLang="ko-KR" dirty="0">
                 <a:latin typeface="+mj-ea"/>
                 <a:ea typeface="+mj-ea"/>
               </a:rPr>
+              <a:t> </a:t>
+            </a:r>
+            <a:r>
+              <a:rPr lang="ko-KR" altLang="en-US" dirty="0">
+                <a:latin typeface="+mj-ea"/>
+                <a:ea typeface="+mj-ea"/>
+              </a:rPr>
+              <a:t>조회한다</a:t>
+            </a:r>
+            <a:r>
+              <a:rPr lang="en-US" altLang="ko-KR" dirty="0">
+                <a:latin typeface="+mj-ea"/>
+                <a:ea typeface="+mj-ea"/>
+              </a:rPr>
               <a:t>.</a:t>
             </a:r>
             <a:r>
@@ -18316,6 +18265,403 @@
               </a:rPr>
               <a:t>)</a:t>
             </a:r>
+          </a:p>
+          <a:p>
+            <a:endParaRPr lang="en-US" altLang="ko-KR" dirty="0">
+              <a:latin typeface="+mj-ea"/>
+              <a:ea typeface="+mj-ea"/>
+            </a:endParaRPr>
+          </a:p>
+          <a:p>
+            <a:endParaRPr lang="en-US" altLang="ko-KR" sz="1800" dirty="0">
+              <a:latin typeface="+mj-ea"/>
+              <a:ea typeface="+mj-ea"/>
+            </a:endParaRPr>
+          </a:p>
+          <a:p>
+            <a:pPr marL="285750" indent="-285750">
+              <a:buFont typeface="Arial" panose="020B0604020202020204" pitchFamily="34" charset="0"/>
+              <a:buChar char="•"/>
+            </a:pPr>
+            <a:r>
+              <a:rPr lang="en-US" altLang="ko-KR" dirty="0">
+                <a:latin typeface="+mj-ea"/>
+                <a:ea typeface="+mj-ea"/>
+              </a:rPr>
+              <a:t>select</a:t>
+            </a:r>
+            <a:r>
+              <a:rPr lang="ko-KR" altLang="en-US" dirty="0">
+                <a:latin typeface="+mj-ea"/>
+                <a:ea typeface="+mj-ea"/>
+              </a:rPr>
+              <a:t> </a:t>
+            </a:r>
+            <a:r>
+              <a:rPr lang="en-US" altLang="ko-KR" dirty="0" err="1">
+                <a:latin typeface="+mj-ea"/>
+                <a:ea typeface="+mj-ea"/>
+              </a:rPr>
+              <a:t>eng+mat+kor</a:t>
+            </a:r>
+            <a:r>
+              <a:rPr lang="ko-KR" altLang="en-US" dirty="0">
+                <a:latin typeface="+mj-ea"/>
+                <a:ea typeface="+mj-ea"/>
+              </a:rPr>
+              <a:t> </a:t>
+            </a:r>
+            <a:r>
+              <a:rPr lang="en-US" altLang="ko-KR" dirty="0">
+                <a:latin typeface="+mj-ea"/>
+                <a:ea typeface="+mj-ea"/>
+              </a:rPr>
+              <a:t>from</a:t>
+            </a:r>
+            <a:r>
+              <a:rPr lang="ko-KR" altLang="en-US" dirty="0">
+                <a:latin typeface="+mj-ea"/>
+                <a:ea typeface="+mj-ea"/>
+              </a:rPr>
+              <a:t> </a:t>
+            </a:r>
+            <a:r>
+              <a:rPr lang="en-US" altLang="ko-KR" dirty="0" err="1">
+                <a:latin typeface="+mj-ea"/>
+                <a:ea typeface="+mj-ea"/>
+              </a:rPr>
+              <a:t>examtable</a:t>
+            </a:r>
+            <a:r>
+              <a:rPr lang="ko-KR" altLang="en-US" dirty="0">
+                <a:latin typeface="+mj-ea"/>
+                <a:ea typeface="+mj-ea"/>
+              </a:rPr>
+              <a:t> </a:t>
+            </a:r>
+            <a:r>
+              <a:rPr lang="en-US" altLang="ko-KR" dirty="0">
+                <a:latin typeface="+mj-ea"/>
+                <a:ea typeface="+mj-ea"/>
+              </a:rPr>
+              <a:t>where</a:t>
+            </a:r>
+            <a:r>
+              <a:rPr lang="ko-KR" altLang="en-US" dirty="0">
+                <a:latin typeface="+mj-ea"/>
+                <a:ea typeface="+mj-ea"/>
+              </a:rPr>
+              <a:t> </a:t>
+            </a:r>
+            <a:r>
+              <a:rPr lang="en-US" altLang="ko-KR" dirty="0">
+                <a:latin typeface="+mj-ea"/>
+                <a:ea typeface="+mj-ea"/>
+              </a:rPr>
+              <a:t>name=‘</a:t>
+            </a:r>
+            <a:r>
+              <a:rPr lang="ko-KR" altLang="en-US" dirty="0">
+                <a:latin typeface="+mj-ea"/>
+                <a:ea typeface="+mj-ea"/>
+              </a:rPr>
+              <a:t>모모</a:t>
+            </a:r>
+            <a:r>
+              <a:rPr lang="en-US" altLang="ko-KR" dirty="0">
+                <a:latin typeface="+mj-ea"/>
+                <a:ea typeface="+mj-ea"/>
+              </a:rPr>
+              <a:t>’;</a:t>
+            </a:r>
+          </a:p>
+          <a:p>
+            <a:r>
+              <a:rPr lang="en-US" altLang="ko-KR" sz="1800" dirty="0">
+                <a:latin typeface="+mj-ea"/>
+                <a:ea typeface="+mj-ea"/>
+              </a:rPr>
+              <a:t>(</a:t>
+            </a:r>
+            <a:r>
+              <a:rPr lang="en-US" altLang="ko-KR" dirty="0" err="1">
+                <a:latin typeface="+mj-ea"/>
+                <a:ea typeface="+mj-ea"/>
+              </a:rPr>
+              <a:t>examtable</a:t>
+            </a:r>
+            <a:r>
+              <a:rPr lang="ko-KR" altLang="en-US" dirty="0">
+                <a:latin typeface="+mj-ea"/>
+                <a:ea typeface="+mj-ea"/>
+              </a:rPr>
+              <a:t>의 </a:t>
+            </a:r>
+            <a:r>
+              <a:rPr lang="en-US" altLang="ko-KR" dirty="0">
+                <a:latin typeface="+mj-ea"/>
+                <a:ea typeface="+mj-ea"/>
+              </a:rPr>
+              <a:t>name field</a:t>
+            </a:r>
+            <a:r>
+              <a:rPr lang="ko-KR" altLang="en-US" dirty="0">
+                <a:latin typeface="+mj-ea"/>
+                <a:ea typeface="+mj-ea"/>
+              </a:rPr>
+              <a:t>의 모모 값을 </a:t>
+            </a:r>
+            <a:endParaRPr lang="en-US" altLang="ko-KR" dirty="0">
+              <a:latin typeface="+mj-ea"/>
+              <a:ea typeface="+mj-ea"/>
+            </a:endParaRPr>
+          </a:p>
+          <a:p>
+            <a:r>
+              <a:rPr lang="en-US" altLang="ko-KR" dirty="0">
+                <a:latin typeface="+mj-ea"/>
+                <a:ea typeface="+mj-ea"/>
+              </a:rPr>
+              <a:t> </a:t>
+            </a:r>
+            <a:r>
+              <a:rPr lang="ko-KR" altLang="en-US" dirty="0">
+                <a:latin typeface="+mj-ea"/>
+                <a:ea typeface="+mj-ea"/>
+              </a:rPr>
+              <a:t>조회하여 모모에 </a:t>
+            </a:r>
+            <a:r>
+              <a:rPr lang="ko-KR" altLang="en-US" sz="1800" dirty="0">
+                <a:latin typeface="+mj-ea"/>
+                <a:ea typeface="+mj-ea"/>
+              </a:rPr>
+              <a:t>해당하는 국어</a:t>
+            </a:r>
+            <a:r>
+              <a:rPr lang="en-US" altLang="ko-KR" sz="1800" dirty="0">
+                <a:latin typeface="+mj-ea"/>
+                <a:ea typeface="+mj-ea"/>
+              </a:rPr>
+              <a:t>,</a:t>
+            </a:r>
+            <a:r>
+              <a:rPr lang="ko-KR" altLang="en-US" sz="1800" dirty="0">
+                <a:latin typeface="+mj-ea"/>
+                <a:ea typeface="+mj-ea"/>
+              </a:rPr>
+              <a:t>영어  </a:t>
+            </a:r>
+            <a:endParaRPr lang="en-US" altLang="ko-KR" sz="1800" dirty="0">
+              <a:latin typeface="+mj-ea"/>
+              <a:ea typeface="+mj-ea"/>
+            </a:endParaRPr>
+          </a:p>
+          <a:p>
+            <a:r>
+              <a:rPr lang="en-US" altLang="ko-KR" dirty="0">
+                <a:latin typeface="+mj-ea"/>
+                <a:ea typeface="+mj-ea"/>
+              </a:rPr>
+              <a:t> </a:t>
+            </a:r>
+            <a:r>
+              <a:rPr lang="ko-KR" altLang="en-US" sz="1800" dirty="0">
+                <a:latin typeface="+mj-ea"/>
+                <a:ea typeface="+mj-ea"/>
+              </a:rPr>
+              <a:t>수학 점수를 모두 더한다</a:t>
+            </a:r>
+            <a:r>
+              <a:rPr lang="en-US" altLang="ko-KR" sz="1800" dirty="0">
+                <a:latin typeface="+mj-ea"/>
+                <a:ea typeface="+mj-ea"/>
+              </a:rPr>
+              <a:t>.)</a:t>
+            </a:r>
+          </a:p>
+          <a:p>
+            <a:endParaRPr lang="en-US" altLang="ko-KR" dirty="0">
+              <a:latin typeface="+mj-ea"/>
+              <a:ea typeface="+mj-ea"/>
+            </a:endParaRPr>
+          </a:p>
+          <a:p>
+            <a:endParaRPr lang="en-US" altLang="ko-KR" sz="1800" dirty="0">
+              <a:latin typeface="+mj-ea"/>
+              <a:ea typeface="+mj-ea"/>
+            </a:endParaRPr>
+          </a:p>
+          <a:p>
+            <a:pPr marL="285750" indent="-285750">
+              <a:buFont typeface="Arial" panose="020B0604020202020204" pitchFamily="34" charset="0"/>
+              <a:buChar char="•"/>
+            </a:pPr>
+            <a:r>
+              <a:rPr lang="en-US" altLang="ko-KR" sz="1800" dirty="0">
+                <a:latin typeface="+mj-ea"/>
+                <a:ea typeface="+mj-ea"/>
+              </a:rPr>
+              <a:t>select sum(</a:t>
+            </a:r>
+            <a:r>
+              <a:rPr lang="en-US" altLang="ko-KR" sz="1800" dirty="0" err="1">
+                <a:latin typeface="+mj-ea"/>
+                <a:ea typeface="+mj-ea"/>
+              </a:rPr>
+              <a:t>eng</a:t>
+            </a:r>
+            <a:r>
+              <a:rPr lang="en-US" altLang="ko-KR" sz="1800" dirty="0">
+                <a:latin typeface="+mj-ea"/>
+                <a:ea typeface="+mj-ea"/>
+              </a:rPr>
+              <a:t>),sum(mat),sum(</a:t>
+            </a:r>
+            <a:r>
+              <a:rPr lang="en-US" altLang="ko-KR" sz="1800" dirty="0" err="1">
+                <a:latin typeface="+mj-ea"/>
+                <a:ea typeface="+mj-ea"/>
+              </a:rPr>
+              <a:t>kor</a:t>
+            </a:r>
+            <a:r>
+              <a:rPr lang="en-US" altLang="ko-KR" sz="1800" dirty="0">
+                <a:latin typeface="+mj-ea"/>
+                <a:ea typeface="+mj-ea"/>
+              </a:rPr>
+              <a:t>) from </a:t>
+            </a:r>
+            <a:r>
+              <a:rPr lang="en-US" altLang="ko-KR" sz="1800" dirty="0" err="1">
+                <a:latin typeface="+mj-ea"/>
+                <a:ea typeface="+mj-ea"/>
+              </a:rPr>
+              <a:t>examtable</a:t>
+            </a:r>
+            <a:r>
+              <a:rPr lang="en-US" altLang="ko-KR" sz="1800" dirty="0">
+                <a:latin typeface="+mj-ea"/>
+                <a:ea typeface="+mj-ea"/>
+              </a:rPr>
+              <a:t>;</a:t>
+            </a:r>
+          </a:p>
+          <a:p>
+            <a:r>
+              <a:rPr lang="en-US" altLang="ko-KR" dirty="0">
+                <a:latin typeface="+mj-ea"/>
+                <a:ea typeface="+mj-ea"/>
+              </a:rPr>
+              <a:t>(</a:t>
+            </a:r>
+            <a:r>
+              <a:rPr lang="en-US" altLang="ko-KR" dirty="0" err="1">
+                <a:latin typeface="+mj-ea"/>
+                <a:ea typeface="+mj-ea"/>
+              </a:rPr>
+              <a:t>examtable</a:t>
+            </a:r>
+            <a:r>
+              <a:rPr lang="en-US" altLang="ko-KR" dirty="0">
+                <a:latin typeface="+mj-ea"/>
+                <a:ea typeface="+mj-ea"/>
+              </a:rPr>
+              <a:t> </a:t>
+            </a:r>
+            <a:r>
+              <a:rPr lang="ko-KR" altLang="en-US" dirty="0">
+                <a:latin typeface="+mj-ea"/>
+                <a:ea typeface="+mj-ea"/>
+              </a:rPr>
+              <a:t>의 </a:t>
+            </a:r>
+            <a:r>
+              <a:rPr lang="en-US" altLang="ko-KR" dirty="0" err="1">
+                <a:latin typeface="+mj-ea"/>
+                <a:ea typeface="+mj-ea"/>
+              </a:rPr>
+              <a:t>eng,mat,kor</a:t>
+            </a:r>
+            <a:r>
+              <a:rPr lang="en-US" altLang="ko-KR" dirty="0">
+                <a:latin typeface="+mj-ea"/>
+                <a:ea typeface="+mj-ea"/>
+              </a:rPr>
+              <a:t> field</a:t>
+            </a:r>
+            <a:r>
+              <a:rPr lang="ko-KR" altLang="en-US" dirty="0">
+                <a:latin typeface="+mj-ea"/>
+                <a:ea typeface="+mj-ea"/>
+              </a:rPr>
+              <a:t>를 </a:t>
+            </a:r>
+            <a:endParaRPr lang="en-US" altLang="ko-KR" dirty="0">
+              <a:latin typeface="+mj-ea"/>
+              <a:ea typeface="+mj-ea"/>
+            </a:endParaRPr>
+          </a:p>
+          <a:p>
+            <a:r>
+              <a:rPr lang="en-US" altLang="ko-KR" dirty="0">
+                <a:latin typeface="+mj-ea"/>
+                <a:ea typeface="+mj-ea"/>
+              </a:rPr>
+              <a:t> </a:t>
+            </a:r>
+            <a:r>
+              <a:rPr lang="ko-KR" altLang="en-US" dirty="0">
+                <a:latin typeface="+mj-ea"/>
+                <a:ea typeface="+mj-ea"/>
+              </a:rPr>
+              <a:t>조회하여 각각 </a:t>
+            </a:r>
+            <a:r>
+              <a:rPr lang="en-US" altLang="ko-KR" dirty="0">
+                <a:latin typeface="+mj-ea"/>
+                <a:ea typeface="+mj-ea"/>
+              </a:rPr>
+              <a:t>field</a:t>
+            </a:r>
+            <a:r>
+              <a:rPr lang="ko-KR" altLang="en-US" dirty="0">
+                <a:latin typeface="+mj-ea"/>
+                <a:ea typeface="+mj-ea"/>
+              </a:rPr>
+              <a:t>의 값을 모두  </a:t>
+            </a:r>
+            <a:endParaRPr lang="en-US" altLang="ko-KR" dirty="0">
+              <a:latin typeface="+mj-ea"/>
+              <a:ea typeface="+mj-ea"/>
+            </a:endParaRPr>
+          </a:p>
+          <a:p>
+            <a:r>
+              <a:rPr lang="en-US" altLang="ko-KR" dirty="0">
+                <a:latin typeface="+mj-ea"/>
+                <a:ea typeface="+mj-ea"/>
+              </a:rPr>
+              <a:t> </a:t>
+            </a:r>
+            <a:r>
+              <a:rPr lang="ko-KR" altLang="en-US" dirty="0">
+                <a:latin typeface="+mj-ea"/>
+                <a:ea typeface="+mj-ea"/>
+              </a:rPr>
+              <a:t>더한 값을 보여준다</a:t>
+            </a:r>
+            <a:r>
+              <a:rPr lang="en-US" altLang="ko-KR" dirty="0">
+                <a:latin typeface="+mj-ea"/>
+                <a:ea typeface="+mj-ea"/>
+              </a:rPr>
+              <a:t>.)</a:t>
+            </a:r>
+            <a:endParaRPr lang="en-US" altLang="ko-KR" sz="1800" dirty="0">
+              <a:latin typeface="+mj-ea"/>
+              <a:ea typeface="+mj-ea"/>
+            </a:endParaRPr>
           </a:p>
         </p:txBody>
       </p:sp>
@@ -18371,22 +18717,413 @@
         </p:blipFill>
         <p:spPr>
           <a:xfrm>
-            <a:off x="361644" y="428461"/>
-            <a:ext cx="9106206" cy="4869841"/>
+            <a:off x="361644" y="373045"/>
+            <a:ext cx="8505265" cy="4548468"/>
           </a:xfrm>
           <a:prstGeom prst="rect">
             <a:avLst/>
           </a:prstGeom>
         </p:spPr>
       </p:pic>
+      <p:sp>
+        <p:nvSpPr>
+          <p:cNvPr id="8" name="TextBox 7">
+            <a:extLst>
+              <a:ext uri="{FF2B5EF4-FFF2-40B4-BE49-F238E27FC236}">
+                <a16:creationId xmlns:a16="http://schemas.microsoft.com/office/drawing/2014/main" id="{C1B636A9-75DB-157B-034A-BD53FC62101E}"/>
+              </a:ext>
+            </a:extLst>
+          </p:cNvPr>
+          <p:cNvSpPr txBox="1"/>
+          <p:nvPr/>
+        </p:nvSpPr>
+        <p:spPr>
+          <a:xfrm>
+            <a:off x="361644" y="4954713"/>
+            <a:ext cx="11317738" cy="1477328"/>
+          </a:xfrm>
+          <a:prstGeom prst="rect">
+            <a:avLst/>
+          </a:prstGeom>
+          <a:noFill/>
+        </p:spPr>
+        <p:txBody>
+          <a:bodyPr wrap="square">
+            <a:spAutoFit/>
+          </a:bodyPr>
+          <a:lstStyle/>
+          <a:p>
+            <a:pPr marL="285750" indent="-285750">
+              <a:buFont typeface="Arial" panose="020B0604020202020204" pitchFamily="34" charset="0"/>
+              <a:buChar char="•"/>
+            </a:pPr>
+            <a:r>
+              <a:rPr lang="en-US" altLang="ko-KR" sz="1800" dirty="0">
+                <a:latin typeface="+mj-ea"/>
+                <a:ea typeface="+mj-ea"/>
+              </a:rPr>
+              <a:t>select </a:t>
+            </a:r>
+            <a:r>
+              <a:rPr lang="en-US" altLang="ko-KR" dirty="0">
+                <a:latin typeface="+mj-ea"/>
+                <a:ea typeface="+mj-ea"/>
+              </a:rPr>
+              <a:t>avg</a:t>
+            </a:r>
+            <a:r>
+              <a:rPr lang="en-US" altLang="ko-KR" sz="1800" dirty="0">
+                <a:latin typeface="+mj-ea"/>
+                <a:ea typeface="+mj-ea"/>
+              </a:rPr>
+              <a:t>(</a:t>
+            </a:r>
+            <a:r>
+              <a:rPr lang="en-US" altLang="ko-KR" sz="1800" dirty="0" err="1">
+                <a:latin typeface="+mj-ea"/>
+                <a:ea typeface="+mj-ea"/>
+              </a:rPr>
+              <a:t>eng</a:t>
+            </a:r>
+            <a:r>
+              <a:rPr lang="en-US" altLang="ko-KR" sz="1800" dirty="0">
+                <a:latin typeface="+mj-ea"/>
+                <a:ea typeface="+mj-ea"/>
+              </a:rPr>
+              <a:t>),</a:t>
+            </a:r>
+            <a:r>
+              <a:rPr lang="en-US" altLang="ko-KR" dirty="0">
+                <a:latin typeface="+mj-ea"/>
+                <a:ea typeface="+mj-ea"/>
+              </a:rPr>
+              <a:t>avg</a:t>
+            </a:r>
+            <a:r>
+              <a:rPr lang="en-US" altLang="ko-KR" sz="1800" dirty="0">
+                <a:latin typeface="+mj-ea"/>
+                <a:ea typeface="+mj-ea"/>
+              </a:rPr>
+              <a:t>(mat),</a:t>
+            </a:r>
+            <a:r>
+              <a:rPr lang="en-US" altLang="ko-KR" dirty="0">
+                <a:latin typeface="+mj-ea"/>
+                <a:ea typeface="+mj-ea"/>
+              </a:rPr>
+              <a:t>avg</a:t>
+            </a:r>
+            <a:r>
+              <a:rPr lang="en-US" altLang="ko-KR" sz="1800" dirty="0">
+                <a:latin typeface="+mj-ea"/>
+                <a:ea typeface="+mj-ea"/>
+              </a:rPr>
+              <a:t>(</a:t>
+            </a:r>
+            <a:r>
+              <a:rPr lang="en-US" altLang="ko-KR" sz="1800" dirty="0" err="1">
+                <a:latin typeface="+mj-ea"/>
+                <a:ea typeface="+mj-ea"/>
+              </a:rPr>
+              <a:t>kor</a:t>
+            </a:r>
+            <a:r>
+              <a:rPr lang="en-US" altLang="ko-KR" sz="1800" dirty="0">
+                <a:latin typeface="+mj-ea"/>
+                <a:ea typeface="+mj-ea"/>
+              </a:rPr>
+              <a:t>) from </a:t>
+            </a:r>
+            <a:r>
+              <a:rPr lang="en-US" altLang="ko-KR" sz="1800" dirty="0" err="1">
+                <a:latin typeface="+mj-ea"/>
+                <a:ea typeface="+mj-ea"/>
+              </a:rPr>
+              <a:t>examtable</a:t>
+            </a:r>
+            <a:r>
+              <a:rPr lang="en-US" altLang="ko-KR" sz="1800" dirty="0">
+                <a:latin typeface="+mj-ea"/>
+                <a:ea typeface="+mj-ea"/>
+              </a:rPr>
+              <a:t>;</a:t>
+            </a:r>
+          </a:p>
+          <a:p>
+            <a:r>
+              <a:rPr lang="en-US" altLang="ko-KR" dirty="0">
+                <a:latin typeface="+mj-ea"/>
+                <a:ea typeface="+mj-ea"/>
+              </a:rPr>
+              <a:t>(</a:t>
+            </a:r>
+            <a:r>
+              <a:rPr lang="en-US" altLang="ko-KR" dirty="0" err="1">
+                <a:latin typeface="+mj-ea"/>
+                <a:ea typeface="+mj-ea"/>
+              </a:rPr>
+              <a:t>examtable</a:t>
+            </a:r>
+            <a:r>
+              <a:rPr lang="en-US" altLang="ko-KR" dirty="0">
+                <a:latin typeface="+mj-ea"/>
+                <a:ea typeface="+mj-ea"/>
+              </a:rPr>
+              <a:t> </a:t>
+            </a:r>
+            <a:r>
+              <a:rPr lang="ko-KR" altLang="en-US" dirty="0">
+                <a:latin typeface="+mj-ea"/>
+                <a:ea typeface="+mj-ea"/>
+              </a:rPr>
+              <a:t>의 </a:t>
+            </a:r>
+            <a:r>
+              <a:rPr lang="en-US" altLang="ko-KR" dirty="0" err="1">
+                <a:latin typeface="+mj-ea"/>
+                <a:ea typeface="+mj-ea"/>
+              </a:rPr>
+              <a:t>eng,mat,kor</a:t>
+            </a:r>
+            <a:r>
+              <a:rPr lang="en-US" altLang="ko-KR" dirty="0">
+                <a:latin typeface="+mj-ea"/>
+                <a:ea typeface="+mj-ea"/>
+              </a:rPr>
+              <a:t> field</a:t>
+            </a:r>
+            <a:r>
+              <a:rPr lang="ko-KR" altLang="en-US" dirty="0">
+                <a:latin typeface="+mj-ea"/>
+                <a:ea typeface="+mj-ea"/>
+              </a:rPr>
+              <a:t>를 조회하여 각각 </a:t>
+            </a:r>
+            <a:r>
+              <a:rPr lang="en-US" altLang="ko-KR" dirty="0">
+                <a:latin typeface="+mj-ea"/>
+                <a:ea typeface="+mj-ea"/>
+              </a:rPr>
+              <a:t>field</a:t>
+            </a:r>
+            <a:r>
+              <a:rPr lang="ko-KR" altLang="en-US" dirty="0">
+                <a:latin typeface="+mj-ea"/>
+                <a:ea typeface="+mj-ea"/>
+              </a:rPr>
+              <a:t>의 평균 값을 보여준다</a:t>
+            </a:r>
+            <a:r>
+              <a:rPr lang="en-US" altLang="ko-KR" dirty="0">
+                <a:latin typeface="+mj-ea"/>
+                <a:ea typeface="+mj-ea"/>
+              </a:rPr>
+              <a:t>.)</a:t>
+            </a:r>
+          </a:p>
+          <a:p>
+            <a:endParaRPr lang="en-US" altLang="ko-KR" dirty="0">
+              <a:latin typeface="+mj-ea"/>
+              <a:ea typeface="+mj-ea"/>
+            </a:endParaRPr>
+          </a:p>
+          <a:p>
+            <a:pPr marL="285750" indent="-285750">
+              <a:buFont typeface="Arial" panose="020B0604020202020204" pitchFamily="34" charset="0"/>
+              <a:buChar char="•"/>
+            </a:pPr>
+            <a:r>
+              <a:rPr lang="en-US" altLang="ko-KR" dirty="0">
+                <a:latin typeface="+mj-ea"/>
+                <a:ea typeface="+mj-ea"/>
+              </a:rPr>
+              <a:t>select</a:t>
+            </a:r>
+            <a:r>
+              <a:rPr lang="ko-KR" altLang="en-US" dirty="0">
+                <a:latin typeface="+mj-ea"/>
+                <a:ea typeface="+mj-ea"/>
+              </a:rPr>
+              <a:t> </a:t>
+            </a:r>
+            <a:r>
+              <a:rPr lang="en-US" altLang="ko-KR" dirty="0">
+                <a:latin typeface="+mj-ea"/>
+                <a:ea typeface="+mj-ea"/>
+              </a:rPr>
+              <a:t>max(</a:t>
+            </a:r>
+            <a:r>
+              <a:rPr lang="en-US" altLang="ko-KR" dirty="0" err="1">
+                <a:latin typeface="+mj-ea"/>
+                <a:ea typeface="+mj-ea"/>
+              </a:rPr>
+              <a:t>eng</a:t>
+            </a:r>
+            <a:r>
+              <a:rPr lang="en-US" altLang="ko-KR" dirty="0">
+                <a:latin typeface="+mj-ea"/>
+                <a:ea typeface="+mj-ea"/>
+              </a:rPr>
+              <a:t>),min(mat),max(</a:t>
+            </a:r>
+            <a:r>
+              <a:rPr lang="en-US" altLang="ko-KR" dirty="0" err="1">
+                <a:latin typeface="+mj-ea"/>
+                <a:ea typeface="+mj-ea"/>
+              </a:rPr>
+              <a:t>kor</a:t>
+            </a:r>
+            <a:r>
+              <a:rPr lang="en-US" altLang="ko-KR" dirty="0">
+                <a:latin typeface="+mj-ea"/>
+                <a:ea typeface="+mj-ea"/>
+              </a:rPr>
+              <a:t>) from </a:t>
+            </a:r>
+            <a:r>
+              <a:rPr lang="en-US" altLang="ko-KR" dirty="0" err="1">
+                <a:latin typeface="+mj-ea"/>
+                <a:ea typeface="+mj-ea"/>
+              </a:rPr>
+              <a:t>examtable</a:t>
+            </a:r>
+            <a:r>
+              <a:rPr lang="en-US" altLang="ko-KR" dirty="0">
+                <a:latin typeface="+mj-ea"/>
+                <a:ea typeface="+mj-ea"/>
+              </a:rPr>
+              <a:t>;</a:t>
+            </a:r>
+          </a:p>
+          <a:p>
+            <a:r>
+              <a:rPr lang="en-US" altLang="ko-KR" dirty="0">
+                <a:latin typeface="+mj-ea"/>
+                <a:ea typeface="+mj-ea"/>
+              </a:rPr>
+              <a:t>(</a:t>
+            </a:r>
+            <a:r>
+              <a:rPr lang="en-US" altLang="ko-KR" dirty="0" err="1">
+                <a:latin typeface="+mj-ea"/>
+                <a:ea typeface="+mj-ea"/>
+              </a:rPr>
+              <a:t>examtable</a:t>
+            </a:r>
+            <a:r>
+              <a:rPr lang="ko-KR" altLang="en-US" dirty="0">
+                <a:latin typeface="+mj-ea"/>
+                <a:ea typeface="+mj-ea"/>
+              </a:rPr>
+              <a:t>의 </a:t>
+            </a:r>
+            <a:r>
+              <a:rPr lang="en-US" altLang="ko-KR" dirty="0">
+                <a:latin typeface="+mj-ea"/>
+                <a:ea typeface="+mj-ea"/>
+              </a:rPr>
+              <a:t>,</a:t>
+            </a:r>
+            <a:r>
+              <a:rPr lang="en-US" altLang="ko-KR" dirty="0" err="1">
+                <a:latin typeface="+mj-ea"/>
+                <a:ea typeface="+mj-ea"/>
+              </a:rPr>
+              <a:t>eng,mat,kor</a:t>
+            </a:r>
+            <a:r>
+              <a:rPr lang="en-US" altLang="ko-KR" dirty="0">
+                <a:latin typeface="+mj-ea"/>
+                <a:ea typeface="+mj-ea"/>
+              </a:rPr>
+              <a:t> field</a:t>
+            </a:r>
+            <a:r>
+              <a:rPr lang="ko-KR" altLang="en-US" dirty="0">
+                <a:latin typeface="+mj-ea"/>
+                <a:ea typeface="+mj-ea"/>
+              </a:rPr>
+              <a:t>를 조회하여 </a:t>
+            </a:r>
+            <a:r>
+              <a:rPr lang="en-US" altLang="ko-KR" dirty="0" err="1">
+                <a:latin typeface="+mj-ea"/>
+                <a:ea typeface="+mj-ea"/>
+              </a:rPr>
+              <a:t>eng</a:t>
+            </a:r>
+            <a:r>
+              <a:rPr lang="ko-KR" altLang="en-US" dirty="0">
+                <a:latin typeface="+mj-ea"/>
+                <a:ea typeface="+mj-ea"/>
+              </a:rPr>
+              <a:t>의 최대값</a:t>
+            </a:r>
+            <a:r>
+              <a:rPr lang="en-US" altLang="ko-KR" dirty="0">
+                <a:latin typeface="+mj-ea"/>
+                <a:ea typeface="+mj-ea"/>
+              </a:rPr>
+              <a:t>, mat</a:t>
+            </a:r>
+            <a:r>
+              <a:rPr lang="ko-KR" altLang="en-US" dirty="0">
+                <a:latin typeface="+mj-ea"/>
+                <a:ea typeface="+mj-ea"/>
+              </a:rPr>
+              <a:t>의 최소값</a:t>
+            </a:r>
+            <a:r>
+              <a:rPr lang="en-US" altLang="ko-KR" dirty="0">
+                <a:latin typeface="+mj-ea"/>
+                <a:ea typeface="+mj-ea"/>
+              </a:rPr>
+              <a:t>, </a:t>
+            </a:r>
+            <a:r>
+              <a:rPr lang="en-US" altLang="ko-KR" dirty="0" err="1">
+                <a:latin typeface="+mj-ea"/>
+                <a:ea typeface="+mj-ea"/>
+              </a:rPr>
+              <a:t>kor</a:t>
+            </a:r>
+            <a:r>
+              <a:rPr lang="ko-KR" altLang="en-US" dirty="0">
+                <a:latin typeface="+mj-ea"/>
+                <a:ea typeface="+mj-ea"/>
+              </a:rPr>
+              <a:t>의 최대값을 보여준다</a:t>
+            </a:r>
+            <a:r>
+              <a:rPr lang="en-US" altLang="ko-KR" dirty="0">
+                <a:latin typeface="+mj-ea"/>
+                <a:ea typeface="+mj-ea"/>
+              </a:rPr>
+              <a:t>.</a:t>
+            </a:r>
+            <a:r>
+              <a:rPr lang="ko-KR" altLang="en-US" dirty="0">
+                <a:latin typeface="+mj-ea"/>
+                <a:ea typeface="+mj-ea"/>
+              </a:rPr>
+              <a:t> </a:t>
+            </a:r>
+            <a:endParaRPr lang="en-US" altLang="ko-KR" sz="1800" dirty="0">
+              <a:latin typeface="+mj-ea"/>
+              <a:ea typeface="+mj-ea"/>
+            </a:endParaRPr>
+          </a:p>
+        </p:txBody>
+      </p:sp>
       <mc:AlternateContent xmlns:mc="http://schemas.openxmlformats.org/markup-compatibility/2006">
         <mc:Choice xmlns:p14="http://schemas.microsoft.com/office/powerpoint/2010/main" Requires="p14">
           <p:contentPart p14:bwMode="auto" r:id="rId3">
             <p14:nvContentPartPr>
-              <p14:cNvPr id="4" name="잉크 3">
+              <p14:cNvPr id="9" name="잉크 8">
                 <a:extLst>
                   <a:ext uri="{FF2B5EF4-FFF2-40B4-BE49-F238E27FC236}">
-                    <a16:creationId xmlns:a16="http://schemas.microsoft.com/office/drawing/2014/main" id="{C773715E-5DBC-698C-FA8D-7C83DD580D62}"/>
+                    <a16:creationId xmlns:a16="http://schemas.microsoft.com/office/drawing/2014/main" id="{D42950F2-9F5C-AEE1-40A9-4D1BE1D57A5F}"/>
                   </a:ext>
                 </a:extLst>
               </p14:cNvPr>
@@ -18394,18 +19131,18 @@
               <p14:nvPr/>
             </p14:nvContentPartPr>
             <p14:xfrm>
-              <a:off x="1412531" y="645240"/>
-              <a:ext cx="7785360" cy="360"/>
+              <a:off x="1357091" y="574320"/>
+              <a:ext cx="7299360" cy="360"/>
             </p14:xfrm>
           </p:contentPart>
         </mc:Choice>
         <mc:Fallback>
           <p:pic>
             <p:nvPicPr>
-              <p:cNvPr id="4" name="잉크 3">
+              <p:cNvPr id="9" name="잉크 8">
                 <a:extLst>
                   <a:ext uri="{FF2B5EF4-FFF2-40B4-BE49-F238E27FC236}">
-                    <a16:creationId xmlns:a16="http://schemas.microsoft.com/office/drawing/2014/main" id="{C773715E-5DBC-698C-FA8D-7C83DD580D62}"/>
+                    <a16:creationId xmlns:a16="http://schemas.microsoft.com/office/drawing/2014/main" id="{D42950F2-9F5C-AEE1-40A9-4D1BE1D57A5F}"/>
                   </a:ext>
                 </a:extLst>
               </p:cNvPr>
@@ -18420,8 +19157,8 @@
             </p:blipFill>
             <p:spPr>
               <a:xfrm>
-                <a:off x="1358531" y="537600"/>
-                <a:ext cx="7893000" cy="216000"/>
+                <a:off x="1303451" y="466320"/>
+                <a:ext cx="7407000" cy="216000"/>
               </a:xfrm>
               <a:prstGeom prst="rect">
                 <a:avLst/>
@@ -18434,10 +19171,10 @@
         <mc:Choice xmlns:p14="http://schemas.microsoft.com/office/powerpoint/2010/main" Requires="p14">
           <p:contentPart p14:bwMode="auto" r:id="rId5">
             <p14:nvContentPartPr>
-              <p14:cNvPr id="5" name="잉크 4">
+              <p14:cNvPr id="11" name="잉크 10">
                 <a:extLst>
                   <a:ext uri="{FF2B5EF4-FFF2-40B4-BE49-F238E27FC236}">
-                    <a16:creationId xmlns:a16="http://schemas.microsoft.com/office/drawing/2014/main" id="{161C3A23-672B-048E-5500-F397353E9019}"/>
+                    <a16:creationId xmlns:a16="http://schemas.microsoft.com/office/drawing/2014/main" id="{D68C216C-9B66-9F79-CD9F-E5D68BC1F560}"/>
                   </a:ext>
                 </a:extLst>
               </p14:cNvPr>
@@ -18445,18 +19182,18 @@
               <p14:nvPr/>
             </p14:nvContentPartPr>
             <p14:xfrm>
-              <a:off x="1537811" y="617520"/>
-              <a:ext cx="7673760" cy="360"/>
+              <a:off x="1454651" y="2915760"/>
+              <a:ext cx="7147800" cy="360"/>
             </p14:xfrm>
           </p:contentPart>
         </mc:Choice>
         <mc:Fallback>
           <p:pic>
             <p:nvPicPr>
-              <p:cNvPr id="5" name="잉크 4">
+              <p:cNvPr id="11" name="잉크 10">
                 <a:extLst>
                   <a:ext uri="{FF2B5EF4-FFF2-40B4-BE49-F238E27FC236}">
-                    <a16:creationId xmlns:a16="http://schemas.microsoft.com/office/drawing/2014/main" id="{161C3A23-672B-048E-5500-F397353E9019}"/>
+                    <a16:creationId xmlns:a16="http://schemas.microsoft.com/office/drawing/2014/main" id="{D68C216C-9B66-9F79-CD9F-E5D68BC1F560}"/>
                   </a:ext>
                 </a:extLst>
               </p:cNvPr>
@@ -18471,110 +19208,8 @@
             </p:blipFill>
             <p:spPr>
               <a:xfrm>
-                <a:off x="1483811" y="509880"/>
-                <a:ext cx="7781400" cy="216000"/>
-              </a:xfrm>
-              <a:prstGeom prst="rect">
-                <a:avLst/>
-              </a:prstGeom>
-            </p:spPr>
-          </p:pic>
-        </mc:Fallback>
-      </mc:AlternateContent>
-      <mc:AlternateContent xmlns:mc="http://schemas.openxmlformats.org/markup-compatibility/2006">
-        <mc:Choice xmlns:p14="http://schemas.microsoft.com/office/powerpoint/2010/main" Requires="p14">
-          <p:contentPart p14:bwMode="auto" r:id="rId7">
-            <p14:nvContentPartPr>
-              <p14:cNvPr id="6" name="잉크 5">
-                <a:extLst>
-                  <a:ext uri="{FF2B5EF4-FFF2-40B4-BE49-F238E27FC236}">
-                    <a16:creationId xmlns:a16="http://schemas.microsoft.com/office/drawing/2014/main" id="{E7A8FEDC-D3F3-AC84-A65A-7757F5F7554F}"/>
-                  </a:ext>
-                </a:extLst>
-              </p14:cNvPr>
-              <p14:cNvContentPartPr/>
-              <p14:nvPr/>
-            </p14:nvContentPartPr>
-            <p14:xfrm>
-              <a:off x="1564811" y="3153000"/>
-              <a:ext cx="7646760" cy="360"/>
-            </p14:xfrm>
-          </p:contentPart>
-        </mc:Choice>
-        <mc:Fallback>
-          <p:pic>
-            <p:nvPicPr>
-              <p:cNvPr id="6" name="잉크 5">
-                <a:extLst>
-                  <a:ext uri="{FF2B5EF4-FFF2-40B4-BE49-F238E27FC236}">
-                    <a16:creationId xmlns:a16="http://schemas.microsoft.com/office/drawing/2014/main" id="{E7A8FEDC-D3F3-AC84-A65A-7757F5F7554F}"/>
-                  </a:ext>
-                </a:extLst>
-              </p:cNvPr>
-              <p:cNvPicPr/>
-              <p:nvPr/>
-            </p:nvPicPr>
-            <p:blipFill>
-              <a:blip r:embed="rId8"/>
-              <a:stretch>
-                <a:fillRect/>
-              </a:stretch>
-            </p:blipFill>
-            <p:spPr>
-              <a:xfrm>
-                <a:off x="1511171" y="3045000"/>
-                <a:ext cx="7754400" cy="216000"/>
-              </a:xfrm>
-              <a:prstGeom prst="rect">
-                <a:avLst/>
-              </a:prstGeom>
-            </p:spPr>
-          </p:pic>
-        </mc:Fallback>
-      </mc:AlternateContent>
-      <mc:AlternateContent xmlns:mc="http://schemas.openxmlformats.org/markup-compatibility/2006">
-        <mc:Choice xmlns:p14="http://schemas.microsoft.com/office/powerpoint/2010/main" Requires="p14">
-          <p:contentPart p14:bwMode="auto" r:id="rId9">
-            <p14:nvContentPartPr>
-              <p14:cNvPr id="7" name="잉크 6">
-                <a:extLst>
-                  <a:ext uri="{FF2B5EF4-FFF2-40B4-BE49-F238E27FC236}">
-                    <a16:creationId xmlns:a16="http://schemas.microsoft.com/office/drawing/2014/main" id="{36BB619C-A684-8F8E-E1D6-A7CC179E013B}"/>
-                  </a:ext>
-                </a:extLst>
-              </p14:cNvPr>
-              <p14:cNvContentPartPr/>
-              <p14:nvPr/>
-            </p14:nvContentPartPr>
-            <p14:xfrm>
-              <a:off x="1510091" y="3131040"/>
-              <a:ext cx="360" cy="360"/>
-            </p14:xfrm>
-          </p:contentPart>
-        </mc:Choice>
-        <mc:Fallback>
-          <p:pic>
-            <p:nvPicPr>
-              <p:cNvPr id="7" name="잉크 6">
-                <a:extLst>
-                  <a:ext uri="{FF2B5EF4-FFF2-40B4-BE49-F238E27FC236}">
-                    <a16:creationId xmlns:a16="http://schemas.microsoft.com/office/drawing/2014/main" id="{36BB619C-A684-8F8E-E1D6-A7CC179E013B}"/>
-                  </a:ext>
-                </a:extLst>
-              </p:cNvPr>
-              <p:cNvPicPr/>
-              <p:nvPr/>
-            </p:nvPicPr>
-            <p:blipFill>
-              <a:blip r:embed="rId10"/>
-              <a:stretch>
-                <a:fillRect/>
-              </a:stretch>
-            </p:blipFill>
-            <p:spPr>
-              <a:xfrm>
-                <a:off x="1456091" y="3023040"/>
-                <a:ext cx="108000" cy="216000"/>
+                <a:off x="1400651" y="2807760"/>
+                <a:ext cx="7255440" cy="216000"/>
               </a:xfrm>
               <a:prstGeom prst="rect">
                 <a:avLst/>
@@ -18587,1590 +19222,6 @@
     <p:extLst>
       <p:ext uri="{BB962C8B-B14F-4D97-AF65-F5344CB8AC3E}">
         <p14:creationId xmlns:p14="http://schemas.microsoft.com/office/powerpoint/2010/main" val="3137899043"/>
-      </p:ext>
-    </p:extLst>
-  </p:cSld>
-  <p:clrMapOvr>
-    <a:masterClrMapping/>
-  </p:clrMapOvr>
-</p:sld>
-</file>
-
-<file path=ppt/slides/slide32.xml><?xml version="1.0" encoding="utf-8"?>
-<p:sld xmlns:a="http://schemas.openxmlformats.org/drawingml/2006/main" xmlns:r="http://schemas.openxmlformats.org/officeDocument/2006/relationships" xmlns:p="http://schemas.openxmlformats.org/presentationml/2006/main">
-  <p:cSld>
-    <p:spTree>
-      <p:nvGrpSpPr>
-        <p:cNvPr id="1" name=""/>
-        <p:cNvGrpSpPr/>
-        <p:nvPr/>
-      </p:nvGrpSpPr>
-      <p:grpSpPr>
-        <a:xfrm>
-          <a:off x="0" y="0"/>
-          <a:ext cx="0" cy="0"/>
-          <a:chOff x="0" y="0"/>
-          <a:chExt cx="0" cy="0"/>
-        </a:xfrm>
-      </p:grpSpPr>
-    </p:spTree>
-    <p:extLst>
-      <p:ext uri="{BB962C8B-B14F-4D97-AF65-F5344CB8AC3E}">
-        <p14:creationId xmlns:p14="http://schemas.microsoft.com/office/powerpoint/2010/main" val="1409987322"/>
-      </p:ext>
-    </p:extLst>
-  </p:cSld>
-  <p:clrMapOvr>
-    <a:masterClrMapping/>
-  </p:clrMapOvr>
-</p:sld>
-</file>
-
-<file path=ppt/slides/slide33.xml><?xml version="1.0" encoding="utf-8"?>
-<p:sld xmlns:a="http://schemas.openxmlformats.org/drawingml/2006/main" xmlns:r="http://schemas.openxmlformats.org/officeDocument/2006/relationships" xmlns:p="http://schemas.openxmlformats.org/presentationml/2006/main">
-  <p:cSld>
-    <p:spTree>
-      <p:nvGrpSpPr>
-        <p:cNvPr id="1" name=""/>
-        <p:cNvGrpSpPr/>
-        <p:nvPr/>
-      </p:nvGrpSpPr>
-      <p:grpSpPr>
-        <a:xfrm>
-          <a:off x="0" y="0"/>
-          <a:ext cx="0" cy="0"/>
-          <a:chOff x="0" y="0"/>
-          <a:chExt cx="0" cy="0"/>
-        </a:xfrm>
-      </p:grpSpPr>
-    </p:spTree>
-    <p:extLst>
-      <p:ext uri="{BB962C8B-B14F-4D97-AF65-F5344CB8AC3E}">
-        <p14:creationId xmlns:p14="http://schemas.microsoft.com/office/powerpoint/2010/main" val="1540229947"/>
-      </p:ext>
-    </p:extLst>
-  </p:cSld>
-  <p:clrMapOvr>
-    <a:masterClrMapping/>
-  </p:clrMapOvr>
-</p:sld>
-</file>
-
-<file path=ppt/slides/slide34.xml><?xml version="1.0" encoding="utf-8"?>
-<p:sld xmlns:a="http://schemas.openxmlformats.org/drawingml/2006/main" xmlns:r="http://schemas.openxmlformats.org/officeDocument/2006/relationships" xmlns:p="http://schemas.openxmlformats.org/presentationml/2006/main">
-  <p:cSld>
-    <p:spTree>
-      <p:nvGrpSpPr>
-        <p:cNvPr id="1" name=""/>
-        <p:cNvGrpSpPr/>
-        <p:nvPr/>
-      </p:nvGrpSpPr>
-      <p:grpSpPr>
-        <a:xfrm>
-          <a:off x="0" y="0"/>
-          <a:ext cx="0" cy="0"/>
-          <a:chOff x="0" y="0"/>
-          <a:chExt cx="0" cy="0"/>
-        </a:xfrm>
-      </p:grpSpPr>
-      <p:pic>
-        <p:nvPicPr>
-          <p:cNvPr id="3" name="그림 2">
-            <a:extLst>
-              <a:ext uri="{FF2B5EF4-FFF2-40B4-BE49-F238E27FC236}">
-                <a16:creationId xmlns:a16="http://schemas.microsoft.com/office/drawing/2014/main" id="{C779E2D0-0631-9BF9-0256-2E301B6E565F}"/>
-              </a:ext>
-            </a:extLst>
-          </p:cNvPr>
-          <p:cNvPicPr>
-            <a:picLocks noChangeAspect="1"/>
-          </p:cNvPicPr>
-          <p:nvPr/>
-        </p:nvPicPr>
-        <p:blipFill>
-          <a:blip r:embed="rId2"/>
-          <a:stretch>
-            <a:fillRect/>
-          </a:stretch>
-        </p:blipFill>
-        <p:spPr>
-          <a:xfrm>
-            <a:off x="339436" y="318654"/>
-            <a:ext cx="11513128" cy="5157073"/>
-          </a:xfrm>
-          <a:prstGeom prst="rect">
-            <a:avLst/>
-          </a:prstGeom>
-        </p:spPr>
-      </p:pic>
-    </p:spTree>
-    <p:extLst>
-      <p:ext uri="{BB962C8B-B14F-4D97-AF65-F5344CB8AC3E}">
-        <p14:creationId xmlns:p14="http://schemas.microsoft.com/office/powerpoint/2010/main" val="302918241"/>
-      </p:ext>
-    </p:extLst>
-  </p:cSld>
-  <p:clrMapOvr>
-    <a:masterClrMapping/>
-  </p:clrMapOvr>
-</p:sld>
-</file>
-
-<file path=ppt/slides/slide35.xml><?xml version="1.0" encoding="utf-8"?>
-<p:sld xmlns:a="http://schemas.openxmlformats.org/drawingml/2006/main" xmlns:r="http://schemas.openxmlformats.org/officeDocument/2006/relationships" xmlns:p="http://schemas.openxmlformats.org/presentationml/2006/main">
-  <p:cSld>
-    <p:spTree>
-      <p:nvGrpSpPr>
-        <p:cNvPr id="1" name=""/>
-        <p:cNvGrpSpPr/>
-        <p:nvPr/>
-      </p:nvGrpSpPr>
-      <p:grpSpPr>
-        <a:xfrm>
-          <a:off x="0" y="0"/>
-          <a:ext cx="0" cy="0"/>
-          <a:chOff x="0" y="0"/>
-          <a:chExt cx="0" cy="0"/>
-        </a:xfrm>
-      </p:grpSpPr>
-      <p:pic>
-        <p:nvPicPr>
-          <p:cNvPr id="3" name="그림 2">
-            <a:extLst>
-              <a:ext uri="{FF2B5EF4-FFF2-40B4-BE49-F238E27FC236}">
-                <a16:creationId xmlns:a16="http://schemas.microsoft.com/office/drawing/2014/main" id="{8EA0A379-F1A3-D3D1-3F11-E0161A9BA23F}"/>
-              </a:ext>
-            </a:extLst>
-          </p:cNvPr>
-          <p:cNvPicPr>
-            <a:picLocks noChangeAspect="1"/>
-          </p:cNvPicPr>
-          <p:nvPr/>
-        </p:nvPicPr>
-        <p:blipFill>
-          <a:blip r:embed="rId2"/>
-          <a:stretch>
-            <a:fillRect/>
-          </a:stretch>
-        </p:blipFill>
-        <p:spPr>
-          <a:xfrm>
-            <a:off x="345025" y="431197"/>
-            <a:ext cx="11500611" cy="583129"/>
-          </a:xfrm>
-          <a:prstGeom prst="rect">
-            <a:avLst/>
-          </a:prstGeom>
-        </p:spPr>
-      </p:pic>
-      <p:pic>
-        <p:nvPicPr>
-          <p:cNvPr id="5" name="그림 4">
-            <a:extLst>
-              <a:ext uri="{FF2B5EF4-FFF2-40B4-BE49-F238E27FC236}">
-                <a16:creationId xmlns:a16="http://schemas.microsoft.com/office/drawing/2014/main" id="{B70B311F-5680-8EA8-5E2B-A1E657D819EB}"/>
-              </a:ext>
-            </a:extLst>
-          </p:cNvPr>
-          <p:cNvPicPr>
-            <a:picLocks noChangeAspect="1"/>
-          </p:cNvPicPr>
-          <p:nvPr/>
-        </p:nvPicPr>
-        <p:blipFill>
-          <a:blip r:embed="rId3"/>
-          <a:stretch>
-            <a:fillRect/>
-          </a:stretch>
-        </p:blipFill>
-        <p:spPr>
-          <a:xfrm>
-            <a:off x="345025" y="1627452"/>
-            <a:ext cx="11500611" cy="775572"/>
-          </a:xfrm>
-          <a:prstGeom prst="rect">
-            <a:avLst/>
-          </a:prstGeom>
-        </p:spPr>
-      </p:pic>
-      <p:sp>
-        <p:nvSpPr>
-          <p:cNvPr id="9" name="TextBox 8">
-            <a:extLst>
-              <a:ext uri="{FF2B5EF4-FFF2-40B4-BE49-F238E27FC236}">
-                <a16:creationId xmlns:a16="http://schemas.microsoft.com/office/drawing/2014/main" id="{3EA9A5E4-90EC-B78A-CB83-A2E749C6E97B}"/>
-              </a:ext>
-            </a:extLst>
-          </p:cNvPr>
-          <p:cNvSpPr txBox="1"/>
-          <p:nvPr/>
-        </p:nvSpPr>
-        <p:spPr>
-          <a:xfrm>
-            <a:off x="345025" y="2802327"/>
-            <a:ext cx="11500611" cy="4031873"/>
-          </a:xfrm>
-          <a:prstGeom prst="rect">
-            <a:avLst/>
-          </a:prstGeom>
-          <a:noFill/>
-        </p:spPr>
-        <p:txBody>
-          <a:bodyPr wrap="square">
-            <a:spAutoFit/>
-          </a:bodyPr>
-          <a:lstStyle/>
-          <a:p>
-            <a:pPr algn="l"/>
-            <a:r>
-              <a:rPr lang="ko-KR" altLang="en-US" sz="1600" b="0" i="0" dirty="0">
-                <a:solidFill>
-                  <a:srgbClr val="374151"/>
-                </a:solidFill>
-                <a:effectLst/>
-                <a:latin typeface="Söhne"/>
-              </a:rPr>
-              <a:t>에러 메시지인 </a:t>
-            </a:r>
-            <a:r>
-              <a:rPr lang="en-US" altLang="ko-KR" sz="1600" b="0" i="0" dirty="0">
-                <a:solidFill>
-                  <a:srgbClr val="374151"/>
-                </a:solidFill>
-                <a:effectLst/>
-                <a:latin typeface="Söhne"/>
-              </a:rPr>
-              <a:t>"ERROR 1396 (HY000): Operation CREATE USER failed for 'root'@'%'"</a:t>
-            </a:r>
-            <a:r>
-              <a:rPr lang="ko-KR" altLang="en-US" sz="1600" b="0" i="0" dirty="0">
-                <a:solidFill>
-                  <a:srgbClr val="374151"/>
-                </a:solidFill>
-                <a:effectLst/>
-                <a:latin typeface="Söhne"/>
-              </a:rPr>
-              <a:t>는 </a:t>
-            </a:r>
-            <a:r>
-              <a:rPr lang="en-US" altLang="ko-KR" sz="1600" b="0" i="0" dirty="0">
-                <a:solidFill>
-                  <a:srgbClr val="374151"/>
-                </a:solidFill>
-                <a:effectLst/>
-                <a:latin typeface="Söhne"/>
-              </a:rPr>
-              <a:t>CREATE USER </a:t>
-            </a:r>
-            <a:r>
-              <a:rPr lang="ko-KR" altLang="en-US" sz="1600" b="0" i="0" dirty="0">
-                <a:solidFill>
-                  <a:srgbClr val="374151"/>
-                </a:solidFill>
-                <a:effectLst/>
-                <a:latin typeface="Söhne"/>
-              </a:rPr>
-              <a:t>작업에 실패했다는 것을 알려줍니다</a:t>
-            </a:r>
-            <a:r>
-              <a:rPr lang="en-US" altLang="ko-KR" sz="1600" b="0" i="0" dirty="0">
-                <a:solidFill>
-                  <a:srgbClr val="374151"/>
-                </a:solidFill>
-                <a:effectLst/>
-                <a:latin typeface="Söhne"/>
-              </a:rPr>
-              <a:t>.</a:t>
-            </a:r>
-          </a:p>
-          <a:p>
-            <a:pPr algn="l"/>
-            <a:endParaRPr lang="en-US" altLang="ko-KR" sz="1600" b="0" i="0" dirty="0">
-              <a:solidFill>
-                <a:srgbClr val="374151"/>
-              </a:solidFill>
-              <a:effectLst/>
-              <a:latin typeface="Söhne"/>
-            </a:endParaRPr>
-          </a:p>
-          <a:p>
-            <a:pPr algn="l"/>
-            <a:r>
-              <a:rPr lang="ko-KR" altLang="en-US" sz="1600" b="0" i="0" dirty="0">
-                <a:solidFill>
-                  <a:srgbClr val="374151"/>
-                </a:solidFill>
-                <a:effectLst/>
-                <a:latin typeface="Söhne"/>
-              </a:rPr>
-              <a:t>이 오류는 이미 </a:t>
-            </a:r>
-            <a:r>
-              <a:rPr lang="en-US" altLang="ko-KR" sz="1600" b="0" i="0" dirty="0">
-                <a:solidFill>
-                  <a:srgbClr val="374151"/>
-                </a:solidFill>
-                <a:effectLst/>
-                <a:latin typeface="Söhne"/>
-              </a:rPr>
-              <a:t>'%' </a:t>
-            </a:r>
-            <a:r>
-              <a:rPr lang="ko-KR" altLang="en-US" sz="1600" b="0" i="0" dirty="0">
-                <a:solidFill>
-                  <a:srgbClr val="374151"/>
-                </a:solidFill>
-                <a:effectLst/>
-                <a:latin typeface="Söhne"/>
-              </a:rPr>
-              <a:t>호스트에서 </a:t>
-            </a:r>
-            <a:r>
-              <a:rPr lang="en-US" altLang="ko-KR" sz="1600" b="0" i="0" dirty="0">
-                <a:solidFill>
-                  <a:srgbClr val="374151"/>
-                </a:solidFill>
-                <a:effectLst/>
-                <a:latin typeface="Söhne"/>
-              </a:rPr>
-              <a:t>'root' </a:t>
-            </a:r>
-            <a:r>
-              <a:rPr lang="ko-KR" altLang="en-US" sz="1600" b="0" i="0" dirty="0">
-                <a:solidFill>
-                  <a:srgbClr val="374151"/>
-                </a:solidFill>
-                <a:effectLst/>
-                <a:latin typeface="Söhne"/>
-              </a:rPr>
-              <a:t>사용자가 생성되어 있어서 중복으로 생성할 수 없기 때문입니다</a:t>
-            </a:r>
-            <a:r>
-              <a:rPr lang="en-US" altLang="ko-KR" sz="1600" b="0" i="0" dirty="0">
-                <a:solidFill>
-                  <a:srgbClr val="374151"/>
-                </a:solidFill>
-                <a:effectLst/>
-                <a:latin typeface="Söhne"/>
-              </a:rPr>
-              <a:t>. </a:t>
-            </a:r>
-          </a:p>
-          <a:p>
-            <a:pPr algn="l"/>
-            <a:r>
-              <a:rPr lang="ko-KR" altLang="en-US" sz="1600" b="0" i="0" dirty="0">
-                <a:solidFill>
-                  <a:srgbClr val="374151"/>
-                </a:solidFill>
-                <a:effectLst/>
-                <a:latin typeface="Söhne"/>
-              </a:rPr>
-              <a:t>또는 권한 부여 작업에서 호스트명이나 사용자 이름이 잘못된 경우에도 이 오류가 발생할 수 있습니다</a:t>
-            </a:r>
-            <a:r>
-              <a:rPr lang="en-US" altLang="ko-KR" sz="1600" b="0" i="0" dirty="0">
-                <a:solidFill>
-                  <a:srgbClr val="374151"/>
-                </a:solidFill>
-                <a:effectLst/>
-                <a:latin typeface="Söhne"/>
-              </a:rPr>
-              <a:t>.</a:t>
-            </a:r>
-          </a:p>
-          <a:p>
-            <a:pPr algn="l"/>
-            <a:endParaRPr lang="en-US" altLang="ko-KR" sz="1600" b="0" i="0" dirty="0">
-              <a:solidFill>
-                <a:srgbClr val="374151"/>
-              </a:solidFill>
-              <a:effectLst/>
-              <a:latin typeface="Söhne"/>
-            </a:endParaRPr>
-          </a:p>
-          <a:p>
-            <a:pPr algn="l"/>
-            <a:r>
-              <a:rPr lang="en-US" altLang="ko-KR" sz="1600" b="0" i="0" dirty="0">
-                <a:solidFill>
-                  <a:srgbClr val="374151"/>
-                </a:solidFill>
-                <a:effectLst/>
-                <a:latin typeface="Söhne"/>
-              </a:rPr>
-              <a:t>&lt;&lt; </a:t>
-            </a:r>
-            <a:r>
-              <a:rPr lang="ko-KR" altLang="en-US" sz="1600" b="0" i="0" dirty="0">
-                <a:solidFill>
-                  <a:srgbClr val="374151"/>
-                </a:solidFill>
-                <a:effectLst/>
-                <a:latin typeface="Söhne"/>
-              </a:rPr>
-              <a:t>해결 방법 </a:t>
-            </a:r>
-            <a:r>
-              <a:rPr lang="en-US" altLang="ko-KR" sz="1600" b="0" i="0" dirty="0">
-                <a:solidFill>
-                  <a:srgbClr val="374151"/>
-                </a:solidFill>
-                <a:effectLst/>
-                <a:latin typeface="Söhne"/>
-              </a:rPr>
-              <a:t>&gt;&gt;</a:t>
-            </a:r>
-          </a:p>
-          <a:p>
-            <a:pPr algn="l"/>
-            <a:r>
-              <a:rPr lang="ko-KR" altLang="en-US" sz="1600" b="0" i="0" dirty="0">
-                <a:solidFill>
-                  <a:srgbClr val="374151"/>
-                </a:solidFill>
-                <a:effectLst/>
-                <a:latin typeface="Söhne"/>
-              </a:rPr>
-              <a:t>이미 생성된 </a:t>
-            </a:r>
-            <a:r>
-              <a:rPr lang="en-US" altLang="ko-KR" sz="1600" b="0" i="0" dirty="0">
-                <a:solidFill>
-                  <a:srgbClr val="374151"/>
-                </a:solidFill>
-                <a:effectLst/>
-                <a:latin typeface="Söhne"/>
-              </a:rPr>
-              <a:t>'root' </a:t>
-            </a:r>
-            <a:r>
-              <a:rPr lang="ko-KR" altLang="en-US" sz="1600" b="0" i="0" dirty="0">
-                <a:solidFill>
-                  <a:srgbClr val="374151"/>
-                </a:solidFill>
-                <a:effectLst/>
-                <a:latin typeface="Söhne"/>
-              </a:rPr>
-              <a:t>사용자가 있는지 확인하고</a:t>
-            </a:r>
-            <a:r>
-              <a:rPr lang="en-US" altLang="ko-KR" sz="1600" b="0" i="0" dirty="0">
-                <a:solidFill>
-                  <a:srgbClr val="374151"/>
-                </a:solidFill>
-                <a:effectLst/>
-                <a:latin typeface="Söhne"/>
-              </a:rPr>
-              <a:t>, </a:t>
-            </a:r>
-            <a:r>
-              <a:rPr lang="ko-KR" altLang="en-US" sz="1600" b="0" i="0" dirty="0">
-                <a:solidFill>
-                  <a:srgbClr val="374151"/>
-                </a:solidFill>
-                <a:effectLst/>
-                <a:latin typeface="Söhne"/>
-              </a:rPr>
-              <a:t>필요에 따라 해당 사용자를 수정합니다</a:t>
-            </a:r>
-            <a:r>
-              <a:rPr lang="en-US" altLang="ko-KR" sz="1600" b="0" i="0" dirty="0">
-                <a:solidFill>
-                  <a:srgbClr val="374151"/>
-                </a:solidFill>
-                <a:effectLst/>
-                <a:latin typeface="Söhne"/>
-              </a:rPr>
-              <a:t>.</a:t>
-            </a:r>
-          </a:p>
-          <a:p>
-            <a:pPr algn="l"/>
-            <a:endParaRPr lang="en-US" altLang="ko-KR" sz="1600" b="0" i="0" dirty="0">
-              <a:solidFill>
-                <a:srgbClr val="374151"/>
-              </a:solidFill>
-              <a:effectLst/>
-              <a:latin typeface="Söhne"/>
-            </a:endParaRPr>
-          </a:p>
-          <a:p>
-            <a:pPr algn="l">
-              <a:buFont typeface="+mj-lt"/>
-              <a:buAutoNum type="arabicPeriod"/>
-            </a:pPr>
-            <a:r>
-              <a:rPr lang="ko-KR" altLang="en-US" sz="1600" b="0" i="0" dirty="0">
-                <a:solidFill>
-                  <a:srgbClr val="374151"/>
-                </a:solidFill>
-                <a:effectLst/>
-                <a:latin typeface="Söhne"/>
-              </a:rPr>
-              <a:t>호스트명 대신 실제 </a:t>
-            </a:r>
-            <a:r>
-              <a:rPr lang="en-US" altLang="ko-KR" sz="1600" b="0" i="0" dirty="0">
-                <a:solidFill>
-                  <a:srgbClr val="374151"/>
-                </a:solidFill>
-                <a:effectLst/>
-                <a:latin typeface="Söhne"/>
-              </a:rPr>
-              <a:t>IP </a:t>
-            </a:r>
-            <a:r>
-              <a:rPr lang="ko-KR" altLang="en-US" sz="1600" b="0" i="0" dirty="0">
-                <a:solidFill>
-                  <a:srgbClr val="374151"/>
-                </a:solidFill>
-                <a:effectLst/>
-                <a:latin typeface="Söhne"/>
-              </a:rPr>
-              <a:t>주소를 사용하여 </a:t>
-            </a:r>
-            <a:r>
-              <a:rPr lang="en-US" altLang="ko-KR" sz="1600" b="0" i="0" dirty="0">
-                <a:solidFill>
-                  <a:srgbClr val="374151"/>
-                </a:solidFill>
-                <a:effectLst/>
-                <a:latin typeface="Söhne"/>
-              </a:rPr>
-              <a:t>'root' </a:t>
-            </a:r>
-            <a:r>
-              <a:rPr lang="ko-KR" altLang="en-US" sz="1600" b="0" i="0" dirty="0">
-                <a:solidFill>
-                  <a:srgbClr val="374151"/>
-                </a:solidFill>
-                <a:effectLst/>
-                <a:latin typeface="Söhne"/>
-              </a:rPr>
-              <a:t>사용자를 생성합니다</a:t>
-            </a:r>
-            <a:r>
-              <a:rPr lang="en-US" altLang="ko-KR" sz="1600" b="0" i="0" dirty="0">
-                <a:solidFill>
-                  <a:srgbClr val="374151"/>
-                </a:solidFill>
-                <a:effectLst/>
-                <a:latin typeface="Söhne"/>
-              </a:rPr>
-              <a:t>. </a:t>
-            </a:r>
-            <a:r>
-              <a:rPr lang="ko-KR" altLang="en-US" sz="1600" b="0" i="0" dirty="0">
-                <a:solidFill>
-                  <a:srgbClr val="374151"/>
-                </a:solidFill>
-                <a:effectLst/>
-                <a:latin typeface="Söhne"/>
-              </a:rPr>
-              <a:t>예를 들어</a:t>
-            </a:r>
-            <a:r>
-              <a:rPr lang="en-US" altLang="ko-KR" sz="1600" b="0" i="0" dirty="0">
-                <a:solidFill>
-                  <a:srgbClr val="374151"/>
-                </a:solidFill>
-                <a:effectLst/>
-                <a:latin typeface="Söhne"/>
-              </a:rPr>
-              <a:t>, 'root'@'192.168.1.100' </a:t>
-            </a:r>
-            <a:r>
-              <a:rPr lang="ko-KR" altLang="en-US" sz="1600" b="0" i="0" dirty="0">
-                <a:solidFill>
-                  <a:srgbClr val="374151"/>
-                </a:solidFill>
-                <a:effectLst/>
-                <a:latin typeface="Söhne"/>
-              </a:rPr>
-              <a:t>과 같이 작성합니다</a:t>
-            </a:r>
-            <a:r>
-              <a:rPr lang="en-US" altLang="ko-KR" sz="1600" b="0" i="0" dirty="0">
-                <a:solidFill>
-                  <a:srgbClr val="374151"/>
-                </a:solidFill>
-                <a:effectLst/>
-                <a:latin typeface="Söhne"/>
-              </a:rPr>
-              <a:t>.</a:t>
-            </a:r>
-          </a:p>
-          <a:p>
-            <a:pPr algn="l">
-              <a:buFont typeface="+mj-lt"/>
-              <a:buAutoNum type="arabicPeriod"/>
-            </a:pPr>
-            <a:endParaRPr lang="en-US" altLang="ko-KR" sz="1600" b="0" i="0" dirty="0">
-              <a:solidFill>
-                <a:srgbClr val="374151"/>
-              </a:solidFill>
-              <a:effectLst/>
-              <a:latin typeface="Söhne"/>
-            </a:endParaRPr>
-          </a:p>
-          <a:p>
-            <a:pPr algn="l">
-              <a:buFont typeface="+mj-lt"/>
-              <a:buAutoNum type="arabicPeriod"/>
-            </a:pPr>
-            <a:r>
-              <a:rPr lang="ko-KR" altLang="en-US" sz="1600" b="0" i="0" dirty="0">
-                <a:solidFill>
-                  <a:srgbClr val="374151"/>
-                </a:solidFill>
-                <a:effectLst/>
-                <a:latin typeface="Söhne"/>
-              </a:rPr>
-              <a:t>이미 존재하는 사용자 계정에 대한 권한을 변경하는 </a:t>
-            </a:r>
-            <a:r>
-              <a:rPr lang="en-US" altLang="ko-KR" sz="1600" b="0" i="0" dirty="0">
-                <a:solidFill>
-                  <a:srgbClr val="374151"/>
-                </a:solidFill>
-                <a:effectLst/>
-                <a:latin typeface="Söhne"/>
-              </a:rPr>
-              <a:t>GRANT </a:t>
-            </a:r>
-            <a:r>
-              <a:rPr lang="ko-KR" altLang="en-US" sz="1600" b="0" i="0" dirty="0">
-                <a:solidFill>
-                  <a:srgbClr val="374151"/>
-                </a:solidFill>
-                <a:effectLst/>
-                <a:latin typeface="Söhne"/>
-              </a:rPr>
-              <a:t>명령어를 사용하여 필요한 권한을 부여합니다</a:t>
-            </a:r>
-            <a:r>
-              <a:rPr lang="en-US" altLang="ko-KR" sz="1600" b="0" i="0" dirty="0">
-                <a:solidFill>
-                  <a:srgbClr val="374151"/>
-                </a:solidFill>
-                <a:effectLst/>
-                <a:latin typeface="Söhne"/>
-              </a:rPr>
-              <a:t>.</a:t>
-            </a:r>
-          </a:p>
-          <a:p>
-            <a:pPr algn="l"/>
-            <a:r>
-              <a:rPr lang="ko-KR" altLang="en-US" sz="1600" b="0" i="0" dirty="0">
-                <a:solidFill>
-                  <a:srgbClr val="374151"/>
-                </a:solidFill>
-                <a:effectLst/>
-                <a:latin typeface="Söhne"/>
-              </a:rPr>
-              <a:t>예를 들어</a:t>
-            </a:r>
-            <a:r>
-              <a:rPr lang="en-US" altLang="ko-KR" sz="1600" b="0" i="0" dirty="0">
-                <a:solidFill>
-                  <a:srgbClr val="374151"/>
-                </a:solidFill>
-                <a:effectLst/>
-                <a:latin typeface="Söhne"/>
-              </a:rPr>
-              <a:t>, </a:t>
-            </a:r>
-            <a:r>
-              <a:rPr lang="ko-KR" altLang="en-US" sz="1600" b="0" i="0" dirty="0">
-                <a:solidFill>
-                  <a:srgbClr val="374151"/>
-                </a:solidFill>
-                <a:effectLst/>
-                <a:latin typeface="Söhne"/>
-              </a:rPr>
-              <a:t>다음과 같이 </a:t>
-            </a:r>
-            <a:r>
-              <a:rPr lang="en-US" altLang="ko-KR" sz="1600" b="0" i="0" dirty="0">
-                <a:solidFill>
-                  <a:srgbClr val="374151"/>
-                </a:solidFill>
-                <a:effectLst/>
-                <a:latin typeface="Söhne"/>
-              </a:rPr>
-              <a:t>GRANT </a:t>
-            </a:r>
-            <a:r>
-              <a:rPr lang="ko-KR" altLang="en-US" sz="1600" b="0" i="0" dirty="0">
-                <a:solidFill>
-                  <a:srgbClr val="374151"/>
-                </a:solidFill>
-                <a:effectLst/>
-                <a:latin typeface="Söhne"/>
-              </a:rPr>
-              <a:t>명령어를 사용하여 </a:t>
-            </a:r>
-            <a:r>
-              <a:rPr lang="en-US" altLang="ko-KR" sz="1600" b="0" i="0" dirty="0">
-                <a:solidFill>
-                  <a:srgbClr val="374151"/>
-                </a:solidFill>
-                <a:effectLst/>
-                <a:latin typeface="Söhne"/>
-              </a:rPr>
-              <a:t>'root' </a:t>
-            </a:r>
-            <a:r>
-              <a:rPr lang="ko-KR" altLang="en-US" sz="1600" b="0" i="0" dirty="0">
-                <a:solidFill>
-                  <a:srgbClr val="374151"/>
-                </a:solidFill>
-                <a:effectLst/>
-                <a:latin typeface="Söhne"/>
-              </a:rPr>
-              <a:t>사용자에게 모든 호스트에서 모든 권한을 부여할 수 있습니다</a:t>
-            </a:r>
-            <a:r>
-              <a:rPr lang="en-US" altLang="ko-KR" sz="1600" b="0" i="0" dirty="0">
-                <a:solidFill>
-                  <a:srgbClr val="374151"/>
-                </a:solidFill>
-                <a:effectLst/>
-                <a:latin typeface="Söhne"/>
-              </a:rPr>
-              <a:t>.</a:t>
-            </a:r>
-          </a:p>
-          <a:p>
-            <a:pPr algn="l"/>
-            <a:endParaRPr lang="en-US" altLang="ko-KR" sz="1600" b="0" i="0" dirty="0">
-              <a:solidFill>
-                <a:srgbClr val="374151"/>
-              </a:solidFill>
-              <a:effectLst/>
-              <a:latin typeface="Söhne"/>
-            </a:endParaRPr>
-          </a:p>
-          <a:p>
-            <a:r>
-              <a:rPr lang="en-US" altLang="ko-KR" sz="1600" b="0" i="0" dirty="0">
-                <a:solidFill>
-                  <a:srgbClr val="374151"/>
-                </a:solidFill>
-                <a:effectLst/>
-                <a:latin typeface="Söhne"/>
-              </a:rPr>
-              <a:t>3.</a:t>
-            </a:r>
-            <a:r>
-              <a:rPr lang="ko-KR" altLang="en-US" sz="1600" b="0" i="0" dirty="0">
-                <a:solidFill>
-                  <a:srgbClr val="374151"/>
-                </a:solidFill>
-                <a:effectLst/>
-                <a:latin typeface="Söhne"/>
-              </a:rPr>
-              <a:t>이미 존재하는 사용자 계정에 대한 권한을 변경하는 </a:t>
-            </a:r>
-            <a:r>
-              <a:rPr lang="en-US" altLang="ko-KR" sz="1600" b="0" i="0" dirty="0">
-                <a:solidFill>
-                  <a:srgbClr val="374151"/>
-                </a:solidFill>
-                <a:effectLst/>
-                <a:latin typeface="Söhne"/>
-              </a:rPr>
-              <a:t>GRANT </a:t>
-            </a:r>
-            <a:r>
-              <a:rPr lang="ko-KR" altLang="en-US" sz="1600" b="0" i="0" dirty="0">
-                <a:solidFill>
-                  <a:srgbClr val="374151"/>
-                </a:solidFill>
-                <a:effectLst/>
-                <a:latin typeface="Söhne"/>
-              </a:rPr>
-              <a:t>명령어를 사용하여 필요한 권한을 부여합니다</a:t>
-            </a:r>
-            <a:r>
-              <a:rPr lang="en-US" altLang="ko-KR" sz="1600" b="0" i="0" dirty="0">
-                <a:solidFill>
-                  <a:srgbClr val="374151"/>
-                </a:solidFill>
-                <a:effectLst/>
-                <a:latin typeface="Söhne"/>
-              </a:rPr>
-              <a:t>.</a:t>
-            </a:r>
-          </a:p>
-          <a:p>
-            <a:pPr algn="l"/>
-            <a:endParaRPr lang="en-US" altLang="ko-KR" sz="1600" b="0" i="0" dirty="0">
-              <a:solidFill>
-                <a:srgbClr val="374151"/>
-              </a:solidFill>
-              <a:effectLst/>
-              <a:latin typeface="Söhne"/>
-            </a:endParaRPr>
-          </a:p>
-        </p:txBody>
-      </p:sp>
-    </p:spTree>
-    <p:extLst>
-      <p:ext uri="{BB962C8B-B14F-4D97-AF65-F5344CB8AC3E}">
-        <p14:creationId xmlns:p14="http://schemas.microsoft.com/office/powerpoint/2010/main" val="163958128"/>
-      </p:ext>
-    </p:extLst>
-  </p:cSld>
-  <p:clrMapOvr>
-    <a:masterClrMapping/>
-  </p:clrMapOvr>
-</p:sld>
-</file>
-
-<file path=ppt/slides/slide36.xml><?xml version="1.0" encoding="utf-8"?>
-<p:sld xmlns:a="http://schemas.openxmlformats.org/drawingml/2006/main" xmlns:r="http://schemas.openxmlformats.org/officeDocument/2006/relationships" xmlns:p="http://schemas.openxmlformats.org/presentationml/2006/main">
-  <p:cSld>
-    <p:spTree>
-      <p:nvGrpSpPr>
-        <p:cNvPr id="1" name=""/>
-        <p:cNvGrpSpPr/>
-        <p:nvPr/>
-      </p:nvGrpSpPr>
-      <p:grpSpPr>
-        <a:xfrm>
-          <a:off x="0" y="0"/>
-          <a:ext cx="0" cy="0"/>
-          <a:chOff x="0" y="0"/>
-          <a:chExt cx="0" cy="0"/>
-        </a:xfrm>
-      </p:grpSpPr>
-      <p:pic>
-        <p:nvPicPr>
-          <p:cNvPr id="3" name="그림 2">
-            <a:extLst>
-              <a:ext uri="{FF2B5EF4-FFF2-40B4-BE49-F238E27FC236}">
-                <a16:creationId xmlns:a16="http://schemas.microsoft.com/office/drawing/2014/main" id="{215E65C8-19E4-0DE0-3668-34736BF79DF5}"/>
-              </a:ext>
-            </a:extLst>
-          </p:cNvPr>
-          <p:cNvPicPr>
-            <a:picLocks noChangeAspect="1"/>
-          </p:cNvPicPr>
-          <p:nvPr/>
-        </p:nvPicPr>
-        <p:blipFill>
-          <a:blip r:embed="rId2"/>
-          <a:stretch>
-            <a:fillRect/>
-          </a:stretch>
-        </p:blipFill>
-        <p:spPr>
-          <a:xfrm>
-            <a:off x="392847" y="431198"/>
-            <a:ext cx="11369661" cy="993466"/>
-          </a:xfrm>
-          <a:prstGeom prst="rect">
-            <a:avLst/>
-          </a:prstGeom>
-        </p:spPr>
-      </p:pic>
-      <p:pic>
-        <p:nvPicPr>
-          <p:cNvPr id="5" name="그림 4">
-            <a:extLst>
-              <a:ext uri="{FF2B5EF4-FFF2-40B4-BE49-F238E27FC236}">
-                <a16:creationId xmlns:a16="http://schemas.microsoft.com/office/drawing/2014/main" id="{15B61C60-4F2B-7C8A-2C93-9BA7B3A315B9}"/>
-              </a:ext>
-            </a:extLst>
-          </p:cNvPr>
-          <p:cNvPicPr>
-            <a:picLocks noChangeAspect="1"/>
-          </p:cNvPicPr>
-          <p:nvPr/>
-        </p:nvPicPr>
-        <p:blipFill>
-          <a:blip r:embed="rId3"/>
-          <a:stretch>
-            <a:fillRect/>
-          </a:stretch>
-        </p:blipFill>
-        <p:spPr>
-          <a:xfrm>
-            <a:off x="392847" y="2630824"/>
-            <a:ext cx="11369660" cy="1564284"/>
-          </a:xfrm>
-          <a:prstGeom prst="rect">
-            <a:avLst/>
-          </a:prstGeom>
-        </p:spPr>
-      </p:pic>
-    </p:spTree>
-    <p:extLst>
-      <p:ext uri="{BB962C8B-B14F-4D97-AF65-F5344CB8AC3E}">
-        <p14:creationId xmlns:p14="http://schemas.microsoft.com/office/powerpoint/2010/main" val="334120894"/>
-      </p:ext>
-    </p:extLst>
-  </p:cSld>
-  <p:clrMapOvr>
-    <a:masterClrMapping/>
-  </p:clrMapOvr>
-</p:sld>
-</file>
-
-<file path=ppt/slides/slide37.xml><?xml version="1.0" encoding="utf-8"?>
-<p:sld xmlns:a="http://schemas.openxmlformats.org/drawingml/2006/main" xmlns:r="http://schemas.openxmlformats.org/officeDocument/2006/relationships" xmlns:p="http://schemas.openxmlformats.org/presentationml/2006/main">
-  <p:cSld>
-    <p:spTree>
-      <p:nvGrpSpPr>
-        <p:cNvPr id="1" name=""/>
-        <p:cNvGrpSpPr/>
-        <p:nvPr/>
-      </p:nvGrpSpPr>
-      <p:grpSpPr>
-        <a:xfrm>
-          <a:off x="0" y="0"/>
-          <a:ext cx="0" cy="0"/>
-          <a:chOff x="0" y="0"/>
-          <a:chExt cx="0" cy="0"/>
-        </a:xfrm>
-      </p:grpSpPr>
-      <p:pic>
-        <p:nvPicPr>
-          <p:cNvPr id="5" name="그림 4">
-            <a:extLst>
-              <a:ext uri="{FF2B5EF4-FFF2-40B4-BE49-F238E27FC236}">
-                <a16:creationId xmlns:a16="http://schemas.microsoft.com/office/drawing/2014/main" id="{029C0624-84AE-32AE-C6BC-7B98A16789AF}"/>
-              </a:ext>
-            </a:extLst>
-          </p:cNvPr>
-          <p:cNvPicPr>
-            <a:picLocks noChangeAspect="1"/>
-          </p:cNvPicPr>
-          <p:nvPr/>
-        </p:nvPicPr>
-        <p:blipFill>
-          <a:blip r:embed="rId2"/>
-          <a:stretch>
-            <a:fillRect/>
-          </a:stretch>
-        </p:blipFill>
-        <p:spPr>
-          <a:xfrm>
-            <a:off x="345916" y="369214"/>
-            <a:ext cx="11500168" cy="2481436"/>
-          </a:xfrm>
-          <a:prstGeom prst="rect">
-            <a:avLst/>
-          </a:prstGeom>
-        </p:spPr>
-      </p:pic>
-      <p:pic>
-        <p:nvPicPr>
-          <p:cNvPr id="7" name="그림 6">
-            <a:extLst>
-              <a:ext uri="{FF2B5EF4-FFF2-40B4-BE49-F238E27FC236}">
-                <a16:creationId xmlns:a16="http://schemas.microsoft.com/office/drawing/2014/main" id="{241A0278-7676-6F2B-06E6-8B89740AE8E1}"/>
-              </a:ext>
-            </a:extLst>
-          </p:cNvPr>
-          <p:cNvPicPr>
-            <a:picLocks noChangeAspect="1"/>
-          </p:cNvPicPr>
-          <p:nvPr/>
-        </p:nvPicPr>
-        <p:blipFill>
-          <a:blip r:embed="rId3"/>
-          <a:stretch>
-            <a:fillRect/>
-          </a:stretch>
-        </p:blipFill>
-        <p:spPr>
-          <a:xfrm>
-            <a:off x="345916" y="3013950"/>
-            <a:ext cx="5500702" cy="1162609"/>
-          </a:xfrm>
-          <a:prstGeom prst="rect">
-            <a:avLst/>
-          </a:prstGeom>
-        </p:spPr>
-      </p:pic>
-      <p:sp>
-        <p:nvSpPr>
-          <p:cNvPr id="8" name="TextBox 7">
-            <a:extLst>
-              <a:ext uri="{FF2B5EF4-FFF2-40B4-BE49-F238E27FC236}">
-                <a16:creationId xmlns:a16="http://schemas.microsoft.com/office/drawing/2014/main" id="{88920852-6991-70A1-12BF-BAC3C4F07A39}"/>
-              </a:ext>
-            </a:extLst>
-          </p:cNvPr>
-          <p:cNvSpPr txBox="1"/>
-          <p:nvPr/>
-        </p:nvSpPr>
-        <p:spPr>
-          <a:xfrm>
-            <a:off x="345916" y="4252087"/>
-            <a:ext cx="11500168" cy="1323439"/>
-          </a:xfrm>
-          <a:prstGeom prst="rect">
-            <a:avLst/>
-          </a:prstGeom>
-          <a:noFill/>
-        </p:spPr>
-        <p:txBody>
-          <a:bodyPr wrap="square" rtlCol="0">
-            <a:spAutoFit/>
-          </a:bodyPr>
-          <a:lstStyle/>
-          <a:p>
-            <a:pPr marL="285750" indent="-285750">
-              <a:buFont typeface="Arial" panose="020B0604020202020204" pitchFamily="34" charset="0"/>
-              <a:buChar char="•"/>
-            </a:pPr>
-            <a:r>
-              <a:rPr lang="en-US" altLang="ko-KR" sz="2000" b="1" dirty="0" err="1">
-                <a:latin typeface="+mj-ea"/>
-                <a:ea typeface="+mj-ea"/>
-              </a:rPr>
-              <a:t>wq</a:t>
-            </a:r>
-            <a:r>
-              <a:rPr lang="ko-KR" altLang="en-US" sz="2000" b="1" dirty="0">
-                <a:latin typeface="+mj-ea"/>
-                <a:ea typeface="+mj-ea"/>
-              </a:rPr>
-              <a:t>로 저장 후 </a:t>
-            </a:r>
-            <a:r>
-              <a:rPr lang="en-US" altLang="ko-KR" sz="2000" b="1" dirty="0">
-                <a:latin typeface="+mj-ea"/>
-                <a:ea typeface="+mj-ea"/>
-              </a:rPr>
-              <a:t>ubuntu reboot(</a:t>
-            </a:r>
-            <a:r>
-              <a:rPr lang="ko-KR" altLang="en-US" sz="2000" b="1" dirty="0">
-                <a:latin typeface="+mj-ea"/>
-                <a:ea typeface="+mj-ea"/>
-              </a:rPr>
-              <a:t>재부팅</a:t>
-            </a:r>
-            <a:r>
-              <a:rPr lang="en-US" altLang="ko-KR" sz="2000" b="1" dirty="0">
-                <a:latin typeface="+mj-ea"/>
-                <a:ea typeface="+mj-ea"/>
-              </a:rPr>
-              <a:t>)</a:t>
-            </a:r>
-          </a:p>
-          <a:p>
-            <a:pPr marL="285750" indent="-285750">
-              <a:buFont typeface="Arial" panose="020B0604020202020204" pitchFamily="34" charset="0"/>
-              <a:buChar char="•"/>
-            </a:pPr>
-            <a:endParaRPr lang="en-US" altLang="ko-KR" sz="2000" b="1" dirty="0">
-              <a:latin typeface="+mj-ea"/>
-              <a:ea typeface="+mj-ea"/>
-            </a:endParaRPr>
-          </a:p>
-          <a:p>
-            <a:pPr marL="285750" indent="-285750">
-              <a:buFont typeface="Arial" panose="020B0604020202020204" pitchFamily="34" charset="0"/>
-              <a:buChar char="•"/>
-            </a:pPr>
-            <a:r>
-              <a:rPr lang="ko-KR" altLang="en-US" sz="2000" b="1" dirty="0">
-                <a:latin typeface="+mj-ea"/>
-                <a:ea typeface="+mj-ea"/>
-              </a:rPr>
-              <a:t>이후 </a:t>
-            </a:r>
-            <a:r>
-              <a:rPr lang="en-US" altLang="ko-KR" sz="2000" b="1" dirty="0">
-                <a:latin typeface="+mj-ea"/>
-                <a:ea typeface="+mj-ea"/>
-              </a:rPr>
-              <a:t>putty </a:t>
-            </a:r>
-            <a:r>
-              <a:rPr lang="ko-KR" altLang="en-US" sz="2000" b="1" dirty="0" err="1">
-                <a:latin typeface="+mj-ea"/>
-                <a:ea typeface="+mj-ea"/>
-              </a:rPr>
-              <a:t>재접속</a:t>
-            </a:r>
-            <a:r>
-              <a:rPr lang="ko-KR" altLang="en-US" sz="2000" b="1" dirty="0">
-                <a:latin typeface="+mj-ea"/>
-                <a:ea typeface="+mj-ea"/>
-              </a:rPr>
-              <a:t> 할 때 </a:t>
-            </a:r>
-            <a:r>
-              <a:rPr lang="en-US" altLang="ko-KR" sz="2000" b="1" dirty="0">
-                <a:latin typeface="+mj-ea"/>
-                <a:ea typeface="+mj-ea"/>
-              </a:rPr>
-              <a:t>login as: </a:t>
-            </a:r>
-            <a:r>
-              <a:rPr lang="ko-KR" altLang="en-US" sz="2000" b="1" dirty="0">
-                <a:latin typeface="+mj-ea"/>
-                <a:ea typeface="+mj-ea"/>
-              </a:rPr>
-              <a:t>를 </a:t>
-            </a:r>
-            <a:r>
-              <a:rPr lang="en-US" altLang="ko-KR" sz="2000" b="1" dirty="0">
-                <a:latin typeface="+mj-ea"/>
-                <a:ea typeface="+mj-ea"/>
-              </a:rPr>
-              <a:t>root , password:</a:t>
-            </a:r>
-            <a:r>
-              <a:rPr lang="ko-KR" altLang="en-US" sz="2000" b="1" dirty="0">
-                <a:latin typeface="+mj-ea"/>
-                <a:ea typeface="+mj-ea"/>
-              </a:rPr>
-              <a:t> 를 설정한 비밀번호를 했을 때 접속이 성공하면 완료</a:t>
-            </a:r>
-          </a:p>
-        </p:txBody>
-      </p:sp>
-      <p:pic>
-        <p:nvPicPr>
-          <p:cNvPr id="10" name="그림 9">
-            <a:extLst>
-              <a:ext uri="{FF2B5EF4-FFF2-40B4-BE49-F238E27FC236}">
-                <a16:creationId xmlns:a16="http://schemas.microsoft.com/office/drawing/2014/main" id="{F75A39F4-5CB8-5F27-D435-E47F989B2010}"/>
-              </a:ext>
-            </a:extLst>
-          </p:cNvPr>
-          <p:cNvPicPr>
-            <a:picLocks noChangeAspect="1"/>
-          </p:cNvPicPr>
-          <p:nvPr/>
-        </p:nvPicPr>
-        <p:blipFill>
-          <a:blip r:embed="rId4"/>
-          <a:stretch>
-            <a:fillRect/>
-          </a:stretch>
-        </p:blipFill>
-        <p:spPr>
-          <a:xfrm>
-            <a:off x="345916" y="5575526"/>
-            <a:ext cx="9853581" cy="913260"/>
-          </a:xfrm>
-          <a:prstGeom prst="rect">
-            <a:avLst/>
-          </a:prstGeom>
-        </p:spPr>
-      </p:pic>
-    </p:spTree>
-    <p:extLst>
-      <p:ext uri="{BB962C8B-B14F-4D97-AF65-F5344CB8AC3E}">
-        <p14:creationId xmlns:p14="http://schemas.microsoft.com/office/powerpoint/2010/main" val="3374201735"/>
-      </p:ext>
-    </p:extLst>
-  </p:cSld>
-  <p:clrMapOvr>
-    <a:masterClrMapping/>
-  </p:clrMapOvr>
-</p:sld>
-</file>
-
-<file path=ppt/slides/slide38.xml><?xml version="1.0" encoding="utf-8"?>
-<p:sld xmlns:a="http://schemas.openxmlformats.org/drawingml/2006/main" xmlns:r="http://schemas.openxmlformats.org/officeDocument/2006/relationships" xmlns:p="http://schemas.openxmlformats.org/presentationml/2006/main">
-  <p:cSld>
-    <p:spTree>
-      <p:nvGrpSpPr>
-        <p:cNvPr id="1" name=""/>
-        <p:cNvGrpSpPr/>
-        <p:nvPr/>
-      </p:nvGrpSpPr>
-      <p:grpSpPr>
-        <a:xfrm>
-          <a:off x="0" y="0"/>
-          <a:ext cx="0" cy="0"/>
-          <a:chOff x="0" y="0"/>
-          <a:chExt cx="0" cy="0"/>
-        </a:xfrm>
-      </p:grpSpPr>
-      <p:pic>
-        <p:nvPicPr>
-          <p:cNvPr id="7" name="그림 6">
-            <a:extLst>
-              <a:ext uri="{FF2B5EF4-FFF2-40B4-BE49-F238E27FC236}">
-                <a16:creationId xmlns:a16="http://schemas.microsoft.com/office/drawing/2014/main" id="{D9E3BD35-443B-BE00-4967-4E79AEB2C186}"/>
-              </a:ext>
-            </a:extLst>
-          </p:cNvPr>
-          <p:cNvPicPr>
-            <a:picLocks noChangeAspect="1"/>
-          </p:cNvPicPr>
-          <p:nvPr/>
-        </p:nvPicPr>
-        <p:blipFill>
-          <a:blip r:embed="rId2"/>
-          <a:stretch>
-            <a:fillRect/>
-          </a:stretch>
-        </p:blipFill>
-        <p:spPr>
-          <a:xfrm>
-            <a:off x="419973" y="383746"/>
-            <a:ext cx="7837336" cy="5237156"/>
-          </a:xfrm>
-          <a:prstGeom prst="rect">
-            <a:avLst/>
-          </a:prstGeom>
-        </p:spPr>
-      </p:pic>
-    </p:spTree>
-    <p:extLst>
-      <p:ext uri="{BB962C8B-B14F-4D97-AF65-F5344CB8AC3E}">
-        <p14:creationId xmlns:p14="http://schemas.microsoft.com/office/powerpoint/2010/main" val="3782153382"/>
-      </p:ext>
-    </p:extLst>
-  </p:cSld>
-  <p:clrMapOvr>
-    <a:masterClrMapping/>
-  </p:clrMapOvr>
-</p:sld>
-</file>
-
-<file path=ppt/slides/slide39.xml><?xml version="1.0" encoding="utf-8"?>
-<p:sld xmlns:a="http://schemas.openxmlformats.org/drawingml/2006/main" xmlns:r="http://schemas.openxmlformats.org/officeDocument/2006/relationships" xmlns:p="http://schemas.openxmlformats.org/presentationml/2006/main">
-  <p:cSld>
-    <p:spTree>
-      <p:nvGrpSpPr>
-        <p:cNvPr id="1" name=""/>
-        <p:cNvGrpSpPr/>
-        <p:nvPr/>
-      </p:nvGrpSpPr>
-      <p:grpSpPr>
-        <a:xfrm>
-          <a:off x="0" y="0"/>
-          <a:ext cx="0" cy="0"/>
-          <a:chOff x="0" y="0"/>
-          <a:chExt cx="0" cy="0"/>
-        </a:xfrm>
-      </p:grpSpPr>
-      <p:pic>
-        <p:nvPicPr>
-          <p:cNvPr id="3" name="그림 2">
-            <a:extLst>
-              <a:ext uri="{FF2B5EF4-FFF2-40B4-BE49-F238E27FC236}">
-                <a16:creationId xmlns:a16="http://schemas.microsoft.com/office/drawing/2014/main" id="{155C07F0-3F52-48FE-C3DD-00612DDBFE20}"/>
-              </a:ext>
-            </a:extLst>
-          </p:cNvPr>
-          <p:cNvPicPr>
-            <a:picLocks noChangeAspect="1"/>
-          </p:cNvPicPr>
-          <p:nvPr/>
-        </p:nvPicPr>
-        <p:blipFill>
-          <a:blip r:embed="rId2"/>
-          <a:stretch>
-            <a:fillRect/>
-          </a:stretch>
-        </p:blipFill>
-        <p:spPr>
-          <a:xfrm>
-            <a:off x="360418" y="2256191"/>
-            <a:ext cx="8118563" cy="860707"/>
-          </a:xfrm>
-          <a:prstGeom prst="rect">
-            <a:avLst/>
-          </a:prstGeom>
-        </p:spPr>
-      </p:pic>
-      <p:pic>
-        <p:nvPicPr>
-          <p:cNvPr id="5" name="그림 4">
-            <a:extLst>
-              <a:ext uri="{FF2B5EF4-FFF2-40B4-BE49-F238E27FC236}">
-                <a16:creationId xmlns:a16="http://schemas.microsoft.com/office/drawing/2014/main" id="{496E874F-BBE8-594E-0AFD-53FDF58AD8DC}"/>
-              </a:ext>
-            </a:extLst>
-          </p:cNvPr>
-          <p:cNvPicPr>
-            <a:picLocks noChangeAspect="1"/>
-          </p:cNvPicPr>
-          <p:nvPr/>
-        </p:nvPicPr>
-        <p:blipFill>
-          <a:blip r:embed="rId3"/>
-          <a:stretch>
-            <a:fillRect/>
-          </a:stretch>
-        </p:blipFill>
-        <p:spPr>
-          <a:xfrm>
-            <a:off x="284315" y="4336656"/>
-            <a:ext cx="8118563" cy="784877"/>
-          </a:xfrm>
-          <a:prstGeom prst="rect">
-            <a:avLst/>
-          </a:prstGeom>
-        </p:spPr>
-      </p:pic>
-      <p:sp>
-        <p:nvSpPr>
-          <p:cNvPr id="6" name="화살표: 아래쪽 5">
-            <a:extLst>
-              <a:ext uri="{FF2B5EF4-FFF2-40B4-BE49-F238E27FC236}">
-                <a16:creationId xmlns:a16="http://schemas.microsoft.com/office/drawing/2014/main" id="{8BA76FC5-352D-5FB9-C9C0-DC67F94C710B}"/>
-              </a:ext>
-            </a:extLst>
-          </p:cNvPr>
-          <p:cNvSpPr/>
-          <p:nvPr/>
-        </p:nvSpPr>
-        <p:spPr>
-          <a:xfrm>
-            <a:off x="3851663" y="3382587"/>
-            <a:ext cx="568037" cy="673254"/>
-          </a:xfrm>
-          <a:prstGeom prst="downArrow">
-            <a:avLst/>
-          </a:prstGeom>
-        </p:spPr>
-        <p:style>
-          <a:lnRef idx="2">
-            <a:schemeClr val="accent1">
-              <a:shade val="50000"/>
-            </a:schemeClr>
-          </a:lnRef>
-          <a:fillRef idx="1">
-            <a:schemeClr val="accent1"/>
-          </a:fillRef>
-          <a:effectRef idx="0">
-            <a:schemeClr val="accent1"/>
-          </a:effectRef>
-          <a:fontRef idx="minor">
-            <a:schemeClr val="lt1"/>
-          </a:fontRef>
-        </p:style>
-        <p:txBody>
-          <a:bodyPr rtlCol="0" anchor="ctr"/>
-          <a:lstStyle/>
-          <a:p>
-            <a:pPr algn="ctr"/>
-            <a:endParaRPr lang="ko-KR" altLang="en-US"/>
-          </a:p>
-        </p:txBody>
-      </p:sp>
-      <p:sp>
-        <p:nvSpPr>
-          <p:cNvPr id="7" name="TextBox 6">
-            <a:extLst>
-              <a:ext uri="{FF2B5EF4-FFF2-40B4-BE49-F238E27FC236}">
-                <a16:creationId xmlns:a16="http://schemas.microsoft.com/office/drawing/2014/main" id="{FB278BD7-EBEF-E122-A14A-7FCB093A0E77}"/>
-              </a:ext>
-            </a:extLst>
-          </p:cNvPr>
-          <p:cNvSpPr txBox="1"/>
-          <p:nvPr/>
-        </p:nvSpPr>
-        <p:spPr>
-          <a:xfrm>
-            <a:off x="360418" y="5402348"/>
-            <a:ext cx="11500168" cy="1015663"/>
-          </a:xfrm>
-          <a:prstGeom prst="rect">
-            <a:avLst/>
-          </a:prstGeom>
-          <a:noFill/>
-        </p:spPr>
-        <p:txBody>
-          <a:bodyPr wrap="square" rtlCol="0">
-            <a:spAutoFit/>
-          </a:bodyPr>
-          <a:lstStyle/>
-          <a:p>
-            <a:pPr marL="285750" indent="-285750">
-              <a:buFont typeface="Arial" panose="020B0604020202020204" pitchFamily="34" charset="0"/>
-              <a:buChar char="•"/>
-            </a:pPr>
-            <a:r>
-              <a:rPr lang="en-US" altLang="ko-KR" sz="2000" b="1" dirty="0" err="1">
-                <a:latin typeface="+mj-ea"/>
-                <a:ea typeface="+mj-ea"/>
-              </a:rPr>
-              <a:t>wq</a:t>
-            </a:r>
-            <a:r>
-              <a:rPr lang="ko-KR" altLang="en-US" sz="2000" b="1" dirty="0">
-                <a:latin typeface="+mj-ea"/>
-                <a:ea typeface="+mj-ea"/>
-              </a:rPr>
-              <a:t>로 저장 후 </a:t>
-            </a:r>
-            <a:r>
-              <a:rPr lang="en-US" altLang="ko-KR" sz="2000" b="1" dirty="0">
-                <a:latin typeface="+mj-ea"/>
-                <a:ea typeface="+mj-ea"/>
-              </a:rPr>
-              <a:t>ubuntu reboot(</a:t>
-            </a:r>
-            <a:r>
-              <a:rPr lang="ko-KR" altLang="en-US" sz="2000" b="1" dirty="0">
-                <a:latin typeface="+mj-ea"/>
-                <a:ea typeface="+mj-ea"/>
-              </a:rPr>
-              <a:t>재부팅</a:t>
-            </a:r>
-            <a:r>
-              <a:rPr lang="en-US" altLang="ko-KR" sz="2000" b="1" dirty="0">
-                <a:latin typeface="+mj-ea"/>
-                <a:ea typeface="+mj-ea"/>
-              </a:rPr>
-              <a:t>)</a:t>
-            </a:r>
-          </a:p>
-          <a:p>
-            <a:pPr marL="285750" indent="-285750">
-              <a:buFont typeface="Arial" panose="020B0604020202020204" pitchFamily="34" charset="0"/>
-              <a:buChar char="•"/>
-            </a:pPr>
-            <a:endParaRPr lang="en-US" altLang="ko-KR" sz="2000" b="1" dirty="0">
-              <a:latin typeface="+mj-ea"/>
-              <a:ea typeface="+mj-ea"/>
-            </a:endParaRPr>
-          </a:p>
-          <a:p>
-            <a:pPr marL="285750" indent="-285750">
-              <a:buFont typeface="Arial" panose="020B0604020202020204" pitchFamily="34" charset="0"/>
-              <a:buChar char="•"/>
-            </a:pPr>
-            <a:r>
-              <a:rPr lang="ko-KR" altLang="en-US" sz="2000" b="1" dirty="0">
-                <a:latin typeface="+mj-ea"/>
-                <a:ea typeface="+mj-ea"/>
-              </a:rPr>
-              <a:t>이후 </a:t>
-            </a:r>
-            <a:r>
-              <a:rPr lang="en-US" altLang="ko-KR" sz="2000" b="1" dirty="0">
-                <a:latin typeface="+mj-ea"/>
-                <a:ea typeface="+mj-ea"/>
-              </a:rPr>
-              <a:t>putty </a:t>
-            </a:r>
-            <a:r>
-              <a:rPr lang="ko-KR" altLang="en-US" sz="2000" b="1" dirty="0" err="1">
-                <a:latin typeface="+mj-ea"/>
-                <a:ea typeface="+mj-ea"/>
-              </a:rPr>
-              <a:t>재접속</a:t>
-            </a:r>
-            <a:endParaRPr lang="ko-KR" altLang="en-US" sz="2000" b="1" dirty="0">
-              <a:latin typeface="+mj-ea"/>
-              <a:ea typeface="+mj-ea"/>
-            </a:endParaRPr>
-          </a:p>
-        </p:txBody>
-      </p:sp>
-      <p:sp>
-        <p:nvSpPr>
-          <p:cNvPr id="9" name="TextBox 8">
-            <a:extLst>
-              <a:ext uri="{FF2B5EF4-FFF2-40B4-BE49-F238E27FC236}">
-                <a16:creationId xmlns:a16="http://schemas.microsoft.com/office/drawing/2014/main" id="{91AA63CF-6F46-96CE-2436-3437965CA368}"/>
-              </a:ext>
-            </a:extLst>
-          </p:cNvPr>
-          <p:cNvSpPr txBox="1"/>
-          <p:nvPr/>
-        </p:nvSpPr>
-        <p:spPr>
-          <a:xfrm>
-            <a:off x="360418" y="439989"/>
-            <a:ext cx="6096000" cy="461665"/>
-          </a:xfrm>
-          <a:prstGeom prst="rect">
-            <a:avLst/>
-          </a:prstGeom>
-          <a:noFill/>
-        </p:spPr>
-        <p:txBody>
-          <a:bodyPr wrap="square">
-            <a:spAutoFit/>
-          </a:bodyPr>
-          <a:lstStyle/>
-          <a:p>
-            <a:r>
-              <a:rPr lang="en-US" altLang="ko-KR" sz="2400" b="1" dirty="0">
-                <a:latin typeface="+mj-ea"/>
-                <a:ea typeface="+mj-ea"/>
-              </a:rPr>
-              <a:t>vi /</a:t>
-            </a:r>
-            <a:r>
-              <a:rPr lang="en-US" altLang="ko-KR" sz="2400" b="1" dirty="0" err="1">
-                <a:latin typeface="+mj-ea"/>
-                <a:ea typeface="+mj-ea"/>
-              </a:rPr>
-              <a:t>etc</a:t>
-            </a:r>
-            <a:r>
-              <a:rPr lang="en-US" altLang="ko-KR" sz="2400" b="1" dirty="0">
-                <a:latin typeface="+mj-ea"/>
-                <a:ea typeface="+mj-ea"/>
-              </a:rPr>
-              <a:t>/</a:t>
-            </a:r>
-            <a:r>
-              <a:rPr lang="en-US" altLang="ko-KR" sz="2400" b="1" dirty="0" err="1">
-                <a:latin typeface="+mj-ea"/>
-                <a:ea typeface="+mj-ea"/>
-              </a:rPr>
-              <a:t>mysql</a:t>
-            </a:r>
-            <a:r>
-              <a:rPr lang="en-US" altLang="ko-KR" sz="2400" b="1" dirty="0">
-                <a:latin typeface="+mj-ea"/>
-                <a:ea typeface="+mj-ea"/>
-              </a:rPr>
-              <a:t>/</a:t>
-            </a:r>
-            <a:r>
-              <a:rPr lang="en-US" altLang="ko-KR" sz="2400" b="1" dirty="0" err="1">
-                <a:latin typeface="+mj-ea"/>
-                <a:ea typeface="+mj-ea"/>
-              </a:rPr>
-              <a:t>mysql.conf.d</a:t>
-            </a:r>
-            <a:r>
-              <a:rPr lang="en-US" altLang="ko-KR" sz="2400" b="1" dirty="0">
-                <a:latin typeface="+mj-ea"/>
-                <a:ea typeface="+mj-ea"/>
-              </a:rPr>
-              <a:t>/</a:t>
-            </a:r>
-            <a:r>
-              <a:rPr lang="en-US" altLang="ko-KR" sz="2400" b="1" dirty="0" err="1">
-                <a:latin typeface="+mj-ea"/>
-                <a:ea typeface="+mj-ea"/>
-              </a:rPr>
-              <a:t>mysqld.cnf</a:t>
-            </a:r>
-            <a:endParaRPr lang="ko-KR" altLang="en-US" sz="2400" b="1" dirty="0">
-              <a:latin typeface="+mj-ea"/>
-              <a:ea typeface="+mj-ea"/>
-            </a:endParaRPr>
-          </a:p>
-        </p:txBody>
-      </p:sp>
-    </p:spTree>
-    <p:extLst>
-      <p:ext uri="{BB962C8B-B14F-4D97-AF65-F5344CB8AC3E}">
-        <p14:creationId xmlns:p14="http://schemas.microsoft.com/office/powerpoint/2010/main" val="2460000448"/>
       </p:ext>
     </p:extLst>
   </p:cSld>
@@ -20460,8 +19511,8 @@
           </a:p>
         </p:txBody>
       </p:sp>
-      <mc:AlternateContent xmlns:mc="http://schemas.openxmlformats.org/markup-compatibility/2006">
-        <mc:Choice xmlns:p14="http://schemas.microsoft.com/office/powerpoint/2010/main" Requires="p14">
+      <mc:AlternateContent xmlns:mc="http://schemas.openxmlformats.org/markup-compatibility/2006" xmlns:p14="http://schemas.microsoft.com/office/powerpoint/2010/main">
+        <mc:Choice Requires="p14">
           <p:contentPart p14:bwMode="auto" r:id="rId3">
             <p14:nvContentPartPr>
               <p14:cNvPr id="5" name="잉크 4">
@@ -20480,7 +19531,7 @@
             </p14:xfrm>
           </p:contentPart>
         </mc:Choice>
-        <mc:Fallback>
+        <mc:Fallback xmlns="">
           <p:pic>
             <p:nvPicPr>
               <p:cNvPr id="5" name="잉크 4">
@@ -20511,8 +19562,8 @@
           </p:pic>
         </mc:Fallback>
       </mc:AlternateContent>
-      <mc:AlternateContent xmlns:mc="http://schemas.openxmlformats.org/markup-compatibility/2006">
-        <mc:Choice xmlns:p14="http://schemas.microsoft.com/office/powerpoint/2010/main" Requires="p14">
+      <mc:AlternateContent xmlns:mc="http://schemas.openxmlformats.org/markup-compatibility/2006" xmlns:p14="http://schemas.microsoft.com/office/powerpoint/2010/main">
+        <mc:Choice Requires="p14">
           <p:contentPart p14:bwMode="auto" r:id="rId5">
             <p14:nvContentPartPr>
               <p14:cNvPr id="6" name="잉크 5">
@@ -20531,7 +19582,7 @@
             </p14:xfrm>
           </p:contentPart>
         </mc:Choice>
-        <mc:Fallback>
+        <mc:Fallback xmlns="">
           <p:pic>
             <p:nvPicPr>
               <p:cNvPr id="6" name="잉크 5">
@@ -20566,246 +19617,6 @@
     <p:extLst>
       <p:ext uri="{BB962C8B-B14F-4D97-AF65-F5344CB8AC3E}">
         <p14:creationId xmlns:p14="http://schemas.microsoft.com/office/powerpoint/2010/main" val="90338643"/>
-      </p:ext>
-    </p:extLst>
-  </p:cSld>
-  <p:clrMapOvr>
-    <a:masterClrMapping/>
-  </p:clrMapOvr>
-</p:sld>
-</file>
-
-<file path=ppt/slides/slide40.xml><?xml version="1.0" encoding="utf-8"?>
-<p:sld xmlns:a="http://schemas.openxmlformats.org/drawingml/2006/main" xmlns:r="http://schemas.openxmlformats.org/officeDocument/2006/relationships" xmlns:p="http://schemas.openxmlformats.org/presentationml/2006/main">
-  <p:cSld>
-    <p:spTree>
-      <p:nvGrpSpPr>
-        <p:cNvPr id="1" name=""/>
-        <p:cNvGrpSpPr/>
-        <p:nvPr/>
-      </p:nvGrpSpPr>
-      <p:grpSpPr>
-        <a:xfrm>
-          <a:off x="0" y="0"/>
-          <a:ext cx="0" cy="0"/>
-          <a:chOff x="0" y="0"/>
-          <a:chExt cx="0" cy="0"/>
-        </a:xfrm>
-      </p:grpSpPr>
-      <p:pic>
-        <p:nvPicPr>
-          <p:cNvPr id="3" name="그림 2">
-            <a:extLst>
-              <a:ext uri="{FF2B5EF4-FFF2-40B4-BE49-F238E27FC236}">
-                <a16:creationId xmlns:a16="http://schemas.microsoft.com/office/drawing/2014/main" id="{D942A698-511D-48D9-1B99-992618F02380}"/>
-              </a:ext>
-            </a:extLst>
-          </p:cNvPr>
-          <p:cNvPicPr>
-            <a:picLocks noChangeAspect="1"/>
-          </p:cNvPicPr>
-          <p:nvPr/>
-        </p:nvPicPr>
-        <p:blipFill>
-          <a:blip r:embed="rId2"/>
-          <a:stretch>
-            <a:fillRect/>
-          </a:stretch>
-        </p:blipFill>
-        <p:spPr>
-          <a:xfrm>
-            <a:off x="359960" y="318654"/>
-            <a:ext cx="5845243" cy="6262255"/>
-          </a:xfrm>
-          <a:prstGeom prst="rect">
-            <a:avLst/>
-          </a:prstGeom>
-        </p:spPr>
-      </p:pic>
-      <p:pic>
-        <p:nvPicPr>
-          <p:cNvPr id="5" name="그림 4">
-            <a:extLst>
-              <a:ext uri="{FF2B5EF4-FFF2-40B4-BE49-F238E27FC236}">
-                <a16:creationId xmlns:a16="http://schemas.microsoft.com/office/drawing/2014/main" id="{E90AAE3C-D25E-6A95-0716-050C206579EE}"/>
-              </a:ext>
-            </a:extLst>
-          </p:cNvPr>
-          <p:cNvPicPr>
-            <a:picLocks noChangeAspect="1"/>
-          </p:cNvPicPr>
-          <p:nvPr/>
-        </p:nvPicPr>
-        <p:blipFill>
-          <a:blip r:embed="rId3"/>
-          <a:stretch>
-            <a:fillRect/>
-          </a:stretch>
-        </p:blipFill>
-        <p:spPr>
-          <a:xfrm>
-            <a:off x="7092359" y="318654"/>
-            <a:ext cx="4324954" cy="2200582"/>
-          </a:xfrm>
-          <a:prstGeom prst="rect">
-            <a:avLst/>
-          </a:prstGeom>
-        </p:spPr>
-      </p:pic>
-    </p:spTree>
-    <p:extLst>
-      <p:ext uri="{BB962C8B-B14F-4D97-AF65-F5344CB8AC3E}">
-        <p14:creationId xmlns:p14="http://schemas.microsoft.com/office/powerpoint/2010/main" val="2083737791"/>
-      </p:ext>
-    </p:extLst>
-  </p:cSld>
-  <p:clrMapOvr>
-    <a:masterClrMapping/>
-  </p:clrMapOvr>
-</p:sld>
-</file>
-
-<file path=ppt/slides/slide41.xml><?xml version="1.0" encoding="utf-8"?>
-<p:sld xmlns:a="http://schemas.openxmlformats.org/drawingml/2006/main" xmlns:r="http://schemas.openxmlformats.org/officeDocument/2006/relationships" xmlns:p="http://schemas.openxmlformats.org/presentationml/2006/main">
-  <p:cSld>
-    <p:spTree>
-      <p:nvGrpSpPr>
-        <p:cNvPr id="1" name=""/>
-        <p:cNvGrpSpPr/>
-        <p:nvPr/>
-      </p:nvGrpSpPr>
-      <p:grpSpPr>
-        <a:xfrm>
-          <a:off x="0" y="0"/>
-          <a:ext cx="0" cy="0"/>
-          <a:chOff x="0" y="0"/>
-          <a:chExt cx="0" cy="0"/>
-        </a:xfrm>
-      </p:grpSpPr>
-      <p:pic>
-        <p:nvPicPr>
-          <p:cNvPr id="7" name="그림 6">
-            <a:extLst>
-              <a:ext uri="{FF2B5EF4-FFF2-40B4-BE49-F238E27FC236}">
-                <a16:creationId xmlns:a16="http://schemas.microsoft.com/office/drawing/2014/main" id="{12B3A32A-5C45-7120-8A82-3F14D3AA770C}"/>
-              </a:ext>
-            </a:extLst>
-          </p:cNvPr>
-          <p:cNvPicPr>
-            <a:picLocks noChangeAspect="1"/>
-          </p:cNvPicPr>
-          <p:nvPr/>
-        </p:nvPicPr>
-        <p:blipFill>
-          <a:blip r:embed="rId2"/>
-          <a:stretch>
-            <a:fillRect/>
-          </a:stretch>
-        </p:blipFill>
-        <p:spPr>
-          <a:xfrm>
-            <a:off x="1890125" y="613969"/>
-            <a:ext cx="8411749" cy="5630061"/>
-          </a:xfrm>
-          <a:prstGeom prst="rect">
-            <a:avLst/>
-          </a:prstGeom>
-        </p:spPr>
-      </p:pic>
-    </p:spTree>
-    <p:extLst>
-      <p:ext uri="{BB962C8B-B14F-4D97-AF65-F5344CB8AC3E}">
-        <p14:creationId xmlns:p14="http://schemas.microsoft.com/office/powerpoint/2010/main" val="2174957384"/>
-      </p:ext>
-    </p:extLst>
-  </p:cSld>
-  <p:clrMapOvr>
-    <a:masterClrMapping/>
-  </p:clrMapOvr>
-</p:sld>
-</file>
-
-<file path=ppt/slides/slide42.xml><?xml version="1.0" encoding="utf-8"?>
-<p:sld xmlns:a="http://schemas.openxmlformats.org/drawingml/2006/main" xmlns:r="http://schemas.openxmlformats.org/officeDocument/2006/relationships" xmlns:p="http://schemas.openxmlformats.org/presentationml/2006/main">
-  <p:cSld>
-    <p:spTree>
-      <p:nvGrpSpPr>
-        <p:cNvPr id="1" name=""/>
-        <p:cNvGrpSpPr/>
-        <p:nvPr/>
-      </p:nvGrpSpPr>
-      <p:grpSpPr>
-        <a:xfrm>
-          <a:off x="0" y="0"/>
-          <a:ext cx="0" cy="0"/>
-          <a:chOff x="0" y="0"/>
-          <a:chExt cx="0" cy="0"/>
-        </a:xfrm>
-      </p:grpSpPr>
-    </p:spTree>
-    <p:extLst>
-      <p:ext uri="{BB962C8B-B14F-4D97-AF65-F5344CB8AC3E}">
-        <p14:creationId xmlns:p14="http://schemas.microsoft.com/office/powerpoint/2010/main" val="452659308"/>
-      </p:ext>
-    </p:extLst>
-  </p:cSld>
-  <p:clrMapOvr>
-    <a:masterClrMapping/>
-  </p:clrMapOvr>
-</p:sld>
-</file>
-
-<file path=ppt/slides/slide43.xml><?xml version="1.0" encoding="utf-8"?>
-<p:sld xmlns:a="http://schemas.openxmlformats.org/drawingml/2006/main" xmlns:r="http://schemas.openxmlformats.org/officeDocument/2006/relationships" xmlns:p="http://schemas.openxmlformats.org/presentationml/2006/main">
-  <p:cSld>
-    <p:spTree>
-      <p:nvGrpSpPr>
-        <p:cNvPr id="1" name=""/>
-        <p:cNvGrpSpPr/>
-        <p:nvPr/>
-      </p:nvGrpSpPr>
-      <p:grpSpPr>
-        <a:xfrm>
-          <a:off x="0" y="0"/>
-          <a:ext cx="0" cy="0"/>
-          <a:chOff x="0" y="0"/>
-          <a:chExt cx="0" cy="0"/>
-        </a:xfrm>
-      </p:grpSpPr>
-    </p:spTree>
-    <p:extLst>
-      <p:ext uri="{BB962C8B-B14F-4D97-AF65-F5344CB8AC3E}">
-        <p14:creationId xmlns:p14="http://schemas.microsoft.com/office/powerpoint/2010/main" val="3946342181"/>
-      </p:ext>
-    </p:extLst>
-  </p:cSld>
-  <p:clrMapOvr>
-    <a:masterClrMapping/>
-  </p:clrMapOvr>
-</p:sld>
-</file>
-
-<file path=ppt/slides/slide44.xml><?xml version="1.0" encoding="utf-8"?>
-<p:sld xmlns:a="http://schemas.openxmlformats.org/drawingml/2006/main" xmlns:r="http://schemas.openxmlformats.org/officeDocument/2006/relationships" xmlns:p="http://schemas.openxmlformats.org/presentationml/2006/main">
-  <p:cSld>
-    <p:spTree>
-      <p:nvGrpSpPr>
-        <p:cNvPr id="1" name=""/>
-        <p:cNvGrpSpPr/>
-        <p:nvPr/>
-      </p:nvGrpSpPr>
-      <p:grpSpPr>
-        <a:xfrm>
-          <a:off x="0" y="0"/>
-          <a:ext cx="0" cy="0"/>
-          <a:chOff x="0" y="0"/>
-          <a:chExt cx="0" cy="0"/>
-        </a:xfrm>
-      </p:grpSpPr>
-    </p:spTree>
-    <p:extLst>
-      <p:ext uri="{BB962C8B-B14F-4D97-AF65-F5344CB8AC3E}">
-        <p14:creationId xmlns:p14="http://schemas.microsoft.com/office/powerpoint/2010/main" val="3075929694"/>
       </p:ext>
     </p:extLst>
   </p:cSld>
@@ -21100,8 +19911,8 @@
           </a:p>
         </p:txBody>
       </p:sp>
-      <mc:AlternateContent xmlns:mc="http://schemas.openxmlformats.org/markup-compatibility/2006">
-        <mc:Choice xmlns:p14="http://schemas.microsoft.com/office/powerpoint/2010/main" Requires="p14">
+      <mc:AlternateContent xmlns:mc="http://schemas.openxmlformats.org/markup-compatibility/2006" xmlns:p14="http://schemas.microsoft.com/office/powerpoint/2010/main">
+        <mc:Choice Requires="p14">
           <p:contentPart p14:bwMode="auto" r:id="rId3">
             <p14:nvContentPartPr>
               <p14:cNvPr id="5" name="잉크 4">
@@ -21120,7 +19931,7 @@
             </p14:xfrm>
           </p:contentPart>
         </mc:Choice>
-        <mc:Fallback>
+        <mc:Fallback xmlns="">
           <p:pic>
             <p:nvPicPr>
               <p:cNvPr id="5" name="잉크 4">
@@ -21151,8 +19962,8 @@
           </p:pic>
         </mc:Fallback>
       </mc:AlternateContent>
-      <mc:AlternateContent xmlns:mc="http://schemas.openxmlformats.org/markup-compatibility/2006">
-        <mc:Choice xmlns:p14="http://schemas.microsoft.com/office/powerpoint/2010/main" Requires="p14">
+      <mc:AlternateContent xmlns:mc="http://schemas.openxmlformats.org/markup-compatibility/2006" xmlns:p14="http://schemas.microsoft.com/office/powerpoint/2010/main">
+        <mc:Choice Requires="p14">
           <p:contentPart p14:bwMode="auto" r:id="rId5">
             <p14:nvContentPartPr>
               <p14:cNvPr id="6" name="잉크 5">
@@ -21171,7 +19982,7 @@
             </p14:xfrm>
           </p:contentPart>
         </mc:Choice>
-        <mc:Fallback>
+        <mc:Fallback xmlns="">
           <p:pic>
             <p:nvPicPr>
               <p:cNvPr id="6" name="잉크 5">
@@ -21473,8 +20284,8 @@
           </a:p>
         </p:txBody>
       </p:sp>
-      <mc:AlternateContent xmlns:mc="http://schemas.openxmlformats.org/markup-compatibility/2006">
-        <mc:Choice xmlns:p14="http://schemas.microsoft.com/office/powerpoint/2010/main" Requires="p14">
+      <mc:AlternateContent xmlns:mc="http://schemas.openxmlformats.org/markup-compatibility/2006" xmlns:p14="http://schemas.microsoft.com/office/powerpoint/2010/main">
+        <mc:Choice Requires="p14">
           <p:contentPart p14:bwMode="auto" r:id="rId3">
             <p14:nvContentPartPr>
               <p14:cNvPr id="10" name="잉크 9">
@@ -21493,7 +20304,7 @@
             </p14:xfrm>
           </p:contentPart>
         </mc:Choice>
-        <mc:Fallback>
+        <mc:Fallback xmlns="">
           <p:pic>
             <p:nvPicPr>
               <p:cNvPr id="10" name="잉크 9">
@@ -21524,8 +20335,8 @@
           </p:pic>
         </mc:Fallback>
       </mc:AlternateContent>
-      <mc:AlternateContent xmlns:mc="http://schemas.openxmlformats.org/markup-compatibility/2006">
-        <mc:Choice xmlns:p14="http://schemas.microsoft.com/office/powerpoint/2010/main" Requires="p14">
+      <mc:AlternateContent xmlns:mc="http://schemas.openxmlformats.org/markup-compatibility/2006" xmlns:p14="http://schemas.microsoft.com/office/powerpoint/2010/main">
+        <mc:Choice Requires="p14">
           <p:contentPart p14:bwMode="auto" r:id="rId5">
             <p14:nvContentPartPr>
               <p14:cNvPr id="11" name="잉크 10">
@@ -21544,7 +20355,7 @@
             </p14:xfrm>
           </p:contentPart>
         </mc:Choice>
-        <mc:Fallback>
+        <mc:Fallback xmlns="">
           <p:pic>
             <p:nvPicPr>
               <p:cNvPr id="11" name="잉크 10">
@@ -21575,8 +20386,8 @@
           </p:pic>
         </mc:Fallback>
       </mc:AlternateContent>
-      <mc:AlternateContent xmlns:mc="http://schemas.openxmlformats.org/markup-compatibility/2006">
-        <mc:Choice xmlns:p14="http://schemas.microsoft.com/office/powerpoint/2010/main" Requires="p14">
+      <mc:AlternateContent xmlns:mc="http://schemas.openxmlformats.org/markup-compatibility/2006" xmlns:p14="http://schemas.microsoft.com/office/powerpoint/2010/main">
+        <mc:Choice Requires="p14">
           <p:contentPart p14:bwMode="auto" r:id="rId7">
             <p14:nvContentPartPr>
               <p14:cNvPr id="13" name="잉크 12">
@@ -21595,7 +20406,7 @@
             </p14:xfrm>
           </p:contentPart>
         </mc:Choice>
-        <mc:Fallback>
+        <mc:Fallback xmlns="">
           <p:pic>
             <p:nvPicPr>
               <p:cNvPr id="13" name="잉크 12">
@@ -21626,8 +20437,8 @@
           </p:pic>
         </mc:Fallback>
       </mc:AlternateContent>
-      <mc:AlternateContent xmlns:mc="http://schemas.openxmlformats.org/markup-compatibility/2006">
-        <mc:Choice xmlns:p14="http://schemas.microsoft.com/office/powerpoint/2010/main" Requires="p14">
+      <mc:AlternateContent xmlns:mc="http://schemas.openxmlformats.org/markup-compatibility/2006" xmlns:p14="http://schemas.microsoft.com/office/powerpoint/2010/main">
+        <mc:Choice Requires="p14">
           <p:contentPart p14:bwMode="auto" r:id="rId9">
             <p14:nvContentPartPr>
               <p14:cNvPr id="14" name="잉크 13">
@@ -21646,7 +20457,7 @@
             </p14:xfrm>
           </p:contentPart>
         </mc:Choice>
-        <mc:Fallback>
+        <mc:Fallback xmlns="">
           <p:pic>
             <p:nvPicPr>
               <p:cNvPr id="14" name="잉크 13">
@@ -21677,8 +20488,8 @@
           </p:pic>
         </mc:Fallback>
       </mc:AlternateContent>
-      <mc:AlternateContent xmlns:mc="http://schemas.openxmlformats.org/markup-compatibility/2006">
-        <mc:Choice xmlns:p14="http://schemas.microsoft.com/office/powerpoint/2010/main" Requires="p14">
+      <mc:AlternateContent xmlns:mc="http://schemas.openxmlformats.org/markup-compatibility/2006" xmlns:p14="http://schemas.microsoft.com/office/powerpoint/2010/main">
+        <mc:Choice Requires="p14">
           <p:contentPart p14:bwMode="auto" r:id="rId11">
             <p14:nvContentPartPr>
               <p14:cNvPr id="15" name="잉크 14">
@@ -21697,7 +20508,7 @@
             </p14:xfrm>
           </p:contentPart>
         </mc:Choice>
-        <mc:Fallback>
+        <mc:Fallback xmlns="">
           <p:pic>
             <p:nvPicPr>
               <p:cNvPr id="15" name="잉크 14">
@@ -21788,8 +20599,8 @@
           </a:prstGeom>
         </p:spPr>
       </p:pic>
-      <mc:AlternateContent xmlns:mc="http://schemas.openxmlformats.org/markup-compatibility/2006">
-        <mc:Choice xmlns:p14="http://schemas.microsoft.com/office/powerpoint/2010/main" Requires="p14">
+      <mc:AlternateContent xmlns:mc="http://schemas.openxmlformats.org/markup-compatibility/2006" xmlns:p14="http://schemas.microsoft.com/office/powerpoint/2010/main">
+        <mc:Choice Requires="p14">
           <p:contentPart p14:bwMode="auto" r:id="rId3">
             <p14:nvContentPartPr>
               <p14:cNvPr id="12" name="잉크 11">
@@ -21808,7 +20619,7 @@
             </p14:xfrm>
           </p:contentPart>
         </mc:Choice>
-        <mc:Fallback>
+        <mc:Fallback xmlns="">
           <p:pic>
             <p:nvPicPr>
               <p:cNvPr id="12" name="잉크 11">
@@ -21839,8 +20650,8 @@
           </p:pic>
         </mc:Fallback>
       </mc:AlternateContent>
-      <mc:AlternateContent xmlns:mc="http://schemas.openxmlformats.org/markup-compatibility/2006">
-        <mc:Choice xmlns:p14="http://schemas.microsoft.com/office/powerpoint/2010/main" Requires="p14">
+      <mc:AlternateContent xmlns:mc="http://schemas.openxmlformats.org/markup-compatibility/2006" xmlns:p14="http://schemas.microsoft.com/office/powerpoint/2010/main">
+        <mc:Choice Requires="p14">
           <p:contentPart p14:bwMode="auto" r:id="rId5">
             <p14:nvContentPartPr>
               <p14:cNvPr id="13" name="잉크 12">
@@ -21859,7 +20670,7 @@
             </p14:xfrm>
           </p:contentPart>
         </mc:Choice>
-        <mc:Fallback>
+        <mc:Fallback xmlns="">
           <p:pic>
             <p:nvPicPr>
               <p:cNvPr id="13" name="잉크 12">
@@ -21890,8 +20701,8 @@
           </p:pic>
         </mc:Fallback>
       </mc:AlternateContent>
-      <mc:AlternateContent xmlns:mc="http://schemas.openxmlformats.org/markup-compatibility/2006">
-        <mc:Choice xmlns:p14="http://schemas.microsoft.com/office/powerpoint/2010/main" Requires="p14">
+      <mc:AlternateContent xmlns:mc="http://schemas.openxmlformats.org/markup-compatibility/2006" xmlns:p14="http://schemas.microsoft.com/office/powerpoint/2010/main">
+        <mc:Choice Requires="p14">
           <p:contentPart p14:bwMode="auto" r:id="rId7">
             <p14:nvContentPartPr>
               <p14:cNvPr id="14" name="잉크 13">
@@ -21910,7 +20721,7 @@
             </p14:xfrm>
           </p:contentPart>
         </mc:Choice>
-        <mc:Fallback>
+        <mc:Fallback xmlns="">
           <p:pic>
             <p:nvPicPr>
               <p:cNvPr id="14" name="잉크 13">
@@ -21941,8 +20752,8 @@
           </p:pic>
         </mc:Fallback>
       </mc:AlternateContent>
-      <mc:AlternateContent xmlns:mc="http://schemas.openxmlformats.org/markup-compatibility/2006">
-        <mc:Choice xmlns:p14="http://schemas.microsoft.com/office/powerpoint/2010/main" Requires="p14">
+      <mc:AlternateContent xmlns:mc="http://schemas.openxmlformats.org/markup-compatibility/2006" xmlns:p14="http://schemas.microsoft.com/office/powerpoint/2010/main">
+        <mc:Choice Requires="p14">
           <p:contentPart p14:bwMode="auto" r:id="rId9">
             <p14:nvContentPartPr>
               <p14:cNvPr id="15" name="잉크 14">
@@ -21961,7 +20772,7 @@
             </p14:xfrm>
           </p:contentPart>
         </mc:Choice>
-        <mc:Fallback>
+        <mc:Fallback xmlns="">
           <p:pic>
             <p:nvPicPr>
               <p:cNvPr id="15" name="잉크 14">
@@ -21992,8 +20803,8 @@
           </p:pic>
         </mc:Fallback>
       </mc:AlternateContent>
-      <mc:AlternateContent xmlns:mc="http://schemas.openxmlformats.org/markup-compatibility/2006">
-        <mc:Choice xmlns:p14="http://schemas.microsoft.com/office/powerpoint/2010/main" Requires="p14">
+      <mc:AlternateContent xmlns:mc="http://schemas.openxmlformats.org/markup-compatibility/2006" xmlns:p14="http://schemas.microsoft.com/office/powerpoint/2010/main">
+        <mc:Choice Requires="p14">
           <p:contentPart p14:bwMode="auto" r:id="rId11">
             <p14:nvContentPartPr>
               <p14:cNvPr id="16" name="잉크 15">
@@ -22012,7 +20823,7 @@
             </p14:xfrm>
           </p:contentPart>
         </mc:Choice>
-        <mc:Fallback>
+        <mc:Fallback xmlns="">
           <p:pic>
             <p:nvPicPr>
               <p:cNvPr id="16" name="잉크 15">
@@ -22043,8 +20854,8 @@
           </p:pic>
         </mc:Fallback>
       </mc:AlternateContent>
-      <mc:AlternateContent xmlns:mc="http://schemas.openxmlformats.org/markup-compatibility/2006">
-        <mc:Choice xmlns:p14="http://schemas.microsoft.com/office/powerpoint/2010/main" Requires="p14">
+      <mc:AlternateContent xmlns:mc="http://schemas.openxmlformats.org/markup-compatibility/2006" xmlns:p14="http://schemas.microsoft.com/office/powerpoint/2010/main">
+        <mc:Choice Requires="p14">
           <p:contentPart p14:bwMode="auto" r:id="rId13">
             <p14:nvContentPartPr>
               <p14:cNvPr id="17" name="잉크 16">
@@ -22063,7 +20874,7 @@
             </p14:xfrm>
           </p:contentPart>
         </mc:Choice>
-        <mc:Fallback>
+        <mc:Fallback xmlns="">
           <p:pic>
             <p:nvPicPr>
               <p:cNvPr id="17" name="잉크 16">
@@ -22742,8 +21553,8 @@
           </a:prstGeom>
         </p:spPr>
       </p:pic>
-      <mc:AlternateContent xmlns:mc="http://schemas.openxmlformats.org/markup-compatibility/2006">
-        <mc:Choice xmlns:p14="http://schemas.microsoft.com/office/powerpoint/2010/main" Requires="p14">
+      <mc:AlternateContent xmlns:mc="http://schemas.openxmlformats.org/markup-compatibility/2006" xmlns:p14="http://schemas.microsoft.com/office/powerpoint/2010/main">
+        <mc:Choice Requires="p14">
           <p:contentPart p14:bwMode="auto" r:id="rId3">
             <p14:nvContentPartPr>
               <p14:cNvPr id="6" name="잉크 5">
@@ -22762,7 +21573,7 @@
             </p14:xfrm>
           </p:contentPart>
         </mc:Choice>
-        <mc:Fallback>
+        <mc:Fallback xmlns="">
           <p:pic>
             <p:nvPicPr>
               <p:cNvPr id="6" name="잉크 5">
@@ -22793,8 +21604,8 @@
           </p:pic>
         </mc:Fallback>
       </mc:AlternateContent>
-      <mc:AlternateContent xmlns:mc="http://schemas.openxmlformats.org/markup-compatibility/2006">
-        <mc:Choice xmlns:p14="http://schemas.microsoft.com/office/powerpoint/2010/main" Requires="p14">
+      <mc:AlternateContent xmlns:mc="http://schemas.openxmlformats.org/markup-compatibility/2006" xmlns:p14="http://schemas.microsoft.com/office/powerpoint/2010/main">
+        <mc:Choice Requires="p14">
           <p:contentPart p14:bwMode="auto" r:id="rId5">
             <p14:nvContentPartPr>
               <p14:cNvPr id="7" name="잉크 6">
@@ -22813,7 +21624,7 @@
             </p14:xfrm>
           </p:contentPart>
         </mc:Choice>
-        <mc:Fallback>
+        <mc:Fallback xmlns="">
           <p:pic>
             <p:nvPicPr>
               <p:cNvPr id="7" name="잉크 6">
@@ -22844,8 +21655,8 @@
           </p:pic>
         </mc:Fallback>
       </mc:AlternateContent>
-      <mc:AlternateContent xmlns:mc="http://schemas.openxmlformats.org/markup-compatibility/2006">
-        <mc:Choice xmlns:p14="http://schemas.microsoft.com/office/powerpoint/2010/main" Requires="p14">
+      <mc:AlternateContent xmlns:mc="http://schemas.openxmlformats.org/markup-compatibility/2006" xmlns:p14="http://schemas.microsoft.com/office/powerpoint/2010/main">
+        <mc:Choice Requires="p14">
           <p:contentPart p14:bwMode="auto" r:id="rId7">
             <p14:nvContentPartPr>
               <p14:cNvPr id="8" name="잉크 7">
@@ -22864,7 +21675,7 @@
             </p14:xfrm>
           </p:contentPart>
         </mc:Choice>
-        <mc:Fallback>
+        <mc:Fallback xmlns="">
           <p:pic>
             <p:nvPicPr>
               <p:cNvPr id="8" name="잉크 7">
@@ -23383,8 +22194,8 @@
           </a:prstGeom>
         </p:spPr>
       </p:pic>
-      <mc:AlternateContent xmlns:mc="http://schemas.openxmlformats.org/markup-compatibility/2006">
-        <mc:Choice xmlns:p14="http://schemas.microsoft.com/office/powerpoint/2010/main" Requires="p14">
+      <mc:AlternateContent xmlns:mc="http://schemas.openxmlformats.org/markup-compatibility/2006" xmlns:p14="http://schemas.microsoft.com/office/powerpoint/2010/main">
+        <mc:Choice Requires="p14">
           <p:contentPart p14:bwMode="auto" r:id="rId3">
             <p14:nvContentPartPr>
               <p14:cNvPr id="8" name="잉크 7">
@@ -23403,7 +22214,7 @@
             </p14:xfrm>
           </p:contentPart>
         </mc:Choice>
-        <mc:Fallback>
+        <mc:Fallback xmlns="">
           <p:pic>
             <p:nvPicPr>
               <p:cNvPr id="8" name="잉크 7">
@@ -23434,8 +22245,8 @@
           </p:pic>
         </mc:Fallback>
       </mc:AlternateContent>
-      <mc:AlternateContent xmlns:mc="http://schemas.openxmlformats.org/markup-compatibility/2006">
-        <mc:Choice xmlns:p14="http://schemas.microsoft.com/office/powerpoint/2010/main" Requires="p14">
+      <mc:AlternateContent xmlns:mc="http://schemas.openxmlformats.org/markup-compatibility/2006" xmlns:p14="http://schemas.microsoft.com/office/powerpoint/2010/main">
+        <mc:Choice Requires="p14">
           <p:contentPart p14:bwMode="auto" r:id="rId5">
             <p14:nvContentPartPr>
               <p14:cNvPr id="9" name="잉크 8">
@@ -23454,7 +22265,7 @@
             </p14:xfrm>
           </p:contentPart>
         </mc:Choice>
-        <mc:Fallback>
+        <mc:Fallback xmlns="">
           <p:pic>
             <p:nvPicPr>
               <p:cNvPr id="9" name="잉크 8">
@@ -23485,8 +22296,8 @@
           </p:pic>
         </mc:Fallback>
       </mc:AlternateContent>
-      <mc:AlternateContent xmlns:mc="http://schemas.openxmlformats.org/markup-compatibility/2006">
-        <mc:Choice xmlns:p14="http://schemas.microsoft.com/office/powerpoint/2010/main" Requires="p14">
+      <mc:AlternateContent xmlns:mc="http://schemas.openxmlformats.org/markup-compatibility/2006" xmlns:p14="http://schemas.microsoft.com/office/powerpoint/2010/main">
+        <mc:Choice Requires="p14">
           <p:contentPart p14:bwMode="auto" r:id="rId7">
             <p14:nvContentPartPr>
               <p14:cNvPr id="10" name="잉크 9">
@@ -23505,7 +22316,7 @@
             </p14:xfrm>
           </p:contentPart>
         </mc:Choice>
-        <mc:Fallback>
+        <mc:Fallback xmlns="">
           <p:pic>
             <p:nvPicPr>
               <p:cNvPr id="10" name="잉크 9">

--- a/과제PPT/데이터베이스 1강.pptx
+++ b/과제PPT/데이터베이스 1강.pptx
@@ -36,6 +36,7 @@
     <p:sldId id="293" r:id="rId30"/>
     <p:sldId id="285" r:id="rId31"/>
     <p:sldId id="286" r:id="rId32"/>
+    <p:sldId id="295" r:id="rId33"/>
   </p:sldIdLst>
   <p:sldSz cx="12192000" cy="6858000"/>
   <p:notesSz cx="6858000" cy="9144000"/>
@@ -3109,7 +3110,7 @@
             <a:fld id="{96DFF08F-DC6B-4601-B491-B0F83F6DD2DA}" type="datetimeFigureOut">
               <a:rPr lang="en-US" dirty="0"/>
               <a:pPr/>
-              <a:t>5/9/2023</a:t>
+              <a:t>5/11/2023</a:t>
             </a:fld>
             <a:endParaRPr lang="en-US" dirty="0"/>
           </a:p>
@@ -3326,7 +3327,7 @@
           <a:p>
             <a:fld id="{96DFF08F-DC6B-4601-B491-B0F83F6DD2DA}" type="datetimeFigureOut">
               <a:rPr lang="en-US" dirty="0"/>
-              <a:t>5/9/2023</a:t>
+              <a:t>5/11/2023</a:t>
             </a:fld>
             <a:endParaRPr lang="en-US" dirty="0"/>
           </a:p>
@@ -3501,7 +3502,7 @@
           <a:p>
             <a:fld id="{96DFF08F-DC6B-4601-B491-B0F83F6DD2DA}" type="datetimeFigureOut">
               <a:rPr lang="en-US" dirty="0"/>
-              <a:t>5/9/2023</a:t>
+              <a:t>5/11/2023</a:t>
             </a:fld>
             <a:endParaRPr lang="en-US" dirty="0"/>
           </a:p>
@@ -3666,7 +3667,7 @@
           <a:p>
             <a:fld id="{96DFF08F-DC6B-4601-B491-B0F83F6DD2DA}" type="datetimeFigureOut">
               <a:rPr lang="en-US" dirty="0"/>
-              <a:t>5/9/2023</a:t>
+              <a:t>5/11/2023</a:t>
             </a:fld>
             <a:endParaRPr lang="en-US" dirty="0"/>
           </a:p>
@@ -3935,7 +3936,7 @@
           <a:p>
             <a:fld id="{96DFF08F-DC6B-4601-B491-B0F83F6DD2DA}" type="datetimeFigureOut">
               <a:rPr lang="en-US" dirty="0"/>
-              <a:t>5/9/2023</a:t>
+              <a:t>5/11/2023</a:t>
             </a:fld>
             <a:endParaRPr lang="en-US" dirty="0"/>
           </a:p>
@@ -4253,7 +4254,7 @@
           <a:p>
             <a:fld id="{96DFF08F-DC6B-4601-B491-B0F83F6DD2DA}" type="datetimeFigureOut">
               <a:rPr lang="en-US" dirty="0"/>
-              <a:t>5/9/2023</a:t>
+              <a:t>5/11/2023</a:t>
             </a:fld>
             <a:endParaRPr lang="en-US" dirty="0"/>
           </a:p>
@@ -4672,7 +4673,7 @@
           <a:p>
             <a:fld id="{96DFF08F-DC6B-4601-B491-B0F83F6DD2DA}" type="datetimeFigureOut">
               <a:rPr lang="en-US" dirty="0"/>
-              <a:t>5/9/2023</a:t>
+              <a:t>5/11/2023</a:t>
             </a:fld>
             <a:endParaRPr lang="en-US" dirty="0"/>
           </a:p>
@@ -4785,7 +4786,7 @@
           <a:p>
             <a:fld id="{96DFF08F-DC6B-4601-B491-B0F83F6DD2DA}" type="datetimeFigureOut">
               <a:rPr lang="en-US" dirty="0"/>
-              <a:t>5/9/2023</a:t>
+              <a:t>5/11/2023</a:t>
             </a:fld>
             <a:endParaRPr lang="en-US" dirty="0"/>
           </a:p>
@@ -4875,7 +4876,7 @@
           <a:p>
             <a:fld id="{96DFF08F-DC6B-4601-B491-B0F83F6DD2DA}" type="datetimeFigureOut">
               <a:rPr lang="en-US" dirty="0"/>
-              <a:t>5/9/2023</a:t>
+              <a:t>5/11/2023</a:t>
             </a:fld>
             <a:endParaRPr lang="en-US" dirty="0"/>
           </a:p>
@@ -5160,7 +5161,7 @@
           <a:p>
             <a:fld id="{96DFF08F-DC6B-4601-B491-B0F83F6DD2DA}" type="datetimeFigureOut">
               <a:rPr lang="en-US" dirty="0"/>
-              <a:t>5/9/2023</a:t>
+              <a:t>5/11/2023</a:t>
             </a:fld>
             <a:endParaRPr lang="en-US" dirty="0"/>
           </a:p>
@@ -5427,7 +5428,7 @@
           <a:p>
             <a:fld id="{96DFF08F-DC6B-4601-B491-B0F83F6DD2DA}" type="datetimeFigureOut">
               <a:rPr lang="en-US" dirty="0"/>
-              <a:t>5/9/2023</a:t>
+              <a:t>5/11/2023</a:t>
             </a:fld>
             <a:endParaRPr lang="en-US" dirty="0"/>
           </a:p>
@@ -5677,7 +5678,7 @@
             <a:fld id="{96DFF08F-DC6B-4601-B491-B0F83F6DD2DA}" type="datetimeFigureOut">
               <a:rPr lang="en-US" dirty="0"/>
               <a:pPr/>
-              <a:t>5/9/2023</a:t>
+              <a:t>5/11/2023</a:t>
             </a:fld>
             <a:endParaRPr lang="en-US" dirty="0"/>
           </a:p>
@@ -6170,6 +6171,13 @@
               </a:rPr>
               <a:t>강</a:t>
             </a:r>
+            <a:r>
+              <a:rPr lang="en-US" altLang="ko-KR" dirty="0">
+                <a:latin typeface="+mj-ea"/>
+                <a:ea typeface="+mj-ea"/>
+              </a:rPr>
+              <a:t/>
+            </a:r>
             <a:br>
               <a:rPr lang="en-US" altLang="ko-KR" dirty="0">
                 <a:latin typeface="+mj-ea"/>
@@ -6285,7 +6293,7 @@
           <p:cNvPr id="4" name="그림 3">
             <a:extLst>
               <a:ext uri="{FF2B5EF4-FFF2-40B4-BE49-F238E27FC236}">
-                <a16:creationId xmlns:a16="http://schemas.microsoft.com/office/drawing/2014/main" id="{FF70C8A0-F262-EF21-E47E-942009E9AA3B}"/>
+                <a16:creationId xmlns:a16="http://schemas.microsoft.com/office/drawing/2014/main" xmlns="" id="{FF70C8A0-F262-EF21-E47E-942009E9AA3B}"/>
               </a:ext>
             </a:extLst>
           </p:cNvPr>
@@ -6315,7 +6323,7 @@
           <p:cNvPr id="7" name="그림 6">
             <a:extLst>
               <a:ext uri="{FF2B5EF4-FFF2-40B4-BE49-F238E27FC236}">
-                <a16:creationId xmlns:a16="http://schemas.microsoft.com/office/drawing/2014/main" id="{F5F983D2-75FB-490C-35C0-CB4D0DFAADCF}"/>
+                <a16:creationId xmlns:a16="http://schemas.microsoft.com/office/drawing/2014/main" xmlns="" id="{F5F983D2-75FB-490C-35C0-CB4D0DFAADCF}"/>
               </a:ext>
             </a:extLst>
           </p:cNvPr>
@@ -6345,7 +6353,7 @@
           <p:cNvPr id="8" name="그림 7">
             <a:extLst>
               <a:ext uri="{FF2B5EF4-FFF2-40B4-BE49-F238E27FC236}">
-                <a16:creationId xmlns:a16="http://schemas.microsoft.com/office/drawing/2014/main" id="{EE580280-3E25-1F80-0D7C-BCB515094AAA}"/>
+                <a16:creationId xmlns:a16="http://schemas.microsoft.com/office/drawing/2014/main" xmlns="" id="{EE580280-3E25-1F80-0D7C-BCB515094AAA}"/>
               </a:ext>
             </a:extLst>
           </p:cNvPr>
@@ -6377,7 +6385,7 @@
               <p14:cNvPr id="9" name="잉크 8">
                 <a:extLst>
                   <a:ext uri="{FF2B5EF4-FFF2-40B4-BE49-F238E27FC236}">
-                    <a16:creationId xmlns:a16="http://schemas.microsoft.com/office/drawing/2014/main" id="{86489F88-7261-5A82-80E6-B381521ECF8B}"/>
+                    <a16:creationId xmlns:a16="http://schemas.microsoft.com/office/drawing/2014/main" xmlns="" id="{86489F88-7261-5A82-80E6-B381521ECF8B}"/>
                   </a:ext>
                 </a:extLst>
               </p14:cNvPr>
@@ -6428,7 +6436,7 @@
               <p14:cNvPr id="10" name="잉크 9">
                 <a:extLst>
                   <a:ext uri="{FF2B5EF4-FFF2-40B4-BE49-F238E27FC236}">
-                    <a16:creationId xmlns:a16="http://schemas.microsoft.com/office/drawing/2014/main" id="{450B4142-0505-307C-5285-EE7BDF7436B9}"/>
+                    <a16:creationId xmlns:a16="http://schemas.microsoft.com/office/drawing/2014/main" xmlns="" id="{450B4142-0505-307C-5285-EE7BDF7436B9}"/>
                   </a:ext>
                 </a:extLst>
               </p14:cNvPr>
@@ -6477,7 +6485,7 @@
           <p:cNvPr id="13" name="TextBox 12">
             <a:extLst>
               <a:ext uri="{FF2B5EF4-FFF2-40B4-BE49-F238E27FC236}">
-                <a16:creationId xmlns:a16="http://schemas.microsoft.com/office/drawing/2014/main" id="{C7ACD232-F45D-1E82-AE49-5D8A924457C1}"/>
+                <a16:creationId xmlns:a16="http://schemas.microsoft.com/office/drawing/2014/main" xmlns="" id="{C7ACD232-F45D-1E82-AE49-5D8A924457C1}"/>
               </a:ext>
             </a:extLst>
           </p:cNvPr>
@@ -6568,7 +6576,7 @@
           <p:cNvPr id="14" name="TextBox 13">
             <a:extLst>
               <a:ext uri="{FF2B5EF4-FFF2-40B4-BE49-F238E27FC236}">
-                <a16:creationId xmlns:a16="http://schemas.microsoft.com/office/drawing/2014/main" id="{49D480A8-D7F5-243D-E048-2C2C01EAAEDE}"/>
+                <a16:creationId xmlns:a16="http://schemas.microsoft.com/office/drawing/2014/main" xmlns="" id="{49D480A8-D7F5-243D-E048-2C2C01EAAEDE}"/>
               </a:ext>
             </a:extLst>
           </p:cNvPr>
@@ -6807,7 +6815,7 @@
               <p14:cNvPr id="15" name="잉크 14">
                 <a:extLst>
                   <a:ext uri="{FF2B5EF4-FFF2-40B4-BE49-F238E27FC236}">
-                    <a16:creationId xmlns:a16="http://schemas.microsoft.com/office/drawing/2014/main" id="{56C15000-636B-118B-4975-0E65D759854D}"/>
+                    <a16:creationId xmlns:a16="http://schemas.microsoft.com/office/drawing/2014/main" xmlns="" id="{56C15000-636B-118B-4975-0E65D759854D}"/>
                   </a:ext>
                 </a:extLst>
               </p14:cNvPr>
@@ -6858,7 +6866,7 @@
               <p14:cNvPr id="16" name="잉크 15">
                 <a:extLst>
                   <a:ext uri="{FF2B5EF4-FFF2-40B4-BE49-F238E27FC236}">
-                    <a16:creationId xmlns:a16="http://schemas.microsoft.com/office/drawing/2014/main" id="{AD37E5E6-53A6-E26D-DEAA-81D0D1DB53E6}"/>
+                    <a16:creationId xmlns:a16="http://schemas.microsoft.com/office/drawing/2014/main" xmlns="" id="{AD37E5E6-53A6-E26D-DEAA-81D0D1DB53E6}"/>
                   </a:ext>
                 </a:extLst>
               </p14:cNvPr>
@@ -6937,7 +6945,7 @@
           <p:cNvPr id="11" name="그림 10">
             <a:extLst>
               <a:ext uri="{FF2B5EF4-FFF2-40B4-BE49-F238E27FC236}">
-                <a16:creationId xmlns:a16="http://schemas.microsoft.com/office/drawing/2014/main" id="{B305C45D-5D69-8789-60E5-283BFB6322A8}"/>
+                <a16:creationId xmlns:a16="http://schemas.microsoft.com/office/drawing/2014/main" xmlns="" id="{B305C45D-5D69-8789-60E5-283BFB6322A8}"/>
               </a:ext>
             </a:extLst>
           </p:cNvPr>
@@ -6969,7 +6977,7 @@
               <p14:cNvPr id="17" name="잉크 16">
                 <a:extLst>
                   <a:ext uri="{FF2B5EF4-FFF2-40B4-BE49-F238E27FC236}">
-                    <a16:creationId xmlns:a16="http://schemas.microsoft.com/office/drawing/2014/main" id="{20E0B7E4-2514-BDD9-F10C-066D08757B05}"/>
+                    <a16:creationId xmlns:a16="http://schemas.microsoft.com/office/drawing/2014/main" xmlns="" id="{20E0B7E4-2514-BDD9-F10C-066D08757B05}"/>
                   </a:ext>
                 </a:extLst>
               </p14:cNvPr>
@@ -7020,7 +7028,7 @@
               <p14:cNvPr id="18" name="잉크 17">
                 <a:extLst>
                   <a:ext uri="{FF2B5EF4-FFF2-40B4-BE49-F238E27FC236}">
-                    <a16:creationId xmlns:a16="http://schemas.microsoft.com/office/drawing/2014/main" id="{C4850A86-020E-67D6-1363-E4FA643DF1E0}"/>
+                    <a16:creationId xmlns:a16="http://schemas.microsoft.com/office/drawing/2014/main" xmlns="" id="{C4850A86-020E-67D6-1363-E4FA643DF1E0}"/>
                   </a:ext>
                 </a:extLst>
               </p14:cNvPr>
@@ -7069,7 +7077,7 @@
           <p:cNvPr id="19" name="TextBox 18">
             <a:extLst>
               <a:ext uri="{FF2B5EF4-FFF2-40B4-BE49-F238E27FC236}">
-                <a16:creationId xmlns:a16="http://schemas.microsoft.com/office/drawing/2014/main" id="{C4E1873C-2001-1BF1-1A09-3C1A37B28296}"/>
+                <a16:creationId xmlns:a16="http://schemas.microsoft.com/office/drawing/2014/main" xmlns="" id="{C4E1873C-2001-1BF1-1A09-3C1A37B28296}"/>
               </a:ext>
             </a:extLst>
           </p:cNvPr>
@@ -7354,7 +7362,7 @@
           <p:cNvPr id="2" name="그림 1">
             <a:extLst>
               <a:ext uri="{FF2B5EF4-FFF2-40B4-BE49-F238E27FC236}">
-                <a16:creationId xmlns:a16="http://schemas.microsoft.com/office/drawing/2014/main" id="{4943039C-F5EB-D24A-7F64-7C29BAF3EB7E}"/>
+                <a16:creationId xmlns:a16="http://schemas.microsoft.com/office/drawing/2014/main" xmlns="" id="{4943039C-F5EB-D24A-7F64-7C29BAF3EB7E}"/>
               </a:ext>
             </a:extLst>
           </p:cNvPr>
@@ -7386,7 +7394,7 @@
               <p14:cNvPr id="3" name="잉크 2">
                 <a:extLst>
                   <a:ext uri="{FF2B5EF4-FFF2-40B4-BE49-F238E27FC236}">
-                    <a16:creationId xmlns:a16="http://schemas.microsoft.com/office/drawing/2014/main" id="{1F30BDF8-F548-0E2F-666C-B43B59A60200}"/>
+                    <a16:creationId xmlns:a16="http://schemas.microsoft.com/office/drawing/2014/main" xmlns="" id="{1F30BDF8-F548-0E2F-666C-B43B59A60200}"/>
                   </a:ext>
                 </a:extLst>
               </p14:cNvPr>
@@ -7437,7 +7445,7 @@
               <p14:cNvPr id="4" name="잉크 3">
                 <a:extLst>
                   <a:ext uri="{FF2B5EF4-FFF2-40B4-BE49-F238E27FC236}">
-                    <a16:creationId xmlns:a16="http://schemas.microsoft.com/office/drawing/2014/main" id="{73CD8D4A-AFF9-CAB1-1D1A-9E3101572AA1}"/>
+                    <a16:creationId xmlns:a16="http://schemas.microsoft.com/office/drawing/2014/main" xmlns="" id="{73CD8D4A-AFF9-CAB1-1D1A-9E3101572AA1}"/>
                   </a:ext>
                 </a:extLst>
               </p14:cNvPr>
@@ -7486,7 +7494,7 @@
           <p:cNvPr id="5" name="TextBox 4">
             <a:extLst>
               <a:ext uri="{FF2B5EF4-FFF2-40B4-BE49-F238E27FC236}">
-                <a16:creationId xmlns:a16="http://schemas.microsoft.com/office/drawing/2014/main" id="{C711823C-8F95-5722-1E52-95A1A67C536A}"/>
+                <a16:creationId xmlns:a16="http://schemas.microsoft.com/office/drawing/2014/main" xmlns="" id="{C711823C-8F95-5722-1E52-95A1A67C536A}"/>
               </a:ext>
             </a:extLst>
           </p:cNvPr>
@@ -7785,7 +7793,7 @@
           <p:cNvPr id="5" name="그림 4">
             <a:extLst>
               <a:ext uri="{FF2B5EF4-FFF2-40B4-BE49-F238E27FC236}">
-                <a16:creationId xmlns:a16="http://schemas.microsoft.com/office/drawing/2014/main" id="{2B6E2F69-B20F-8901-CE43-97A86090D251}"/>
+                <a16:creationId xmlns:a16="http://schemas.microsoft.com/office/drawing/2014/main" xmlns="" id="{2B6E2F69-B20F-8901-CE43-97A86090D251}"/>
               </a:ext>
             </a:extLst>
           </p:cNvPr>
@@ -7817,7 +7825,7 @@
               <p14:cNvPr id="6" name="잉크 5">
                 <a:extLst>
                   <a:ext uri="{FF2B5EF4-FFF2-40B4-BE49-F238E27FC236}">
-                    <a16:creationId xmlns:a16="http://schemas.microsoft.com/office/drawing/2014/main" id="{CD295F5B-ED0D-FBC1-C993-2EC7A7E91E6B}"/>
+                    <a16:creationId xmlns:a16="http://schemas.microsoft.com/office/drawing/2014/main" xmlns="" id="{CD295F5B-ED0D-FBC1-C993-2EC7A7E91E6B}"/>
                   </a:ext>
                 </a:extLst>
               </p14:cNvPr>
@@ -7868,7 +7876,7 @@
               <p14:cNvPr id="7" name="잉크 6">
                 <a:extLst>
                   <a:ext uri="{FF2B5EF4-FFF2-40B4-BE49-F238E27FC236}">
-                    <a16:creationId xmlns:a16="http://schemas.microsoft.com/office/drawing/2014/main" id="{C7A7598F-E7B0-0555-AF24-D6C69226A420}"/>
+                    <a16:creationId xmlns:a16="http://schemas.microsoft.com/office/drawing/2014/main" xmlns="" id="{C7A7598F-E7B0-0555-AF24-D6C69226A420}"/>
                   </a:ext>
                 </a:extLst>
               </p14:cNvPr>
@@ -7919,7 +7927,7 @@
               <p14:cNvPr id="8" name="잉크 7">
                 <a:extLst>
                   <a:ext uri="{FF2B5EF4-FFF2-40B4-BE49-F238E27FC236}">
-                    <a16:creationId xmlns:a16="http://schemas.microsoft.com/office/drawing/2014/main" id="{50CD308C-AA80-9297-6451-FB86E6202B52}"/>
+                    <a16:creationId xmlns:a16="http://schemas.microsoft.com/office/drawing/2014/main" xmlns="" id="{50CD308C-AA80-9297-6451-FB86E6202B52}"/>
                   </a:ext>
                 </a:extLst>
               </p14:cNvPr>
@@ -7968,7 +7976,7 @@
           <p:cNvPr id="9" name="TextBox 8">
             <a:extLst>
               <a:ext uri="{FF2B5EF4-FFF2-40B4-BE49-F238E27FC236}">
-                <a16:creationId xmlns:a16="http://schemas.microsoft.com/office/drawing/2014/main" id="{2D63A0E4-5456-E49D-BAFF-4827D4C4EBE7}"/>
+                <a16:creationId xmlns:a16="http://schemas.microsoft.com/office/drawing/2014/main" xmlns="" id="{2D63A0E4-5456-E49D-BAFF-4827D4C4EBE7}"/>
               </a:ext>
             </a:extLst>
           </p:cNvPr>
@@ -8281,7 +8289,7 @@
           <p:cNvPr id="3" name="그림 2">
             <a:extLst>
               <a:ext uri="{FF2B5EF4-FFF2-40B4-BE49-F238E27FC236}">
-                <a16:creationId xmlns:a16="http://schemas.microsoft.com/office/drawing/2014/main" id="{03E6E2AA-AC34-CE5B-F956-734297981EDA}"/>
+                <a16:creationId xmlns:a16="http://schemas.microsoft.com/office/drawing/2014/main" xmlns="" id="{03E6E2AA-AC34-CE5B-F956-734297981EDA}"/>
               </a:ext>
             </a:extLst>
           </p:cNvPr>
@@ -8313,7 +8321,7 @@
               <p14:cNvPr id="4" name="잉크 3">
                 <a:extLst>
                   <a:ext uri="{FF2B5EF4-FFF2-40B4-BE49-F238E27FC236}">
-                    <a16:creationId xmlns:a16="http://schemas.microsoft.com/office/drawing/2014/main" id="{171E2158-688C-BB51-EC03-98C49074FD37}"/>
+                    <a16:creationId xmlns:a16="http://schemas.microsoft.com/office/drawing/2014/main" xmlns="" id="{171E2158-688C-BB51-EC03-98C49074FD37}"/>
                   </a:ext>
                 </a:extLst>
               </p14:cNvPr>
@@ -8364,7 +8372,7 @@
               <p14:cNvPr id="5" name="잉크 4">
                 <a:extLst>
                   <a:ext uri="{FF2B5EF4-FFF2-40B4-BE49-F238E27FC236}">
-                    <a16:creationId xmlns:a16="http://schemas.microsoft.com/office/drawing/2014/main" id="{D22FBA99-491B-687A-F8E7-59FB4116AAE8}"/>
+                    <a16:creationId xmlns:a16="http://schemas.microsoft.com/office/drawing/2014/main" xmlns="" id="{D22FBA99-491B-687A-F8E7-59FB4116AAE8}"/>
                   </a:ext>
                 </a:extLst>
               </p14:cNvPr>
@@ -8415,7 +8423,7 @@
               <p14:cNvPr id="6" name="잉크 5">
                 <a:extLst>
                   <a:ext uri="{FF2B5EF4-FFF2-40B4-BE49-F238E27FC236}">
-                    <a16:creationId xmlns:a16="http://schemas.microsoft.com/office/drawing/2014/main" id="{432BD6BE-9CC9-8E55-ED4E-BEF2B9568ADB}"/>
+                    <a16:creationId xmlns:a16="http://schemas.microsoft.com/office/drawing/2014/main" xmlns="" id="{432BD6BE-9CC9-8E55-ED4E-BEF2B9568ADB}"/>
                   </a:ext>
                 </a:extLst>
               </p14:cNvPr>
@@ -8464,7 +8472,7 @@
           <p:cNvPr id="7" name="TextBox 6">
             <a:extLst>
               <a:ext uri="{FF2B5EF4-FFF2-40B4-BE49-F238E27FC236}">
-                <a16:creationId xmlns:a16="http://schemas.microsoft.com/office/drawing/2014/main" id="{76064243-4573-C966-99CD-04D6BC177E10}"/>
+                <a16:creationId xmlns:a16="http://schemas.microsoft.com/office/drawing/2014/main" xmlns="" id="{76064243-4573-C966-99CD-04D6BC177E10}"/>
               </a:ext>
             </a:extLst>
           </p:cNvPr>
@@ -8791,7 +8799,7 @@
           <p:cNvPr id="3" name="그림 2">
             <a:extLst>
               <a:ext uri="{FF2B5EF4-FFF2-40B4-BE49-F238E27FC236}">
-                <a16:creationId xmlns:a16="http://schemas.microsoft.com/office/drawing/2014/main" id="{8F6EDA38-0FD3-1D75-55E0-887FFF38BA2D}"/>
+                <a16:creationId xmlns:a16="http://schemas.microsoft.com/office/drawing/2014/main" xmlns="" id="{8F6EDA38-0FD3-1D75-55E0-887FFF38BA2D}"/>
               </a:ext>
             </a:extLst>
           </p:cNvPr>
@@ -8823,7 +8831,7 @@
               <p14:cNvPr id="5" name="잉크 4">
                 <a:extLst>
                   <a:ext uri="{FF2B5EF4-FFF2-40B4-BE49-F238E27FC236}">
-                    <a16:creationId xmlns:a16="http://schemas.microsoft.com/office/drawing/2014/main" id="{1B46601D-689A-FFBC-E9E9-B58CB42E8519}"/>
+                    <a16:creationId xmlns:a16="http://schemas.microsoft.com/office/drawing/2014/main" xmlns="" id="{1B46601D-689A-FFBC-E9E9-B58CB42E8519}"/>
                   </a:ext>
                 </a:extLst>
               </p14:cNvPr>
@@ -8874,7 +8882,7 @@
               <p14:cNvPr id="6" name="잉크 5">
                 <a:extLst>
                   <a:ext uri="{FF2B5EF4-FFF2-40B4-BE49-F238E27FC236}">
-                    <a16:creationId xmlns:a16="http://schemas.microsoft.com/office/drawing/2014/main" id="{35B358EF-5AA5-6727-C130-394F40619C3B}"/>
+                    <a16:creationId xmlns:a16="http://schemas.microsoft.com/office/drawing/2014/main" xmlns="" id="{35B358EF-5AA5-6727-C130-394F40619C3B}"/>
                   </a:ext>
                 </a:extLst>
               </p14:cNvPr>
@@ -8923,7 +8931,7 @@
           <p:cNvPr id="7" name="TextBox 6">
             <a:extLst>
               <a:ext uri="{FF2B5EF4-FFF2-40B4-BE49-F238E27FC236}">
-                <a16:creationId xmlns:a16="http://schemas.microsoft.com/office/drawing/2014/main" id="{637C49C0-B719-086D-776D-D06F068417BC}"/>
+                <a16:creationId xmlns:a16="http://schemas.microsoft.com/office/drawing/2014/main" xmlns="" id="{637C49C0-B719-086D-776D-D06F068417BC}"/>
               </a:ext>
             </a:extLst>
           </p:cNvPr>
@@ -9208,7 +9216,7 @@
           <p:cNvPr id="3" name="그림 2">
             <a:extLst>
               <a:ext uri="{FF2B5EF4-FFF2-40B4-BE49-F238E27FC236}">
-                <a16:creationId xmlns:a16="http://schemas.microsoft.com/office/drawing/2014/main" id="{AF54593F-2438-B4D7-C269-E1E85314F67E}"/>
+                <a16:creationId xmlns:a16="http://schemas.microsoft.com/office/drawing/2014/main" xmlns="" id="{AF54593F-2438-B4D7-C269-E1E85314F67E}"/>
               </a:ext>
             </a:extLst>
           </p:cNvPr>
@@ -9240,7 +9248,7 @@
               <p14:cNvPr id="4" name="잉크 3">
                 <a:extLst>
                   <a:ext uri="{FF2B5EF4-FFF2-40B4-BE49-F238E27FC236}">
-                    <a16:creationId xmlns:a16="http://schemas.microsoft.com/office/drawing/2014/main" id="{81E2CE86-7782-D553-DDBF-0EBE72731EFC}"/>
+                    <a16:creationId xmlns:a16="http://schemas.microsoft.com/office/drawing/2014/main" xmlns="" id="{81E2CE86-7782-D553-DDBF-0EBE72731EFC}"/>
                   </a:ext>
                 </a:extLst>
               </p14:cNvPr>
@@ -9291,7 +9299,7 @@
               <p14:cNvPr id="5" name="잉크 4">
                 <a:extLst>
                   <a:ext uri="{FF2B5EF4-FFF2-40B4-BE49-F238E27FC236}">
-                    <a16:creationId xmlns:a16="http://schemas.microsoft.com/office/drawing/2014/main" id="{1737A85A-5426-555B-4120-EAB0EC35A345}"/>
+                    <a16:creationId xmlns:a16="http://schemas.microsoft.com/office/drawing/2014/main" xmlns="" id="{1737A85A-5426-555B-4120-EAB0EC35A345}"/>
                   </a:ext>
                 </a:extLst>
               </p14:cNvPr>
@@ -9340,7 +9348,7 @@
           <p:cNvPr id="6" name="TextBox 5">
             <a:extLst>
               <a:ext uri="{FF2B5EF4-FFF2-40B4-BE49-F238E27FC236}">
-                <a16:creationId xmlns:a16="http://schemas.microsoft.com/office/drawing/2014/main" id="{DA7DE219-488D-C07F-77E1-84CFFF958ACB}"/>
+                <a16:creationId xmlns:a16="http://schemas.microsoft.com/office/drawing/2014/main" xmlns="" id="{DA7DE219-488D-C07F-77E1-84CFFF958ACB}"/>
               </a:ext>
             </a:extLst>
           </p:cNvPr>
@@ -9625,7 +9633,7 @@
           <p:cNvPr id="3" name="그림 2">
             <a:extLst>
               <a:ext uri="{FF2B5EF4-FFF2-40B4-BE49-F238E27FC236}">
-                <a16:creationId xmlns:a16="http://schemas.microsoft.com/office/drawing/2014/main" id="{28CE6790-17D8-D833-2EAC-6E573D088B09}"/>
+                <a16:creationId xmlns:a16="http://schemas.microsoft.com/office/drawing/2014/main" xmlns="" id="{28CE6790-17D8-D833-2EAC-6E573D088B09}"/>
               </a:ext>
             </a:extLst>
           </p:cNvPr>
@@ -9657,7 +9665,7 @@
               <p14:cNvPr id="4" name="잉크 3">
                 <a:extLst>
                   <a:ext uri="{FF2B5EF4-FFF2-40B4-BE49-F238E27FC236}">
-                    <a16:creationId xmlns:a16="http://schemas.microsoft.com/office/drawing/2014/main" id="{D071F988-B41E-1D01-BD40-458418654B8D}"/>
+                    <a16:creationId xmlns:a16="http://schemas.microsoft.com/office/drawing/2014/main" xmlns="" id="{D071F988-B41E-1D01-BD40-458418654B8D}"/>
                   </a:ext>
                 </a:extLst>
               </p14:cNvPr>
@@ -9708,7 +9716,7 @@
               <p14:cNvPr id="5" name="잉크 4">
                 <a:extLst>
                   <a:ext uri="{FF2B5EF4-FFF2-40B4-BE49-F238E27FC236}">
-                    <a16:creationId xmlns:a16="http://schemas.microsoft.com/office/drawing/2014/main" id="{D719BDA5-3FA6-624E-9B14-81C7E5EE94CD}"/>
+                    <a16:creationId xmlns:a16="http://schemas.microsoft.com/office/drawing/2014/main" xmlns="" id="{D719BDA5-3FA6-624E-9B14-81C7E5EE94CD}"/>
                   </a:ext>
                 </a:extLst>
               </p14:cNvPr>
@@ -9757,7 +9765,7 @@
           <p:cNvPr id="6" name="TextBox 5">
             <a:extLst>
               <a:ext uri="{FF2B5EF4-FFF2-40B4-BE49-F238E27FC236}">
-                <a16:creationId xmlns:a16="http://schemas.microsoft.com/office/drawing/2014/main" id="{23B9C8B5-D18E-7A2C-0395-331399805BE8}"/>
+                <a16:creationId xmlns:a16="http://schemas.microsoft.com/office/drawing/2014/main" xmlns="" id="{23B9C8B5-D18E-7A2C-0395-331399805BE8}"/>
               </a:ext>
             </a:extLst>
           </p:cNvPr>
@@ -10042,7 +10050,7 @@
           <p:cNvPr id="3" name="그림 2">
             <a:extLst>
               <a:ext uri="{FF2B5EF4-FFF2-40B4-BE49-F238E27FC236}">
-                <a16:creationId xmlns:a16="http://schemas.microsoft.com/office/drawing/2014/main" id="{1153BA11-6389-5378-CBBF-482CA8209658}"/>
+                <a16:creationId xmlns:a16="http://schemas.microsoft.com/office/drawing/2014/main" xmlns="" id="{1153BA11-6389-5378-CBBF-482CA8209658}"/>
               </a:ext>
             </a:extLst>
           </p:cNvPr>
@@ -10074,7 +10082,7 @@
               <p14:cNvPr id="4" name="잉크 3">
                 <a:extLst>
                   <a:ext uri="{FF2B5EF4-FFF2-40B4-BE49-F238E27FC236}">
-                    <a16:creationId xmlns:a16="http://schemas.microsoft.com/office/drawing/2014/main" id="{3682A62B-DCD8-E0E2-F2AE-21DEAE9042D1}"/>
+                    <a16:creationId xmlns:a16="http://schemas.microsoft.com/office/drawing/2014/main" xmlns="" id="{3682A62B-DCD8-E0E2-F2AE-21DEAE9042D1}"/>
                   </a:ext>
                 </a:extLst>
               </p14:cNvPr>
@@ -10125,7 +10133,7 @@
               <p14:cNvPr id="5" name="잉크 4">
                 <a:extLst>
                   <a:ext uri="{FF2B5EF4-FFF2-40B4-BE49-F238E27FC236}">
-                    <a16:creationId xmlns:a16="http://schemas.microsoft.com/office/drawing/2014/main" id="{9C11D1C2-19C7-049C-C5F0-D0EAC128A28F}"/>
+                    <a16:creationId xmlns:a16="http://schemas.microsoft.com/office/drawing/2014/main" xmlns="" id="{9C11D1C2-19C7-049C-C5F0-D0EAC128A28F}"/>
                   </a:ext>
                 </a:extLst>
               </p14:cNvPr>
@@ -10174,7 +10182,7 @@
           <p:cNvPr id="8" name="TextBox 7">
             <a:extLst>
               <a:ext uri="{FF2B5EF4-FFF2-40B4-BE49-F238E27FC236}">
-                <a16:creationId xmlns:a16="http://schemas.microsoft.com/office/drawing/2014/main" id="{74562C9D-3686-D23D-1F17-5132A79E4BD1}"/>
+                <a16:creationId xmlns:a16="http://schemas.microsoft.com/office/drawing/2014/main" xmlns="" id="{74562C9D-3686-D23D-1F17-5132A79E4BD1}"/>
               </a:ext>
             </a:extLst>
           </p:cNvPr>
@@ -10447,7 +10455,7 @@
           <p:cNvPr id="3" name="그림 2">
             <a:extLst>
               <a:ext uri="{FF2B5EF4-FFF2-40B4-BE49-F238E27FC236}">
-                <a16:creationId xmlns:a16="http://schemas.microsoft.com/office/drawing/2014/main" id="{27F612F9-3D9B-6D5B-2505-3C436DCE04B0}"/>
+                <a16:creationId xmlns:a16="http://schemas.microsoft.com/office/drawing/2014/main" xmlns="" id="{27F612F9-3D9B-6D5B-2505-3C436DCE04B0}"/>
               </a:ext>
             </a:extLst>
           </p:cNvPr>
@@ -10479,7 +10487,7 @@
               <p14:cNvPr id="4" name="잉크 3">
                 <a:extLst>
                   <a:ext uri="{FF2B5EF4-FFF2-40B4-BE49-F238E27FC236}">
-                    <a16:creationId xmlns:a16="http://schemas.microsoft.com/office/drawing/2014/main" id="{68DA2D10-CD2D-F431-229C-7B06545F2E68}"/>
+                    <a16:creationId xmlns:a16="http://schemas.microsoft.com/office/drawing/2014/main" xmlns="" id="{68DA2D10-CD2D-F431-229C-7B06545F2E68}"/>
                   </a:ext>
                 </a:extLst>
               </p14:cNvPr>
@@ -10530,7 +10538,7 @@
               <p14:cNvPr id="5" name="잉크 4">
                 <a:extLst>
                   <a:ext uri="{FF2B5EF4-FFF2-40B4-BE49-F238E27FC236}">
-                    <a16:creationId xmlns:a16="http://schemas.microsoft.com/office/drawing/2014/main" id="{85AF773A-28F7-0BF0-8133-3E4058405023}"/>
+                    <a16:creationId xmlns:a16="http://schemas.microsoft.com/office/drawing/2014/main" xmlns="" id="{85AF773A-28F7-0BF0-8133-3E4058405023}"/>
                   </a:ext>
                 </a:extLst>
               </p14:cNvPr>
@@ -10581,7 +10589,7 @@
               <p14:cNvPr id="6" name="잉크 5">
                 <a:extLst>
                   <a:ext uri="{FF2B5EF4-FFF2-40B4-BE49-F238E27FC236}">
-                    <a16:creationId xmlns:a16="http://schemas.microsoft.com/office/drawing/2014/main" id="{8B2B2DA3-5481-F710-0DDC-AE6F916B29E6}"/>
+                    <a16:creationId xmlns:a16="http://schemas.microsoft.com/office/drawing/2014/main" xmlns="" id="{8B2B2DA3-5481-F710-0DDC-AE6F916B29E6}"/>
                   </a:ext>
                 </a:extLst>
               </p14:cNvPr>
@@ -10632,7 +10640,7 @@
               <p14:cNvPr id="7" name="잉크 6">
                 <a:extLst>
                   <a:ext uri="{FF2B5EF4-FFF2-40B4-BE49-F238E27FC236}">
-                    <a16:creationId xmlns:a16="http://schemas.microsoft.com/office/drawing/2014/main" id="{319D9895-95D6-9981-1B5D-5D15AC1D6A36}"/>
+                    <a16:creationId xmlns:a16="http://schemas.microsoft.com/office/drawing/2014/main" xmlns="" id="{319D9895-95D6-9981-1B5D-5D15AC1D6A36}"/>
                   </a:ext>
                 </a:extLst>
               </p14:cNvPr>
@@ -10681,7 +10689,7 @@
           <p:cNvPr id="8" name="TextBox 7">
             <a:extLst>
               <a:ext uri="{FF2B5EF4-FFF2-40B4-BE49-F238E27FC236}">
-                <a16:creationId xmlns:a16="http://schemas.microsoft.com/office/drawing/2014/main" id="{76C0E9D8-5551-A8E6-B64B-B110A5B5598F}"/>
+                <a16:creationId xmlns:a16="http://schemas.microsoft.com/office/drawing/2014/main" xmlns="" id="{76C0E9D8-5551-A8E6-B64B-B110A5B5598F}"/>
               </a:ext>
             </a:extLst>
           </p:cNvPr>
@@ -11246,7 +11254,7 @@
           <p:cNvPr id="5" name="그림 4">
             <a:extLst>
               <a:ext uri="{FF2B5EF4-FFF2-40B4-BE49-F238E27FC236}">
-                <a16:creationId xmlns:a16="http://schemas.microsoft.com/office/drawing/2014/main" id="{68BB31C6-5C22-B8DB-CE52-6EE11ADC2C5E}"/>
+                <a16:creationId xmlns:a16="http://schemas.microsoft.com/office/drawing/2014/main" xmlns="" id="{68BB31C6-5C22-B8DB-CE52-6EE11ADC2C5E}"/>
               </a:ext>
             </a:extLst>
           </p:cNvPr>
@@ -11276,7 +11284,7 @@
           <p:cNvPr id="6" name="TextBox 5">
             <a:extLst>
               <a:ext uri="{FF2B5EF4-FFF2-40B4-BE49-F238E27FC236}">
-                <a16:creationId xmlns:a16="http://schemas.microsoft.com/office/drawing/2014/main" id="{CCF2CADD-C70A-4C62-0024-417A13DB30B2}"/>
+                <a16:creationId xmlns:a16="http://schemas.microsoft.com/office/drawing/2014/main" xmlns="" id="{CCF2CADD-C70A-4C62-0024-417A13DB30B2}"/>
               </a:ext>
             </a:extLst>
           </p:cNvPr>
@@ -11374,7 +11382,7 @@
           <p:cNvPr id="8" name="그림 7">
             <a:extLst>
               <a:ext uri="{FF2B5EF4-FFF2-40B4-BE49-F238E27FC236}">
-                <a16:creationId xmlns:a16="http://schemas.microsoft.com/office/drawing/2014/main" id="{9AB89348-CED3-A5B3-AFAC-40B88E9B2BDA}"/>
+                <a16:creationId xmlns:a16="http://schemas.microsoft.com/office/drawing/2014/main" xmlns="" id="{9AB89348-CED3-A5B3-AFAC-40B88E9B2BDA}"/>
               </a:ext>
             </a:extLst>
           </p:cNvPr>
@@ -11404,7 +11412,7 @@
           <p:cNvPr id="11" name="TextBox 10">
             <a:extLst>
               <a:ext uri="{FF2B5EF4-FFF2-40B4-BE49-F238E27FC236}">
-                <a16:creationId xmlns:a16="http://schemas.microsoft.com/office/drawing/2014/main" id="{3C292273-9FC7-220C-E313-C113AC3302AC}"/>
+                <a16:creationId xmlns:a16="http://schemas.microsoft.com/office/drawing/2014/main" xmlns="" id="{3C292273-9FC7-220C-E313-C113AC3302AC}"/>
               </a:ext>
             </a:extLst>
           </p:cNvPr>
@@ -11455,7 +11463,7 @@
               <p14:cNvPr id="16" name="잉크 15">
                 <a:extLst>
                   <a:ext uri="{FF2B5EF4-FFF2-40B4-BE49-F238E27FC236}">
-                    <a16:creationId xmlns:a16="http://schemas.microsoft.com/office/drawing/2014/main" id="{FAE24E03-58E2-1E1A-4595-DB12421F7C1E}"/>
+                    <a16:creationId xmlns:a16="http://schemas.microsoft.com/office/drawing/2014/main" xmlns="" id="{FAE24E03-58E2-1E1A-4595-DB12421F7C1E}"/>
                   </a:ext>
                 </a:extLst>
               </p14:cNvPr>
@@ -11534,7 +11542,7 @@
           <p:cNvPr id="5" name="그림 4">
             <a:extLst>
               <a:ext uri="{FF2B5EF4-FFF2-40B4-BE49-F238E27FC236}">
-                <a16:creationId xmlns:a16="http://schemas.microsoft.com/office/drawing/2014/main" id="{107BAD7B-8188-A9E3-81AC-449E20D42E44}"/>
+                <a16:creationId xmlns:a16="http://schemas.microsoft.com/office/drawing/2014/main" xmlns="" id="{107BAD7B-8188-A9E3-81AC-449E20D42E44}"/>
               </a:ext>
             </a:extLst>
           </p:cNvPr>
@@ -11566,7 +11574,7 @@
               <p14:cNvPr id="6" name="잉크 5">
                 <a:extLst>
                   <a:ext uri="{FF2B5EF4-FFF2-40B4-BE49-F238E27FC236}">
-                    <a16:creationId xmlns:a16="http://schemas.microsoft.com/office/drawing/2014/main" id="{ACF55330-7EEC-1F60-35B1-9E160FB359E4}"/>
+                    <a16:creationId xmlns:a16="http://schemas.microsoft.com/office/drawing/2014/main" xmlns="" id="{ACF55330-7EEC-1F60-35B1-9E160FB359E4}"/>
                   </a:ext>
                 </a:extLst>
               </p14:cNvPr>
@@ -11617,7 +11625,7 @@
               <p14:cNvPr id="7" name="잉크 6">
                 <a:extLst>
                   <a:ext uri="{FF2B5EF4-FFF2-40B4-BE49-F238E27FC236}">
-                    <a16:creationId xmlns:a16="http://schemas.microsoft.com/office/drawing/2014/main" id="{52F40137-862D-FFEF-41F5-C06E2FECD46D}"/>
+                    <a16:creationId xmlns:a16="http://schemas.microsoft.com/office/drawing/2014/main" xmlns="" id="{52F40137-862D-FFEF-41F5-C06E2FECD46D}"/>
                   </a:ext>
                 </a:extLst>
               </p14:cNvPr>
@@ -11668,7 +11676,7 @@
               <p14:cNvPr id="8" name="잉크 7">
                 <a:extLst>
                   <a:ext uri="{FF2B5EF4-FFF2-40B4-BE49-F238E27FC236}">
-                    <a16:creationId xmlns:a16="http://schemas.microsoft.com/office/drawing/2014/main" id="{241F7B67-9ABA-9EEA-A5DF-CDD0877B61EC}"/>
+                    <a16:creationId xmlns:a16="http://schemas.microsoft.com/office/drawing/2014/main" xmlns="" id="{241F7B67-9ABA-9EEA-A5DF-CDD0877B61EC}"/>
                   </a:ext>
                 </a:extLst>
               </p14:cNvPr>
@@ -11719,7 +11727,7 @@
               <p14:cNvPr id="9" name="잉크 8">
                 <a:extLst>
                   <a:ext uri="{FF2B5EF4-FFF2-40B4-BE49-F238E27FC236}">
-                    <a16:creationId xmlns:a16="http://schemas.microsoft.com/office/drawing/2014/main" id="{3FAEDECD-1541-7816-4E89-50F2D22220B3}"/>
+                    <a16:creationId xmlns:a16="http://schemas.microsoft.com/office/drawing/2014/main" xmlns="" id="{3FAEDECD-1541-7816-4E89-50F2D22220B3}"/>
                   </a:ext>
                 </a:extLst>
               </p14:cNvPr>
@@ -11770,7 +11778,7 @@
               <p14:cNvPr id="10" name="잉크 9">
                 <a:extLst>
                   <a:ext uri="{FF2B5EF4-FFF2-40B4-BE49-F238E27FC236}">
-                    <a16:creationId xmlns:a16="http://schemas.microsoft.com/office/drawing/2014/main" id="{95B9D429-C436-BBDA-3E8D-058E9EC9C69D}"/>
+                    <a16:creationId xmlns:a16="http://schemas.microsoft.com/office/drawing/2014/main" xmlns="" id="{95B9D429-C436-BBDA-3E8D-058E9EC9C69D}"/>
                   </a:ext>
                 </a:extLst>
               </p14:cNvPr>
@@ -11821,7 +11829,7 @@
               <p14:cNvPr id="11" name="잉크 10">
                 <a:extLst>
                   <a:ext uri="{FF2B5EF4-FFF2-40B4-BE49-F238E27FC236}">
-                    <a16:creationId xmlns:a16="http://schemas.microsoft.com/office/drawing/2014/main" id="{BD5F4E5F-5349-8967-A5D2-246EDAA79028}"/>
+                    <a16:creationId xmlns:a16="http://schemas.microsoft.com/office/drawing/2014/main" xmlns="" id="{BD5F4E5F-5349-8967-A5D2-246EDAA79028}"/>
                   </a:ext>
                 </a:extLst>
               </p14:cNvPr>
@@ -11872,7 +11880,7 @@
               <p14:cNvPr id="12" name="잉크 11">
                 <a:extLst>
                   <a:ext uri="{FF2B5EF4-FFF2-40B4-BE49-F238E27FC236}">
-                    <a16:creationId xmlns:a16="http://schemas.microsoft.com/office/drawing/2014/main" id="{EE253E4E-C014-778C-735A-C4DF6B5C22E2}"/>
+                    <a16:creationId xmlns:a16="http://schemas.microsoft.com/office/drawing/2014/main" xmlns="" id="{EE253E4E-C014-778C-735A-C4DF6B5C22E2}"/>
                   </a:ext>
                 </a:extLst>
               </p14:cNvPr>
@@ -11923,7 +11931,7 @@
               <p14:cNvPr id="13" name="잉크 12">
                 <a:extLst>
                   <a:ext uri="{FF2B5EF4-FFF2-40B4-BE49-F238E27FC236}">
-                    <a16:creationId xmlns:a16="http://schemas.microsoft.com/office/drawing/2014/main" id="{8E12C45F-902F-D41A-88D7-2AAABDE4975A}"/>
+                    <a16:creationId xmlns:a16="http://schemas.microsoft.com/office/drawing/2014/main" xmlns="" id="{8E12C45F-902F-D41A-88D7-2AAABDE4975A}"/>
                   </a:ext>
                 </a:extLst>
               </p14:cNvPr>
@@ -11974,7 +11982,7 @@
               <p14:cNvPr id="14" name="잉크 13">
                 <a:extLst>
                   <a:ext uri="{FF2B5EF4-FFF2-40B4-BE49-F238E27FC236}">
-                    <a16:creationId xmlns:a16="http://schemas.microsoft.com/office/drawing/2014/main" id="{DA186202-9C12-46BD-A364-973B737D21B8}"/>
+                    <a16:creationId xmlns:a16="http://schemas.microsoft.com/office/drawing/2014/main" xmlns="" id="{DA186202-9C12-46BD-A364-973B737D21B8}"/>
                   </a:ext>
                 </a:extLst>
               </p14:cNvPr>
@@ -12023,7 +12031,7 @@
           <p:cNvPr id="15" name="TextBox 14">
             <a:extLst>
               <a:ext uri="{FF2B5EF4-FFF2-40B4-BE49-F238E27FC236}">
-                <a16:creationId xmlns:a16="http://schemas.microsoft.com/office/drawing/2014/main" id="{5143D1A1-9901-A830-5516-C0442425DB63}"/>
+                <a16:creationId xmlns:a16="http://schemas.microsoft.com/office/drawing/2014/main" xmlns="" id="{5143D1A1-9901-A830-5516-C0442425DB63}"/>
               </a:ext>
             </a:extLst>
           </p:cNvPr>
@@ -12163,7 +12171,7 @@
           <p:cNvPr id="5" name="그림 4">
             <a:extLst>
               <a:ext uri="{FF2B5EF4-FFF2-40B4-BE49-F238E27FC236}">
-                <a16:creationId xmlns:a16="http://schemas.microsoft.com/office/drawing/2014/main" id="{8257F6EF-7BDD-87FE-4D75-2A5058C8A4D8}"/>
+                <a16:creationId xmlns:a16="http://schemas.microsoft.com/office/drawing/2014/main" xmlns="" id="{8257F6EF-7BDD-87FE-4D75-2A5058C8A4D8}"/>
               </a:ext>
             </a:extLst>
           </p:cNvPr>
@@ -12195,7 +12203,7 @@
               <p14:cNvPr id="6" name="잉크 5">
                 <a:extLst>
                   <a:ext uri="{FF2B5EF4-FFF2-40B4-BE49-F238E27FC236}">
-                    <a16:creationId xmlns:a16="http://schemas.microsoft.com/office/drawing/2014/main" id="{B4B98E18-B0DB-D892-909E-24B082C4596C}"/>
+                    <a16:creationId xmlns:a16="http://schemas.microsoft.com/office/drawing/2014/main" xmlns="" id="{B4B98E18-B0DB-D892-909E-24B082C4596C}"/>
                   </a:ext>
                 </a:extLst>
               </p14:cNvPr>
@@ -12246,7 +12254,7 @@
               <p14:cNvPr id="7" name="잉크 6">
                 <a:extLst>
                   <a:ext uri="{FF2B5EF4-FFF2-40B4-BE49-F238E27FC236}">
-                    <a16:creationId xmlns:a16="http://schemas.microsoft.com/office/drawing/2014/main" id="{3E7F6B94-0906-80EA-C0A4-DBE70B629512}"/>
+                    <a16:creationId xmlns:a16="http://schemas.microsoft.com/office/drawing/2014/main" xmlns="" id="{3E7F6B94-0906-80EA-C0A4-DBE70B629512}"/>
                   </a:ext>
                 </a:extLst>
               </p14:cNvPr>
@@ -12295,7 +12303,7 @@
           <p:cNvPr id="9" name="TextBox 8">
             <a:extLst>
               <a:ext uri="{FF2B5EF4-FFF2-40B4-BE49-F238E27FC236}">
-                <a16:creationId xmlns:a16="http://schemas.microsoft.com/office/drawing/2014/main" id="{8C6E6F76-991B-7623-D8B9-A6AC7043FFA1}"/>
+                <a16:creationId xmlns:a16="http://schemas.microsoft.com/office/drawing/2014/main" xmlns="" id="{8C6E6F76-991B-7623-D8B9-A6AC7043FFA1}"/>
               </a:ext>
             </a:extLst>
           </p:cNvPr>
@@ -12554,7 +12562,7 @@
           <p:cNvPr id="3" name="그림 2">
             <a:extLst>
               <a:ext uri="{FF2B5EF4-FFF2-40B4-BE49-F238E27FC236}">
-                <a16:creationId xmlns:a16="http://schemas.microsoft.com/office/drawing/2014/main" id="{CD4ED074-DBF4-49DC-7328-E617E4E1613A}"/>
+                <a16:creationId xmlns:a16="http://schemas.microsoft.com/office/drawing/2014/main" xmlns="" id="{CD4ED074-DBF4-49DC-7328-E617E4E1613A}"/>
               </a:ext>
             </a:extLst>
           </p:cNvPr>
@@ -12586,7 +12594,7 @@
               <p14:cNvPr id="4" name="잉크 3">
                 <a:extLst>
                   <a:ext uri="{FF2B5EF4-FFF2-40B4-BE49-F238E27FC236}">
-                    <a16:creationId xmlns:a16="http://schemas.microsoft.com/office/drawing/2014/main" id="{F4043460-2556-0733-DB08-FC82F5AFF9A6}"/>
+                    <a16:creationId xmlns:a16="http://schemas.microsoft.com/office/drawing/2014/main" xmlns="" id="{F4043460-2556-0733-DB08-FC82F5AFF9A6}"/>
                   </a:ext>
                 </a:extLst>
               </p14:cNvPr>
@@ -12637,7 +12645,7 @@
               <p14:cNvPr id="5" name="잉크 4">
                 <a:extLst>
                   <a:ext uri="{FF2B5EF4-FFF2-40B4-BE49-F238E27FC236}">
-                    <a16:creationId xmlns:a16="http://schemas.microsoft.com/office/drawing/2014/main" id="{D56C7DF3-3B18-964A-A934-7BBECFF79031}"/>
+                    <a16:creationId xmlns:a16="http://schemas.microsoft.com/office/drawing/2014/main" xmlns="" id="{D56C7DF3-3B18-964A-A934-7BBECFF79031}"/>
                   </a:ext>
                 </a:extLst>
               </p14:cNvPr>
@@ -12688,7 +12696,7 @@
               <p14:cNvPr id="6" name="잉크 5">
                 <a:extLst>
                   <a:ext uri="{FF2B5EF4-FFF2-40B4-BE49-F238E27FC236}">
-                    <a16:creationId xmlns:a16="http://schemas.microsoft.com/office/drawing/2014/main" id="{E526777E-5B73-1DC5-313C-C8B83E109ABF}"/>
+                    <a16:creationId xmlns:a16="http://schemas.microsoft.com/office/drawing/2014/main" xmlns="" id="{E526777E-5B73-1DC5-313C-C8B83E109ABF}"/>
                   </a:ext>
                 </a:extLst>
               </p14:cNvPr>
@@ -12737,7 +12745,7 @@
           <p:cNvPr id="8" name="TextBox 7">
             <a:extLst>
               <a:ext uri="{FF2B5EF4-FFF2-40B4-BE49-F238E27FC236}">
-                <a16:creationId xmlns:a16="http://schemas.microsoft.com/office/drawing/2014/main" id="{79F3516E-248F-F7CE-EB28-C5C3C03F5B58}"/>
+                <a16:creationId xmlns:a16="http://schemas.microsoft.com/office/drawing/2014/main" xmlns="" id="{79F3516E-248F-F7CE-EB28-C5C3C03F5B58}"/>
               </a:ext>
             </a:extLst>
           </p:cNvPr>
@@ -13104,7 +13112,7 @@
           <p:cNvPr id="5" name="그림 4">
             <a:extLst>
               <a:ext uri="{FF2B5EF4-FFF2-40B4-BE49-F238E27FC236}">
-                <a16:creationId xmlns:a16="http://schemas.microsoft.com/office/drawing/2014/main" id="{9BE8FF5F-087F-783E-44CD-C3B96687B20A}"/>
+                <a16:creationId xmlns:a16="http://schemas.microsoft.com/office/drawing/2014/main" xmlns="" id="{9BE8FF5F-087F-783E-44CD-C3B96687B20A}"/>
               </a:ext>
             </a:extLst>
           </p:cNvPr>
@@ -13136,7 +13144,7 @@
               <p14:cNvPr id="6" name="잉크 5">
                 <a:extLst>
                   <a:ext uri="{FF2B5EF4-FFF2-40B4-BE49-F238E27FC236}">
-                    <a16:creationId xmlns:a16="http://schemas.microsoft.com/office/drawing/2014/main" id="{960580CF-DB95-9264-4810-8078ABE79084}"/>
+                    <a16:creationId xmlns:a16="http://schemas.microsoft.com/office/drawing/2014/main" xmlns="" id="{960580CF-DB95-9264-4810-8078ABE79084}"/>
                   </a:ext>
                 </a:extLst>
               </p14:cNvPr>
@@ -13187,7 +13195,7 @@
               <p14:cNvPr id="7" name="잉크 6">
                 <a:extLst>
                   <a:ext uri="{FF2B5EF4-FFF2-40B4-BE49-F238E27FC236}">
-                    <a16:creationId xmlns:a16="http://schemas.microsoft.com/office/drawing/2014/main" id="{C7276E9D-D529-23E6-0B0E-C985B6FA5886}"/>
+                    <a16:creationId xmlns:a16="http://schemas.microsoft.com/office/drawing/2014/main" xmlns="" id="{C7276E9D-D529-23E6-0B0E-C985B6FA5886}"/>
                   </a:ext>
                 </a:extLst>
               </p14:cNvPr>
@@ -13238,7 +13246,7 @@
               <p14:cNvPr id="8" name="잉크 7">
                 <a:extLst>
                   <a:ext uri="{FF2B5EF4-FFF2-40B4-BE49-F238E27FC236}">
-                    <a16:creationId xmlns:a16="http://schemas.microsoft.com/office/drawing/2014/main" id="{C0771C37-657D-D859-AFDF-98A5933DD3DD}"/>
+                    <a16:creationId xmlns:a16="http://schemas.microsoft.com/office/drawing/2014/main" xmlns="" id="{C0771C37-657D-D859-AFDF-98A5933DD3DD}"/>
                   </a:ext>
                 </a:extLst>
               </p14:cNvPr>
@@ -13287,7 +13295,7 @@
           <p:cNvPr id="9" name="TextBox 8">
             <a:extLst>
               <a:ext uri="{FF2B5EF4-FFF2-40B4-BE49-F238E27FC236}">
-                <a16:creationId xmlns:a16="http://schemas.microsoft.com/office/drawing/2014/main" id="{62BFBF85-1261-5B22-D7F9-4BF56D897BB1}"/>
+                <a16:creationId xmlns:a16="http://schemas.microsoft.com/office/drawing/2014/main" xmlns="" id="{62BFBF85-1261-5B22-D7F9-4BF56D897BB1}"/>
               </a:ext>
             </a:extLst>
           </p:cNvPr>
@@ -14029,7 +14037,7 @@
           <p:cNvPr id="7" name="그림 6">
             <a:extLst>
               <a:ext uri="{FF2B5EF4-FFF2-40B4-BE49-F238E27FC236}">
-                <a16:creationId xmlns:a16="http://schemas.microsoft.com/office/drawing/2014/main" id="{5985293A-C13C-F741-6F62-40A9EA911788}"/>
+                <a16:creationId xmlns:a16="http://schemas.microsoft.com/office/drawing/2014/main" xmlns="" id="{5985293A-C13C-F741-6F62-40A9EA911788}"/>
               </a:ext>
             </a:extLst>
           </p:cNvPr>
@@ -14061,7 +14069,7 @@
               <p14:cNvPr id="8" name="잉크 7">
                 <a:extLst>
                   <a:ext uri="{FF2B5EF4-FFF2-40B4-BE49-F238E27FC236}">
-                    <a16:creationId xmlns:a16="http://schemas.microsoft.com/office/drawing/2014/main" id="{BDD530D9-C511-3912-669F-A5F80BD42F9E}"/>
+                    <a16:creationId xmlns:a16="http://schemas.microsoft.com/office/drawing/2014/main" xmlns="" id="{BDD530D9-C511-3912-669F-A5F80BD42F9E}"/>
                   </a:ext>
                 </a:extLst>
               </p14:cNvPr>
@@ -14112,7 +14120,7 @@
               <p14:cNvPr id="9" name="잉크 8">
                 <a:extLst>
                   <a:ext uri="{FF2B5EF4-FFF2-40B4-BE49-F238E27FC236}">
-                    <a16:creationId xmlns:a16="http://schemas.microsoft.com/office/drawing/2014/main" id="{7D4595D7-0317-4B90-2C23-F43472FA5A4A}"/>
+                    <a16:creationId xmlns:a16="http://schemas.microsoft.com/office/drawing/2014/main" xmlns="" id="{7D4595D7-0317-4B90-2C23-F43472FA5A4A}"/>
                   </a:ext>
                 </a:extLst>
               </p14:cNvPr>
@@ -14163,7 +14171,7 @@
               <p14:cNvPr id="10" name="잉크 9">
                 <a:extLst>
                   <a:ext uri="{FF2B5EF4-FFF2-40B4-BE49-F238E27FC236}">
-                    <a16:creationId xmlns:a16="http://schemas.microsoft.com/office/drawing/2014/main" id="{577C7C2B-411B-1E34-DBAF-F40311D332E4}"/>
+                    <a16:creationId xmlns:a16="http://schemas.microsoft.com/office/drawing/2014/main" xmlns="" id="{577C7C2B-411B-1E34-DBAF-F40311D332E4}"/>
                   </a:ext>
                 </a:extLst>
               </p14:cNvPr>
@@ -14212,7 +14220,7 @@
           <p:cNvPr id="11" name="TextBox 10">
             <a:extLst>
               <a:ext uri="{FF2B5EF4-FFF2-40B4-BE49-F238E27FC236}">
-                <a16:creationId xmlns:a16="http://schemas.microsoft.com/office/drawing/2014/main" id="{B7DA8C23-F656-0E3B-6F14-1B04F5D25AB2}"/>
+                <a16:creationId xmlns:a16="http://schemas.microsoft.com/office/drawing/2014/main" xmlns="" id="{B7DA8C23-F656-0E3B-6F14-1B04F5D25AB2}"/>
               </a:ext>
             </a:extLst>
           </p:cNvPr>
@@ -14849,7 +14857,7 @@
           <p:cNvPr id="3" name="그림 2">
             <a:extLst>
               <a:ext uri="{FF2B5EF4-FFF2-40B4-BE49-F238E27FC236}">
-                <a16:creationId xmlns:a16="http://schemas.microsoft.com/office/drawing/2014/main" id="{375E904D-932E-EC94-EEC2-9E2A05F4B9EC}"/>
+                <a16:creationId xmlns:a16="http://schemas.microsoft.com/office/drawing/2014/main" xmlns="" id="{375E904D-932E-EC94-EEC2-9E2A05F4B9EC}"/>
               </a:ext>
             </a:extLst>
           </p:cNvPr>
@@ -14881,7 +14889,7 @@
               <p14:cNvPr id="4" name="잉크 3">
                 <a:extLst>
                   <a:ext uri="{FF2B5EF4-FFF2-40B4-BE49-F238E27FC236}">
-                    <a16:creationId xmlns:a16="http://schemas.microsoft.com/office/drawing/2014/main" id="{067FEC03-9B9E-9993-9585-7113BC8A510D}"/>
+                    <a16:creationId xmlns:a16="http://schemas.microsoft.com/office/drawing/2014/main" xmlns="" id="{067FEC03-9B9E-9993-9585-7113BC8A510D}"/>
                   </a:ext>
                 </a:extLst>
               </p14:cNvPr>
@@ -14932,7 +14940,7 @@
               <p14:cNvPr id="5" name="잉크 4">
                 <a:extLst>
                   <a:ext uri="{FF2B5EF4-FFF2-40B4-BE49-F238E27FC236}">
-                    <a16:creationId xmlns:a16="http://schemas.microsoft.com/office/drawing/2014/main" id="{972733AA-E269-F8F9-5A4B-F272129FF081}"/>
+                    <a16:creationId xmlns:a16="http://schemas.microsoft.com/office/drawing/2014/main" xmlns="" id="{972733AA-E269-F8F9-5A4B-F272129FF081}"/>
                   </a:ext>
                 </a:extLst>
               </p14:cNvPr>
@@ -14983,7 +14991,7 @@
               <p14:cNvPr id="6" name="잉크 5">
                 <a:extLst>
                   <a:ext uri="{FF2B5EF4-FFF2-40B4-BE49-F238E27FC236}">
-                    <a16:creationId xmlns:a16="http://schemas.microsoft.com/office/drawing/2014/main" id="{B7297E12-387E-B87B-D155-D6A650F09BF4}"/>
+                    <a16:creationId xmlns:a16="http://schemas.microsoft.com/office/drawing/2014/main" xmlns="" id="{B7297E12-387E-B87B-D155-D6A650F09BF4}"/>
                   </a:ext>
                 </a:extLst>
               </p14:cNvPr>
@@ -15032,7 +15040,7 @@
           <p:cNvPr id="8" name="TextBox 7">
             <a:extLst>
               <a:ext uri="{FF2B5EF4-FFF2-40B4-BE49-F238E27FC236}">
-                <a16:creationId xmlns:a16="http://schemas.microsoft.com/office/drawing/2014/main" id="{98351BF2-EF3D-AF6C-ACDD-B39D732FB331}"/>
+                <a16:creationId xmlns:a16="http://schemas.microsoft.com/office/drawing/2014/main" xmlns="" id="{98351BF2-EF3D-AF6C-ACDD-B39D732FB331}"/>
               </a:ext>
             </a:extLst>
           </p:cNvPr>
@@ -15489,7 +15497,7 @@
           <p:cNvPr id="3" name="그림 2">
             <a:extLst>
               <a:ext uri="{FF2B5EF4-FFF2-40B4-BE49-F238E27FC236}">
-                <a16:creationId xmlns:a16="http://schemas.microsoft.com/office/drawing/2014/main" id="{20D82E4F-5259-C1CA-65EF-FFAE5112962E}"/>
+                <a16:creationId xmlns:a16="http://schemas.microsoft.com/office/drawing/2014/main" xmlns="" id="{20D82E4F-5259-C1CA-65EF-FFAE5112962E}"/>
               </a:ext>
             </a:extLst>
           </p:cNvPr>
@@ -15521,7 +15529,7 @@
               <p14:cNvPr id="4" name="잉크 3">
                 <a:extLst>
                   <a:ext uri="{FF2B5EF4-FFF2-40B4-BE49-F238E27FC236}">
-                    <a16:creationId xmlns:a16="http://schemas.microsoft.com/office/drawing/2014/main" id="{E2F6044D-2E7D-91F3-9F5C-83CCEF881DEA}"/>
+                    <a16:creationId xmlns:a16="http://schemas.microsoft.com/office/drawing/2014/main" xmlns="" id="{E2F6044D-2E7D-91F3-9F5C-83CCEF881DEA}"/>
                   </a:ext>
                 </a:extLst>
               </p14:cNvPr>
@@ -15572,7 +15580,7 @@
               <p14:cNvPr id="5" name="잉크 4">
                 <a:extLst>
                   <a:ext uri="{FF2B5EF4-FFF2-40B4-BE49-F238E27FC236}">
-                    <a16:creationId xmlns:a16="http://schemas.microsoft.com/office/drawing/2014/main" id="{B190A727-B43B-E526-245E-225C6F1FEC89}"/>
+                    <a16:creationId xmlns:a16="http://schemas.microsoft.com/office/drawing/2014/main" xmlns="" id="{B190A727-B43B-E526-245E-225C6F1FEC89}"/>
                   </a:ext>
                 </a:extLst>
               </p14:cNvPr>
@@ -15623,7 +15631,7 @@
               <p14:cNvPr id="6" name="잉크 5">
                 <a:extLst>
                   <a:ext uri="{FF2B5EF4-FFF2-40B4-BE49-F238E27FC236}">
-                    <a16:creationId xmlns:a16="http://schemas.microsoft.com/office/drawing/2014/main" id="{D23E4B20-00D1-7D52-A8C2-5527308F2E5B}"/>
+                    <a16:creationId xmlns:a16="http://schemas.microsoft.com/office/drawing/2014/main" xmlns="" id="{D23E4B20-00D1-7D52-A8C2-5527308F2E5B}"/>
                   </a:ext>
                 </a:extLst>
               </p14:cNvPr>
@@ -15674,7 +15682,7 @@
               <p14:cNvPr id="7" name="잉크 6">
                 <a:extLst>
                   <a:ext uri="{FF2B5EF4-FFF2-40B4-BE49-F238E27FC236}">
-                    <a16:creationId xmlns:a16="http://schemas.microsoft.com/office/drawing/2014/main" id="{96D7EF2A-E4F6-AED8-25A1-C3E6FCC7095A}"/>
+                    <a16:creationId xmlns:a16="http://schemas.microsoft.com/office/drawing/2014/main" xmlns="" id="{96D7EF2A-E4F6-AED8-25A1-C3E6FCC7095A}"/>
                   </a:ext>
                 </a:extLst>
               </p14:cNvPr>
@@ -15723,7 +15731,7 @@
           <p:cNvPr id="8" name="TextBox 7">
             <a:extLst>
               <a:ext uri="{FF2B5EF4-FFF2-40B4-BE49-F238E27FC236}">
-                <a16:creationId xmlns:a16="http://schemas.microsoft.com/office/drawing/2014/main" id="{991EF84C-714D-A8C0-9550-8AA575ABBEA8}"/>
+                <a16:creationId xmlns:a16="http://schemas.microsoft.com/office/drawing/2014/main" xmlns="" id="{991EF84C-714D-A8C0-9550-8AA575ABBEA8}"/>
               </a:ext>
             </a:extLst>
           </p:cNvPr>
@@ -16218,7 +16226,7 @@
           <p:cNvPr id="3" name="그림 2">
             <a:extLst>
               <a:ext uri="{FF2B5EF4-FFF2-40B4-BE49-F238E27FC236}">
-                <a16:creationId xmlns:a16="http://schemas.microsoft.com/office/drawing/2014/main" id="{D02C5F9E-6BB8-0040-FBAB-A070BDD1B2D4}"/>
+                <a16:creationId xmlns:a16="http://schemas.microsoft.com/office/drawing/2014/main" xmlns="" id="{D02C5F9E-6BB8-0040-FBAB-A070BDD1B2D4}"/>
               </a:ext>
             </a:extLst>
           </p:cNvPr>
@@ -16250,7 +16258,7 @@
               <p14:cNvPr id="4" name="잉크 3">
                 <a:extLst>
                   <a:ext uri="{FF2B5EF4-FFF2-40B4-BE49-F238E27FC236}">
-                    <a16:creationId xmlns:a16="http://schemas.microsoft.com/office/drawing/2014/main" id="{2243AE5C-8129-9299-5373-B86129338927}"/>
+                    <a16:creationId xmlns:a16="http://schemas.microsoft.com/office/drawing/2014/main" xmlns="" id="{2243AE5C-8129-9299-5373-B86129338927}"/>
                   </a:ext>
                 </a:extLst>
               </p14:cNvPr>
@@ -16301,7 +16309,7 @@
               <p14:cNvPr id="5" name="잉크 4">
                 <a:extLst>
                   <a:ext uri="{FF2B5EF4-FFF2-40B4-BE49-F238E27FC236}">
-                    <a16:creationId xmlns:a16="http://schemas.microsoft.com/office/drawing/2014/main" id="{3611E315-460B-29A8-D6B1-EC5E76B72346}"/>
+                    <a16:creationId xmlns:a16="http://schemas.microsoft.com/office/drawing/2014/main" xmlns="" id="{3611E315-460B-29A8-D6B1-EC5E76B72346}"/>
                   </a:ext>
                 </a:extLst>
               </p14:cNvPr>
@@ -16352,7 +16360,7 @@
               <p14:cNvPr id="6" name="잉크 5">
                 <a:extLst>
                   <a:ext uri="{FF2B5EF4-FFF2-40B4-BE49-F238E27FC236}">
-                    <a16:creationId xmlns:a16="http://schemas.microsoft.com/office/drawing/2014/main" id="{91026BF2-F190-8DBC-DFC9-9E983419B5E5}"/>
+                    <a16:creationId xmlns:a16="http://schemas.microsoft.com/office/drawing/2014/main" xmlns="" id="{91026BF2-F190-8DBC-DFC9-9E983419B5E5}"/>
                   </a:ext>
                 </a:extLst>
               </p14:cNvPr>
@@ -16401,7 +16409,7 @@
           <p:cNvPr id="8" name="TextBox 7">
             <a:extLst>
               <a:ext uri="{FF2B5EF4-FFF2-40B4-BE49-F238E27FC236}">
-                <a16:creationId xmlns:a16="http://schemas.microsoft.com/office/drawing/2014/main" id="{D93C4090-C919-C2B2-6F28-C75941AC6268}"/>
+                <a16:creationId xmlns:a16="http://schemas.microsoft.com/office/drawing/2014/main" xmlns="" id="{D93C4090-C919-C2B2-6F28-C75941AC6268}"/>
               </a:ext>
             </a:extLst>
           </p:cNvPr>
@@ -16635,7 +16643,7 @@
           <p:cNvPr id="4" name="그림 3">
             <a:extLst>
               <a:ext uri="{FF2B5EF4-FFF2-40B4-BE49-F238E27FC236}">
-                <a16:creationId xmlns:a16="http://schemas.microsoft.com/office/drawing/2014/main" id="{DEF0F28F-C6EE-C5CB-B2B2-20C5DDF730B3}"/>
+                <a16:creationId xmlns:a16="http://schemas.microsoft.com/office/drawing/2014/main" xmlns="" id="{DEF0F28F-C6EE-C5CB-B2B2-20C5DDF730B3}"/>
               </a:ext>
             </a:extLst>
           </p:cNvPr>
@@ -16667,7 +16675,7 @@
               <p14:cNvPr id="6" name="잉크 5">
                 <a:extLst>
                   <a:ext uri="{FF2B5EF4-FFF2-40B4-BE49-F238E27FC236}">
-                    <a16:creationId xmlns:a16="http://schemas.microsoft.com/office/drawing/2014/main" id="{649B27B7-5AC2-FF3C-9C5A-BBA4A3FDA707}"/>
+                    <a16:creationId xmlns:a16="http://schemas.microsoft.com/office/drawing/2014/main" xmlns="" id="{649B27B7-5AC2-FF3C-9C5A-BBA4A3FDA707}"/>
                   </a:ext>
                 </a:extLst>
               </p14:cNvPr>
@@ -16718,7 +16726,7 @@
               <p14:cNvPr id="7" name="잉크 6">
                 <a:extLst>
                   <a:ext uri="{FF2B5EF4-FFF2-40B4-BE49-F238E27FC236}">
-                    <a16:creationId xmlns:a16="http://schemas.microsoft.com/office/drawing/2014/main" id="{C892663F-7D8A-DC12-083A-3F837C2F2851}"/>
+                    <a16:creationId xmlns:a16="http://schemas.microsoft.com/office/drawing/2014/main" xmlns="" id="{C892663F-7D8A-DC12-083A-3F837C2F2851}"/>
                   </a:ext>
                 </a:extLst>
               </p14:cNvPr>
@@ -16769,7 +16777,7 @@
               <p14:cNvPr id="8" name="잉크 7">
                 <a:extLst>
                   <a:ext uri="{FF2B5EF4-FFF2-40B4-BE49-F238E27FC236}">
-                    <a16:creationId xmlns:a16="http://schemas.microsoft.com/office/drawing/2014/main" id="{462A9560-CD73-2E5C-C9E9-83A87D3599A3}"/>
+                    <a16:creationId xmlns:a16="http://schemas.microsoft.com/office/drawing/2014/main" xmlns="" id="{462A9560-CD73-2E5C-C9E9-83A87D3599A3}"/>
                   </a:ext>
                 </a:extLst>
               </p14:cNvPr>
@@ -16820,7 +16828,7 @@
               <p14:cNvPr id="9" name="잉크 8">
                 <a:extLst>
                   <a:ext uri="{FF2B5EF4-FFF2-40B4-BE49-F238E27FC236}">
-                    <a16:creationId xmlns:a16="http://schemas.microsoft.com/office/drawing/2014/main" id="{85EEFFA0-69B0-2A29-53C4-F8E12F8DC072}"/>
+                    <a16:creationId xmlns:a16="http://schemas.microsoft.com/office/drawing/2014/main" xmlns="" id="{85EEFFA0-69B0-2A29-53C4-F8E12F8DC072}"/>
                   </a:ext>
                 </a:extLst>
               </p14:cNvPr>
@@ -16871,7 +16879,7 @@
               <p14:cNvPr id="11" name="잉크 10">
                 <a:extLst>
                   <a:ext uri="{FF2B5EF4-FFF2-40B4-BE49-F238E27FC236}">
-                    <a16:creationId xmlns:a16="http://schemas.microsoft.com/office/drawing/2014/main" id="{50732E97-17A8-B24B-267B-B8C269C63C61}"/>
+                    <a16:creationId xmlns:a16="http://schemas.microsoft.com/office/drawing/2014/main" xmlns="" id="{50732E97-17A8-B24B-267B-B8C269C63C61}"/>
                   </a:ext>
                 </a:extLst>
               </p14:cNvPr>
@@ -16922,7 +16930,7 @@
               <p14:cNvPr id="12" name="잉크 11">
                 <a:extLst>
                   <a:ext uri="{FF2B5EF4-FFF2-40B4-BE49-F238E27FC236}">
-                    <a16:creationId xmlns:a16="http://schemas.microsoft.com/office/drawing/2014/main" id="{176742EF-BF6C-0090-2651-A03D146B6E71}"/>
+                    <a16:creationId xmlns:a16="http://schemas.microsoft.com/office/drawing/2014/main" xmlns="" id="{176742EF-BF6C-0090-2651-A03D146B6E71}"/>
                   </a:ext>
                 </a:extLst>
               </p14:cNvPr>
@@ -16973,7 +16981,7 @@
               <p14:cNvPr id="13" name="잉크 12">
                 <a:extLst>
                   <a:ext uri="{FF2B5EF4-FFF2-40B4-BE49-F238E27FC236}">
-                    <a16:creationId xmlns:a16="http://schemas.microsoft.com/office/drawing/2014/main" id="{AA52AA87-4EFC-7DB6-2842-10A993CA271D}"/>
+                    <a16:creationId xmlns:a16="http://schemas.microsoft.com/office/drawing/2014/main" xmlns="" id="{AA52AA87-4EFC-7DB6-2842-10A993CA271D}"/>
                   </a:ext>
                 </a:extLst>
               </p14:cNvPr>
@@ -17024,7 +17032,7 @@
               <p14:cNvPr id="14" name="잉크 13">
                 <a:extLst>
                   <a:ext uri="{FF2B5EF4-FFF2-40B4-BE49-F238E27FC236}">
-                    <a16:creationId xmlns:a16="http://schemas.microsoft.com/office/drawing/2014/main" id="{25DC5677-7E91-49F6-158E-375EDC6F59C8}"/>
+                    <a16:creationId xmlns:a16="http://schemas.microsoft.com/office/drawing/2014/main" xmlns="" id="{25DC5677-7E91-49F6-158E-375EDC6F59C8}"/>
                   </a:ext>
                 </a:extLst>
               </p14:cNvPr>
@@ -17075,7 +17083,7 @@
               <p14:cNvPr id="15" name="잉크 14">
                 <a:extLst>
                   <a:ext uri="{FF2B5EF4-FFF2-40B4-BE49-F238E27FC236}">
-                    <a16:creationId xmlns:a16="http://schemas.microsoft.com/office/drawing/2014/main" id="{3D215B90-1451-C6C0-1DC0-1B8BD4AA009B}"/>
+                    <a16:creationId xmlns:a16="http://schemas.microsoft.com/office/drawing/2014/main" xmlns="" id="{3D215B90-1451-C6C0-1DC0-1B8BD4AA009B}"/>
                   </a:ext>
                 </a:extLst>
               </p14:cNvPr>
@@ -17124,7 +17132,7 @@
           <p:cNvPr id="16" name="TextBox 15">
             <a:extLst>
               <a:ext uri="{FF2B5EF4-FFF2-40B4-BE49-F238E27FC236}">
-                <a16:creationId xmlns:a16="http://schemas.microsoft.com/office/drawing/2014/main" id="{67E4CAB5-4C17-113A-9803-1278EAACDAE0}"/>
+                <a16:creationId xmlns:a16="http://schemas.microsoft.com/office/drawing/2014/main" xmlns="" id="{67E4CAB5-4C17-113A-9803-1278EAACDAE0}"/>
               </a:ext>
             </a:extLst>
           </p:cNvPr>
@@ -17264,7 +17272,7 @@
           <p:cNvPr id="5" name="그림 4">
             <a:extLst>
               <a:ext uri="{FF2B5EF4-FFF2-40B4-BE49-F238E27FC236}">
-                <a16:creationId xmlns:a16="http://schemas.microsoft.com/office/drawing/2014/main" id="{8257F6EF-7BDD-87FE-4D75-2A5058C8A4D8}"/>
+                <a16:creationId xmlns:a16="http://schemas.microsoft.com/office/drawing/2014/main" xmlns="" id="{8257F6EF-7BDD-87FE-4D75-2A5058C8A4D8}"/>
               </a:ext>
             </a:extLst>
           </p:cNvPr>
@@ -17296,7 +17304,7 @@
               <p14:cNvPr id="2" name="잉크 1">
                 <a:extLst>
                   <a:ext uri="{FF2B5EF4-FFF2-40B4-BE49-F238E27FC236}">
-                    <a16:creationId xmlns:a16="http://schemas.microsoft.com/office/drawing/2014/main" id="{DB9A8BA7-6977-D5B7-08C4-891335BE0046}"/>
+                    <a16:creationId xmlns:a16="http://schemas.microsoft.com/office/drawing/2014/main" xmlns="" id="{DB9A8BA7-6977-D5B7-08C4-891335BE0046}"/>
                   </a:ext>
                 </a:extLst>
               </p14:cNvPr>
@@ -17345,7 +17353,7 @@
           <p:cNvPr id="3" name="TextBox 2">
             <a:extLst>
               <a:ext uri="{FF2B5EF4-FFF2-40B4-BE49-F238E27FC236}">
-                <a16:creationId xmlns:a16="http://schemas.microsoft.com/office/drawing/2014/main" id="{5C88F0CD-6FFF-0175-2633-D2DED7AFA389}"/>
+                <a16:creationId xmlns:a16="http://schemas.microsoft.com/office/drawing/2014/main" xmlns="" id="{5C88F0CD-6FFF-0175-2633-D2DED7AFA389}"/>
               </a:ext>
             </a:extLst>
           </p:cNvPr>
@@ -17594,7 +17602,7 @@
           <p:cNvPr id="3" name="그림 2">
             <a:extLst>
               <a:ext uri="{FF2B5EF4-FFF2-40B4-BE49-F238E27FC236}">
-                <a16:creationId xmlns:a16="http://schemas.microsoft.com/office/drawing/2014/main" id="{00D005F7-A081-D78B-D729-1A542692DE9C}"/>
+                <a16:creationId xmlns:a16="http://schemas.microsoft.com/office/drawing/2014/main" xmlns="" id="{00D005F7-A081-D78B-D729-1A542692DE9C}"/>
               </a:ext>
             </a:extLst>
           </p:cNvPr>
@@ -17624,7 +17632,7 @@
           <p:cNvPr id="4" name="TextBox 3">
             <a:extLst>
               <a:ext uri="{FF2B5EF4-FFF2-40B4-BE49-F238E27FC236}">
-                <a16:creationId xmlns:a16="http://schemas.microsoft.com/office/drawing/2014/main" id="{1823544F-D66F-FF94-8999-54A4A5C0F773}"/>
+                <a16:creationId xmlns:a16="http://schemas.microsoft.com/office/drawing/2014/main" xmlns="" id="{1823544F-D66F-FF94-8999-54A4A5C0F773}"/>
               </a:ext>
             </a:extLst>
           </p:cNvPr>
@@ -17768,7 +17776,7 @@
               <p14:cNvPr id="5" name="잉크 4">
                 <a:extLst>
                   <a:ext uri="{FF2B5EF4-FFF2-40B4-BE49-F238E27FC236}">
-                    <a16:creationId xmlns:a16="http://schemas.microsoft.com/office/drawing/2014/main" id="{31B508E5-8625-8771-7B3F-3FB9F7B3334E}"/>
+                    <a16:creationId xmlns:a16="http://schemas.microsoft.com/office/drawing/2014/main" xmlns="" id="{31B508E5-8625-8771-7B3F-3FB9F7B3334E}"/>
                   </a:ext>
                 </a:extLst>
               </p14:cNvPr>
@@ -17819,7 +17827,7 @@
               <p14:cNvPr id="6" name="잉크 5">
                 <a:extLst>
                   <a:ext uri="{FF2B5EF4-FFF2-40B4-BE49-F238E27FC236}">
-                    <a16:creationId xmlns:a16="http://schemas.microsoft.com/office/drawing/2014/main" id="{69527CAA-AC3D-79F6-5F8E-D1320DEE69DA}"/>
+                    <a16:creationId xmlns:a16="http://schemas.microsoft.com/office/drawing/2014/main" xmlns="" id="{69527CAA-AC3D-79F6-5F8E-D1320DEE69DA}"/>
                   </a:ext>
                 </a:extLst>
               </p14:cNvPr>
@@ -17898,7 +17906,7 @@
           <p:cNvPr id="5" name="그림 4">
             <a:extLst>
               <a:ext uri="{FF2B5EF4-FFF2-40B4-BE49-F238E27FC236}">
-                <a16:creationId xmlns:a16="http://schemas.microsoft.com/office/drawing/2014/main" id="{98D64527-A2AA-F48E-CCC4-8E2DB938788F}"/>
+                <a16:creationId xmlns:a16="http://schemas.microsoft.com/office/drawing/2014/main" xmlns="" id="{98D64527-A2AA-F48E-CCC4-8E2DB938788F}"/>
               </a:ext>
             </a:extLst>
           </p:cNvPr>
@@ -17930,7 +17938,7 @@
               <p14:cNvPr id="6" name="잉크 5">
                 <a:extLst>
                   <a:ext uri="{FF2B5EF4-FFF2-40B4-BE49-F238E27FC236}">
-                    <a16:creationId xmlns:a16="http://schemas.microsoft.com/office/drawing/2014/main" id="{2058D09D-B68A-A1F3-8A20-8E4FDEFAC312}"/>
+                    <a16:creationId xmlns:a16="http://schemas.microsoft.com/office/drawing/2014/main" xmlns="" id="{2058D09D-B68A-A1F3-8A20-8E4FDEFAC312}"/>
                   </a:ext>
                 </a:extLst>
               </p14:cNvPr>
@@ -17981,7 +17989,7 @@
               <p14:cNvPr id="7" name="잉크 6">
                 <a:extLst>
                   <a:ext uri="{FF2B5EF4-FFF2-40B4-BE49-F238E27FC236}">
-                    <a16:creationId xmlns:a16="http://schemas.microsoft.com/office/drawing/2014/main" id="{B8FBF872-E490-CB49-16A4-74086CF158E5}"/>
+                    <a16:creationId xmlns:a16="http://schemas.microsoft.com/office/drawing/2014/main" xmlns="" id="{B8FBF872-E490-CB49-16A4-74086CF158E5}"/>
                   </a:ext>
                 </a:extLst>
               </p14:cNvPr>
@@ -18032,7 +18040,7 @@
               <p14:cNvPr id="8" name="잉크 7">
                 <a:extLst>
                   <a:ext uri="{FF2B5EF4-FFF2-40B4-BE49-F238E27FC236}">
-                    <a16:creationId xmlns:a16="http://schemas.microsoft.com/office/drawing/2014/main" id="{E40CD2EE-A3BD-444C-670F-3C700263381C}"/>
+                    <a16:creationId xmlns:a16="http://schemas.microsoft.com/office/drawing/2014/main" xmlns="" id="{E40CD2EE-A3BD-444C-670F-3C700263381C}"/>
                   </a:ext>
                 </a:extLst>
               </p14:cNvPr>
@@ -18081,7 +18089,7 @@
           <p:cNvPr id="9" name="TextBox 8">
             <a:extLst>
               <a:ext uri="{FF2B5EF4-FFF2-40B4-BE49-F238E27FC236}">
-                <a16:creationId xmlns:a16="http://schemas.microsoft.com/office/drawing/2014/main" id="{091D67DC-F7C8-EAC8-92EA-9F3F94EA7437}"/>
+                <a16:creationId xmlns:a16="http://schemas.microsoft.com/office/drawing/2014/main" xmlns="" id="{091D67DC-F7C8-EAC8-92EA-9F3F94EA7437}"/>
               </a:ext>
             </a:extLst>
           </p:cNvPr>
@@ -18700,7 +18708,7 @@
           <p:cNvPr id="3" name="그림 2">
             <a:extLst>
               <a:ext uri="{FF2B5EF4-FFF2-40B4-BE49-F238E27FC236}">
-                <a16:creationId xmlns:a16="http://schemas.microsoft.com/office/drawing/2014/main" id="{EE26D6A3-C417-B4C4-A990-F0E28DE73C38}"/>
+                <a16:creationId xmlns:a16="http://schemas.microsoft.com/office/drawing/2014/main" xmlns="" id="{EE26D6A3-C417-B4C4-A990-F0E28DE73C38}"/>
               </a:ext>
             </a:extLst>
           </p:cNvPr>
@@ -18730,7 +18738,7 @@
           <p:cNvPr id="8" name="TextBox 7">
             <a:extLst>
               <a:ext uri="{FF2B5EF4-FFF2-40B4-BE49-F238E27FC236}">
-                <a16:creationId xmlns:a16="http://schemas.microsoft.com/office/drawing/2014/main" id="{C1B636A9-75DB-157B-034A-BD53FC62101E}"/>
+                <a16:creationId xmlns:a16="http://schemas.microsoft.com/office/drawing/2014/main" xmlns="" id="{C1B636A9-75DB-157B-034A-BD53FC62101E}"/>
               </a:ext>
             </a:extLst>
           </p:cNvPr>
@@ -19116,14 +19124,14 @@
           </a:p>
         </p:txBody>
       </p:sp>
-      <mc:AlternateContent xmlns:mc="http://schemas.openxmlformats.org/markup-compatibility/2006">
-        <mc:Choice xmlns:p14="http://schemas.microsoft.com/office/powerpoint/2010/main" Requires="p14">
+      <mc:AlternateContent xmlns:mc="http://schemas.openxmlformats.org/markup-compatibility/2006" xmlns:p14="http://schemas.microsoft.com/office/powerpoint/2010/main">
+        <mc:Choice Requires="p14">
           <p:contentPart p14:bwMode="auto" r:id="rId3">
             <p14:nvContentPartPr>
               <p14:cNvPr id="9" name="잉크 8">
                 <a:extLst>
                   <a:ext uri="{FF2B5EF4-FFF2-40B4-BE49-F238E27FC236}">
-                    <a16:creationId xmlns:a16="http://schemas.microsoft.com/office/drawing/2014/main" id="{D42950F2-9F5C-AEE1-40A9-4D1BE1D57A5F}"/>
+                    <a16:creationId xmlns:a16="http://schemas.microsoft.com/office/drawing/2014/main" xmlns="" id="{D42950F2-9F5C-AEE1-40A9-4D1BE1D57A5F}"/>
                   </a:ext>
                 </a:extLst>
               </p14:cNvPr>
@@ -19136,7 +19144,7 @@
             </p14:xfrm>
           </p:contentPart>
         </mc:Choice>
-        <mc:Fallback>
+        <mc:Fallback xmlns="">
           <p:pic>
             <p:nvPicPr>
               <p:cNvPr id="9" name="잉크 8">
@@ -19167,14 +19175,14 @@
           </p:pic>
         </mc:Fallback>
       </mc:AlternateContent>
-      <mc:AlternateContent xmlns:mc="http://schemas.openxmlformats.org/markup-compatibility/2006">
-        <mc:Choice xmlns:p14="http://schemas.microsoft.com/office/powerpoint/2010/main" Requires="p14">
+      <mc:AlternateContent xmlns:mc="http://schemas.openxmlformats.org/markup-compatibility/2006" xmlns:p14="http://schemas.microsoft.com/office/powerpoint/2010/main">
+        <mc:Choice Requires="p14">
           <p:contentPart p14:bwMode="auto" r:id="rId5">
             <p14:nvContentPartPr>
               <p14:cNvPr id="11" name="잉크 10">
                 <a:extLst>
                   <a:ext uri="{FF2B5EF4-FFF2-40B4-BE49-F238E27FC236}">
-                    <a16:creationId xmlns:a16="http://schemas.microsoft.com/office/drawing/2014/main" id="{D68C216C-9B66-9F79-CD9F-E5D68BC1F560}"/>
+                    <a16:creationId xmlns:a16="http://schemas.microsoft.com/office/drawing/2014/main" xmlns="" id="{D68C216C-9B66-9F79-CD9F-E5D68BC1F560}"/>
                   </a:ext>
                 </a:extLst>
               </p14:cNvPr>
@@ -19187,7 +19195,7 @@
             </p14:xfrm>
           </p:contentPart>
         </mc:Choice>
-        <mc:Fallback>
+        <mc:Fallback xmlns="">
           <p:pic>
             <p:nvPicPr>
               <p:cNvPr id="11" name="잉크 10">
@@ -19231,6 +19239,84 @@
 </p:sld>
 </file>
 
+<file path=ppt/slides/slide32.xml><?xml version="1.0" encoding="utf-8"?>
+<p:sld xmlns:a="http://schemas.openxmlformats.org/drawingml/2006/main" xmlns:r="http://schemas.openxmlformats.org/officeDocument/2006/relationships" xmlns:p="http://schemas.openxmlformats.org/presentationml/2006/main">
+  <p:cSld>
+    <p:spTree>
+      <p:nvGrpSpPr>
+        <p:cNvPr id="1" name=""/>
+        <p:cNvGrpSpPr/>
+        <p:nvPr/>
+      </p:nvGrpSpPr>
+      <p:grpSpPr>
+        <a:xfrm>
+          <a:off x="0" y="0"/>
+          <a:ext cx="0" cy="0"/>
+          <a:chOff x="0" y="0"/>
+          <a:chExt cx="0" cy="0"/>
+        </a:xfrm>
+      </p:grpSpPr>
+      <p:pic>
+        <p:nvPicPr>
+          <p:cNvPr id="2" name="그림 1"/>
+          <p:cNvPicPr>
+            <a:picLocks noChangeAspect="1"/>
+          </p:cNvPicPr>
+          <p:nvPr/>
+        </p:nvPicPr>
+        <p:blipFill>
+          <a:blip r:embed="rId2"/>
+          <a:stretch>
+            <a:fillRect/>
+          </a:stretch>
+        </p:blipFill>
+        <p:spPr>
+          <a:xfrm>
+            <a:off x="250435" y="280219"/>
+            <a:ext cx="4483797" cy="6304597"/>
+          </a:xfrm>
+          <a:prstGeom prst="rect">
+            <a:avLst/>
+          </a:prstGeom>
+        </p:spPr>
+      </p:pic>
+      <p:pic>
+        <p:nvPicPr>
+          <p:cNvPr id="3" name="그림 2"/>
+          <p:cNvPicPr>
+            <a:picLocks noChangeAspect="1"/>
+          </p:cNvPicPr>
+          <p:nvPr/>
+        </p:nvPicPr>
+        <p:blipFill>
+          <a:blip r:embed="rId3"/>
+          <a:stretch>
+            <a:fillRect/>
+          </a:stretch>
+        </p:blipFill>
+        <p:spPr>
+          <a:xfrm>
+            <a:off x="5026263" y="280219"/>
+            <a:ext cx="6858957" cy="4715533"/>
+          </a:xfrm>
+          <a:prstGeom prst="rect">
+            <a:avLst/>
+          </a:prstGeom>
+        </p:spPr>
+      </p:pic>
+    </p:spTree>
+    <p:extLst>
+      <p:ext uri="{BB962C8B-B14F-4D97-AF65-F5344CB8AC3E}">
+        <p14:creationId xmlns:p14="http://schemas.microsoft.com/office/powerpoint/2010/main" val="2089155964"/>
+      </p:ext>
+    </p:extLst>
+  </p:cSld>
+  <p:clrMapOvr>
+    <a:masterClrMapping/>
+  </p:clrMapOvr>
+</p:sld>
+</file>
+
 <file path=ppt/slides/slide4.xml><?xml version="1.0" encoding="utf-8"?>
 <p:sld xmlns:a="http://schemas.openxmlformats.org/drawingml/2006/main" xmlns:r="http://schemas.openxmlformats.org/officeDocument/2006/relationships" xmlns:p="http://schemas.openxmlformats.org/presentationml/2006/main">
   <p:cSld>
@@ -19253,7 +19339,7 @@
           <p:cNvPr id="3" name="그림 2">
             <a:extLst>
               <a:ext uri="{FF2B5EF4-FFF2-40B4-BE49-F238E27FC236}">
-                <a16:creationId xmlns:a16="http://schemas.microsoft.com/office/drawing/2014/main" id="{4F0E45DA-A040-C08F-5964-2F2F14153C78}"/>
+                <a16:creationId xmlns:a16="http://schemas.microsoft.com/office/drawing/2014/main" xmlns="" id="{4F0E45DA-A040-C08F-5964-2F2F14153C78}"/>
               </a:ext>
             </a:extLst>
           </p:cNvPr>
@@ -19283,7 +19369,7 @@
           <p:cNvPr id="4" name="TextBox 3">
             <a:extLst>
               <a:ext uri="{FF2B5EF4-FFF2-40B4-BE49-F238E27FC236}">
-                <a16:creationId xmlns:a16="http://schemas.microsoft.com/office/drawing/2014/main" id="{B27BEA47-13E2-1EF8-9E78-214FD184A564}"/>
+                <a16:creationId xmlns:a16="http://schemas.microsoft.com/office/drawing/2014/main" xmlns="" id="{B27BEA47-13E2-1EF8-9E78-214FD184A564}"/>
               </a:ext>
             </a:extLst>
           </p:cNvPr>
@@ -19518,7 +19604,7 @@
               <p14:cNvPr id="5" name="잉크 4">
                 <a:extLst>
                   <a:ext uri="{FF2B5EF4-FFF2-40B4-BE49-F238E27FC236}">
-                    <a16:creationId xmlns:a16="http://schemas.microsoft.com/office/drawing/2014/main" id="{C114B994-E887-00E3-AE38-2B1A89414F40}"/>
+                    <a16:creationId xmlns:a16="http://schemas.microsoft.com/office/drawing/2014/main" xmlns="" id="{C114B994-E887-00E3-AE38-2B1A89414F40}"/>
                   </a:ext>
                 </a:extLst>
               </p14:cNvPr>
@@ -19569,7 +19655,7 @@
               <p14:cNvPr id="6" name="잉크 5">
                 <a:extLst>
                   <a:ext uri="{FF2B5EF4-FFF2-40B4-BE49-F238E27FC236}">
-                    <a16:creationId xmlns:a16="http://schemas.microsoft.com/office/drawing/2014/main" id="{A2DD6AD6-9776-930D-7F3A-AEF95C824B70}"/>
+                    <a16:creationId xmlns:a16="http://schemas.microsoft.com/office/drawing/2014/main" xmlns="" id="{A2DD6AD6-9776-930D-7F3A-AEF95C824B70}"/>
                   </a:ext>
                 </a:extLst>
               </p14:cNvPr>
@@ -19648,7 +19734,7 @@
           <p:cNvPr id="3" name="그림 2">
             <a:extLst>
               <a:ext uri="{FF2B5EF4-FFF2-40B4-BE49-F238E27FC236}">
-                <a16:creationId xmlns:a16="http://schemas.microsoft.com/office/drawing/2014/main" id="{6B4BF0FF-8419-995E-5E8F-F1B1B0F22127}"/>
+                <a16:creationId xmlns:a16="http://schemas.microsoft.com/office/drawing/2014/main" xmlns="" id="{6B4BF0FF-8419-995E-5E8F-F1B1B0F22127}"/>
               </a:ext>
             </a:extLst>
           </p:cNvPr>
@@ -19678,7 +19764,7 @@
           <p:cNvPr id="4" name="TextBox 3">
             <a:extLst>
               <a:ext uri="{FF2B5EF4-FFF2-40B4-BE49-F238E27FC236}">
-                <a16:creationId xmlns:a16="http://schemas.microsoft.com/office/drawing/2014/main" id="{E58AF88D-B88B-F3AB-CF9C-082A3B284970}"/>
+                <a16:creationId xmlns:a16="http://schemas.microsoft.com/office/drawing/2014/main" xmlns="" id="{E58AF88D-B88B-F3AB-CF9C-082A3B284970}"/>
               </a:ext>
             </a:extLst>
           </p:cNvPr>
@@ -19918,7 +20004,7 @@
               <p14:cNvPr id="5" name="잉크 4">
                 <a:extLst>
                   <a:ext uri="{FF2B5EF4-FFF2-40B4-BE49-F238E27FC236}">
-                    <a16:creationId xmlns:a16="http://schemas.microsoft.com/office/drawing/2014/main" id="{658DCE18-3F62-555E-C17B-29040B3BAB71}"/>
+                    <a16:creationId xmlns:a16="http://schemas.microsoft.com/office/drawing/2014/main" xmlns="" id="{658DCE18-3F62-555E-C17B-29040B3BAB71}"/>
                   </a:ext>
                 </a:extLst>
               </p14:cNvPr>
@@ -19969,7 +20055,7 @@
               <p14:cNvPr id="6" name="잉크 5">
                 <a:extLst>
                   <a:ext uri="{FF2B5EF4-FFF2-40B4-BE49-F238E27FC236}">
-                    <a16:creationId xmlns:a16="http://schemas.microsoft.com/office/drawing/2014/main" id="{D53CAD58-AB91-7C90-F877-C4F61C53A76A}"/>
+                    <a16:creationId xmlns:a16="http://schemas.microsoft.com/office/drawing/2014/main" xmlns="" id="{D53CAD58-AB91-7C90-F877-C4F61C53A76A}"/>
                   </a:ext>
                 </a:extLst>
               </p14:cNvPr>
@@ -20048,7 +20134,7 @@
           <p:cNvPr id="3" name="그림 2">
             <a:extLst>
               <a:ext uri="{FF2B5EF4-FFF2-40B4-BE49-F238E27FC236}">
-                <a16:creationId xmlns:a16="http://schemas.microsoft.com/office/drawing/2014/main" id="{CDF53307-166C-F1EB-DB96-7A121CE29BAB}"/>
+                <a16:creationId xmlns:a16="http://schemas.microsoft.com/office/drawing/2014/main" xmlns="" id="{CDF53307-166C-F1EB-DB96-7A121CE29BAB}"/>
               </a:ext>
             </a:extLst>
           </p:cNvPr>
@@ -20078,7 +20164,7 @@
           <p:cNvPr id="4" name="TextBox 3">
             <a:extLst>
               <a:ext uri="{FF2B5EF4-FFF2-40B4-BE49-F238E27FC236}">
-                <a16:creationId xmlns:a16="http://schemas.microsoft.com/office/drawing/2014/main" id="{C931B526-BBE6-9B50-02FF-368BF840197B}"/>
+                <a16:creationId xmlns:a16="http://schemas.microsoft.com/office/drawing/2014/main" xmlns="" id="{C931B526-BBE6-9B50-02FF-368BF840197B}"/>
               </a:ext>
             </a:extLst>
           </p:cNvPr>
@@ -20291,7 +20377,7 @@
               <p14:cNvPr id="10" name="잉크 9">
                 <a:extLst>
                   <a:ext uri="{FF2B5EF4-FFF2-40B4-BE49-F238E27FC236}">
-                    <a16:creationId xmlns:a16="http://schemas.microsoft.com/office/drawing/2014/main" id="{C8145160-7AC7-DBEE-651B-197AE6AC1321}"/>
+                    <a16:creationId xmlns:a16="http://schemas.microsoft.com/office/drawing/2014/main" xmlns="" id="{C8145160-7AC7-DBEE-651B-197AE6AC1321}"/>
                   </a:ext>
                 </a:extLst>
               </p14:cNvPr>
@@ -20342,7 +20428,7 @@
               <p14:cNvPr id="11" name="잉크 10">
                 <a:extLst>
                   <a:ext uri="{FF2B5EF4-FFF2-40B4-BE49-F238E27FC236}">
-                    <a16:creationId xmlns:a16="http://schemas.microsoft.com/office/drawing/2014/main" id="{CB91056E-1DC6-40EC-3419-CD259F74A9C5}"/>
+                    <a16:creationId xmlns:a16="http://schemas.microsoft.com/office/drawing/2014/main" xmlns="" id="{CB91056E-1DC6-40EC-3419-CD259F74A9C5}"/>
                   </a:ext>
                 </a:extLst>
               </p14:cNvPr>
@@ -20393,7 +20479,7 @@
               <p14:cNvPr id="13" name="잉크 12">
                 <a:extLst>
                   <a:ext uri="{FF2B5EF4-FFF2-40B4-BE49-F238E27FC236}">
-                    <a16:creationId xmlns:a16="http://schemas.microsoft.com/office/drawing/2014/main" id="{91FD0258-56A0-17BA-FC7A-36168605BB31}"/>
+                    <a16:creationId xmlns:a16="http://schemas.microsoft.com/office/drawing/2014/main" xmlns="" id="{91FD0258-56A0-17BA-FC7A-36168605BB31}"/>
                   </a:ext>
                 </a:extLst>
               </p14:cNvPr>
@@ -20444,7 +20530,7 @@
               <p14:cNvPr id="14" name="잉크 13">
                 <a:extLst>
                   <a:ext uri="{FF2B5EF4-FFF2-40B4-BE49-F238E27FC236}">
-                    <a16:creationId xmlns:a16="http://schemas.microsoft.com/office/drawing/2014/main" id="{01F678E5-A5C9-7CF1-916A-4AEBDF925549}"/>
+                    <a16:creationId xmlns:a16="http://schemas.microsoft.com/office/drawing/2014/main" xmlns="" id="{01F678E5-A5C9-7CF1-916A-4AEBDF925549}"/>
                   </a:ext>
                 </a:extLst>
               </p14:cNvPr>
@@ -20495,7 +20581,7 @@
               <p14:cNvPr id="15" name="잉크 14">
                 <a:extLst>
                   <a:ext uri="{FF2B5EF4-FFF2-40B4-BE49-F238E27FC236}">
-                    <a16:creationId xmlns:a16="http://schemas.microsoft.com/office/drawing/2014/main" id="{DC20750D-713D-AD55-6009-2967BF6276AE}"/>
+                    <a16:creationId xmlns:a16="http://schemas.microsoft.com/office/drawing/2014/main" xmlns="" id="{DC20750D-713D-AD55-6009-2967BF6276AE}"/>
                   </a:ext>
                 </a:extLst>
               </p14:cNvPr>
@@ -20574,7 +20660,7 @@
           <p:cNvPr id="11" name="그림 10">
             <a:extLst>
               <a:ext uri="{FF2B5EF4-FFF2-40B4-BE49-F238E27FC236}">
-                <a16:creationId xmlns:a16="http://schemas.microsoft.com/office/drawing/2014/main" id="{B4451470-82CC-DB09-F3A7-ED91F11541A8}"/>
+                <a16:creationId xmlns:a16="http://schemas.microsoft.com/office/drawing/2014/main" xmlns="" id="{B4451470-82CC-DB09-F3A7-ED91F11541A8}"/>
               </a:ext>
             </a:extLst>
           </p:cNvPr>
@@ -20606,7 +20692,7 @@
               <p14:cNvPr id="12" name="잉크 11">
                 <a:extLst>
                   <a:ext uri="{FF2B5EF4-FFF2-40B4-BE49-F238E27FC236}">
-                    <a16:creationId xmlns:a16="http://schemas.microsoft.com/office/drawing/2014/main" id="{02B1FF83-08C1-B399-9163-90EF8B3AD573}"/>
+                    <a16:creationId xmlns:a16="http://schemas.microsoft.com/office/drawing/2014/main" xmlns="" id="{02B1FF83-08C1-B399-9163-90EF8B3AD573}"/>
                   </a:ext>
                 </a:extLst>
               </p14:cNvPr>
@@ -20657,7 +20743,7 @@
               <p14:cNvPr id="13" name="잉크 12">
                 <a:extLst>
                   <a:ext uri="{FF2B5EF4-FFF2-40B4-BE49-F238E27FC236}">
-                    <a16:creationId xmlns:a16="http://schemas.microsoft.com/office/drawing/2014/main" id="{4AE8841A-1487-C4CE-9E6A-F36732F9B251}"/>
+                    <a16:creationId xmlns:a16="http://schemas.microsoft.com/office/drawing/2014/main" xmlns="" id="{4AE8841A-1487-C4CE-9E6A-F36732F9B251}"/>
                   </a:ext>
                 </a:extLst>
               </p14:cNvPr>
@@ -20708,7 +20794,7 @@
               <p14:cNvPr id="14" name="잉크 13">
                 <a:extLst>
                   <a:ext uri="{FF2B5EF4-FFF2-40B4-BE49-F238E27FC236}">
-                    <a16:creationId xmlns:a16="http://schemas.microsoft.com/office/drawing/2014/main" id="{4EC5D21D-B799-07F3-DF83-82FD4FB8BC25}"/>
+                    <a16:creationId xmlns:a16="http://schemas.microsoft.com/office/drawing/2014/main" xmlns="" id="{4EC5D21D-B799-07F3-DF83-82FD4FB8BC25}"/>
                   </a:ext>
                 </a:extLst>
               </p14:cNvPr>
@@ -20759,7 +20845,7 @@
               <p14:cNvPr id="15" name="잉크 14">
                 <a:extLst>
                   <a:ext uri="{FF2B5EF4-FFF2-40B4-BE49-F238E27FC236}">
-                    <a16:creationId xmlns:a16="http://schemas.microsoft.com/office/drawing/2014/main" id="{D5572DE6-082B-BBB4-EE5E-D0587435CC23}"/>
+                    <a16:creationId xmlns:a16="http://schemas.microsoft.com/office/drawing/2014/main" xmlns="" id="{D5572DE6-082B-BBB4-EE5E-D0587435CC23}"/>
                   </a:ext>
                 </a:extLst>
               </p14:cNvPr>
@@ -20810,7 +20896,7 @@
               <p14:cNvPr id="16" name="잉크 15">
                 <a:extLst>
                   <a:ext uri="{FF2B5EF4-FFF2-40B4-BE49-F238E27FC236}">
-                    <a16:creationId xmlns:a16="http://schemas.microsoft.com/office/drawing/2014/main" id="{09FC0469-60FD-7A2D-098E-567037BE16FD}"/>
+                    <a16:creationId xmlns:a16="http://schemas.microsoft.com/office/drawing/2014/main" xmlns="" id="{09FC0469-60FD-7A2D-098E-567037BE16FD}"/>
                   </a:ext>
                 </a:extLst>
               </p14:cNvPr>
@@ -20861,7 +20947,7 @@
               <p14:cNvPr id="17" name="잉크 16">
                 <a:extLst>
                   <a:ext uri="{FF2B5EF4-FFF2-40B4-BE49-F238E27FC236}">
-                    <a16:creationId xmlns:a16="http://schemas.microsoft.com/office/drawing/2014/main" id="{EEBE3C72-8F62-AF50-9B20-139ED9B36423}"/>
+                    <a16:creationId xmlns:a16="http://schemas.microsoft.com/office/drawing/2014/main" xmlns="" id="{EEBE3C72-8F62-AF50-9B20-139ED9B36423}"/>
                   </a:ext>
                 </a:extLst>
               </p14:cNvPr>
@@ -20910,7 +20996,7 @@
           <p:cNvPr id="18" name="TextBox 17">
             <a:extLst>
               <a:ext uri="{FF2B5EF4-FFF2-40B4-BE49-F238E27FC236}">
-                <a16:creationId xmlns:a16="http://schemas.microsoft.com/office/drawing/2014/main" id="{E8BFF255-9ADC-954F-7B96-69CCCB416324}"/>
+                <a16:creationId xmlns:a16="http://schemas.microsoft.com/office/drawing/2014/main" xmlns="" id="{E8BFF255-9ADC-954F-7B96-69CCCB416324}"/>
               </a:ext>
             </a:extLst>
           </p:cNvPr>
@@ -21528,7 +21614,7 @@
           <p:cNvPr id="5" name="그림 4">
             <a:extLst>
               <a:ext uri="{FF2B5EF4-FFF2-40B4-BE49-F238E27FC236}">
-                <a16:creationId xmlns:a16="http://schemas.microsoft.com/office/drawing/2014/main" id="{B6D8B663-5A3E-E156-5130-F145B0ABB63C}"/>
+                <a16:creationId xmlns:a16="http://schemas.microsoft.com/office/drawing/2014/main" xmlns="" id="{B6D8B663-5A3E-E156-5130-F145B0ABB63C}"/>
               </a:ext>
             </a:extLst>
           </p:cNvPr>
@@ -21560,7 +21646,7 @@
               <p14:cNvPr id="6" name="잉크 5">
                 <a:extLst>
                   <a:ext uri="{FF2B5EF4-FFF2-40B4-BE49-F238E27FC236}">
-                    <a16:creationId xmlns:a16="http://schemas.microsoft.com/office/drawing/2014/main" id="{886EB8E3-0ADF-958C-3C97-358122F4D273}"/>
+                    <a16:creationId xmlns:a16="http://schemas.microsoft.com/office/drawing/2014/main" xmlns="" id="{886EB8E3-0ADF-958C-3C97-358122F4D273}"/>
                   </a:ext>
                 </a:extLst>
               </p14:cNvPr>
@@ -21611,7 +21697,7 @@
               <p14:cNvPr id="7" name="잉크 6">
                 <a:extLst>
                   <a:ext uri="{FF2B5EF4-FFF2-40B4-BE49-F238E27FC236}">
-                    <a16:creationId xmlns:a16="http://schemas.microsoft.com/office/drawing/2014/main" id="{E6C3749B-94DA-060D-5BAD-F0A478ED087B}"/>
+                    <a16:creationId xmlns:a16="http://schemas.microsoft.com/office/drawing/2014/main" xmlns="" id="{E6C3749B-94DA-060D-5BAD-F0A478ED087B}"/>
                   </a:ext>
                 </a:extLst>
               </p14:cNvPr>
@@ -21662,7 +21748,7 @@
               <p14:cNvPr id="8" name="잉크 7">
                 <a:extLst>
                   <a:ext uri="{FF2B5EF4-FFF2-40B4-BE49-F238E27FC236}">
-                    <a16:creationId xmlns:a16="http://schemas.microsoft.com/office/drawing/2014/main" id="{878C895D-7631-D3AF-C102-2398FA5124CD}"/>
+                    <a16:creationId xmlns:a16="http://schemas.microsoft.com/office/drawing/2014/main" xmlns="" id="{878C895D-7631-D3AF-C102-2398FA5124CD}"/>
                   </a:ext>
                 </a:extLst>
               </p14:cNvPr>
@@ -21711,7 +21797,7 @@
           <p:cNvPr id="10" name="TextBox 9">
             <a:extLst>
               <a:ext uri="{FF2B5EF4-FFF2-40B4-BE49-F238E27FC236}">
-                <a16:creationId xmlns:a16="http://schemas.microsoft.com/office/drawing/2014/main" id="{3694E4E5-F740-2EA6-C8BC-5E4F8B2B58B2}"/>
+                <a16:creationId xmlns:a16="http://schemas.microsoft.com/office/drawing/2014/main" xmlns="" id="{3694E4E5-F740-2EA6-C8BC-5E4F8B2B58B2}"/>
               </a:ext>
             </a:extLst>
           </p:cNvPr>
@@ -22169,7 +22255,7 @@
           <p:cNvPr id="7" name="그림 6">
             <a:extLst>
               <a:ext uri="{FF2B5EF4-FFF2-40B4-BE49-F238E27FC236}">
-                <a16:creationId xmlns:a16="http://schemas.microsoft.com/office/drawing/2014/main" id="{C48EB764-BC38-2859-2D8F-66F47F4C645D}"/>
+                <a16:creationId xmlns:a16="http://schemas.microsoft.com/office/drawing/2014/main" xmlns="" id="{C48EB764-BC38-2859-2D8F-66F47F4C645D}"/>
               </a:ext>
             </a:extLst>
           </p:cNvPr>
@@ -22201,7 +22287,7 @@
               <p14:cNvPr id="8" name="잉크 7">
                 <a:extLst>
                   <a:ext uri="{FF2B5EF4-FFF2-40B4-BE49-F238E27FC236}">
-                    <a16:creationId xmlns:a16="http://schemas.microsoft.com/office/drawing/2014/main" id="{A6606D39-8188-F63E-E9C4-EE76572E061E}"/>
+                    <a16:creationId xmlns:a16="http://schemas.microsoft.com/office/drawing/2014/main" xmlns="" id="{A6606D39-8188-F63E-E9C4-EE76572E061E}"/>
                   </a:ext>
                 </a:extLst>
               </p14:cNvPr>
@@ -22252,7 +22338,7 @@
               <p14:cNvPr id="9" name="잉크 8">
                 <a:extLst>
                   <a:ext uri="{FF2B5EF4-FFF2-40B4-BE49-F238E27FC236}">
-                    <a16:creationId xmlns:a16="http://schemas.microsoft.com/office/drawing/2014/main" id="{D3926954-9BF9-04B3-65A7-0B9CF27FBD58}"/>
+                    <a16:creationId xmlns:a16="http://schemas.microsoft.com/office/drawing/2014/main" xmlns="" id="{D3926954-9BF9-04B3-65A7-0B9CF27FBD58}"/>
                   </a:ext>
                 </a:extLst>
               </p14:cNvPr>
@@ -22303,7 +22389,7 @@
               <p14:cNvPr id="10" name="잉크 9">
                 <a:extLst>
                   <a:ext uri="{FF2B5EF4-FFF2-40B4-BE49-F238E27FC236}">
-                    <a16:creationId xmlns:a16="http://schemas.microsoft.com/office/drawing/2014/main" id="{94DD1296-1EBE-2F43-5406-EFD02934195D}"/>
+                    <a16:creationId xmlns:a16="http://schemas.microsoft.com/office/drawing/2014/main" xmlns="" id="{94DD1296-1EBE-2F43-5406-EFD02934195D}"/>
                   </a:ext>
                 </a:extLst>
               </p14:cNvPr>
@@ -22352,7 +22438,7 @@
           <p:cNvPr id="11" name="TextBox 10">
             <a:extLst>
               <a:ext uri="{FF2B5EF4-FFF2-40B4-BE49-F238E27FC236}">
-                <a16:creationId xmlns:a16="http://schemas.microsoft.com/office/drawing/2014/main" id="{29894B3D-3FED-CFA0-9F9B-62951B1BA8E4}"/>
+                <a16:creationId xmlns:a16="http://schemas.microsoft.com/office/drawing/2014/main" xmlns="" id="{29894B3D-3FED-CFA0-9F9B-62951B1BA8E4}"/>
               </a:ext>
             </a:extLst>
           </p:cNvPr>
